--- a/doc/IOT/物联网解决方案.pptx
+++ b/doc/IOT/物联网解决方案.pptx
@@ -3,7 +3,7 @@
 <p:presentation xmlns:a="http://schemas.openxmlformats.org/drawingml/2006/main" xmlns:r="http://schemas.openxmlformats.org/officeDocument/2006/relationships" xmlns:p="http://schemas.openxmlformats.org/presentationml/2006/main" saveSubsetFonts="1">
   <p:sldMasterIdLst>
     <p:sldMasterId id="2147483791" r:id="rId1"/>
-    <p:sldMasterId id="2147484170" r:id="rId2"/>
+    <p:sldMasterId id="2147484224" r:id="rId2"/>
   </p:sldMasterIdLst>
   <p:notesMasterIdLst>
     <p:notesMasterId r:id="rId5"/>
@@ -12,7 +12,7 @@
     <p:sldId id="257" r:id="rId3"/>
     <p:sldId id="258" r:id="rId4"/>
   </p:sldIdLst>
-  <p:sldSz cx="6858000" cy="9906000" type="A4"/>
+  <p:sldSz cx="17610138" cy="17610138"/>
   <p:notesSz cx="6858000" cy="9144000"/>
   <p:defaultTextStyle>
     <a:defPPr>
@@ -199,7 +199,7 @@
           <a:p>
             <a:fld id="{24395B15-29AF-4A3D-845C-82EFF3A2837A}" type="datetimeFigureOut">
               <a:rPr lang="zh-CN" altLang="en-US" smtClean="0"/>
-              <a:t>2019-03-14</a:t>
+              <a:t>2019-03-22</a:t>
             </a:fld>
             <a:endParaRPr lang="zh-CN" altLang="en-US"/>
           </a:p>
@@ -217,8 +217,8 @@
         </p:nvSpPr>
         <p:spPr>
           <a:xfrm>
-            <a:off x="2360613" y="1143000"/>
-            <a:ext cx="2136775" cy="3086100"/>
+            <a:off x="1885950" y="1143000"/>
+            <a:ext cx="3086100" cy="3086100"/>
           </a:xfrm>
           <a:prstGeom prst="rect">
             <a:avLst/>
@@ -495,8 +495,8 @@
         </p:nvSpPr>
         <p:spPr>
           <a:xfrm>
-            <a:off x="857250" y="1624321"/>
-            <a:ext cx="5143500" cy="3448756"/>
+            <a:off x="2201267" y="2887595"/>
+            <a:ext cx="13207604" cy="6130938"/>
           </a:xfrm>
         </p:spPr>
         <p:txBody>
@@ -529,8 +529,8 @@
         </p:nvSpPr>
         <p:spPr>
           <a:xfrm>
-            <a:off x="857250" y="5202944"/>
-            <a:ext cx="5143500" cy="2391656"/>
+            <a:off x="2201267" y="9249401"/>
+            <a:ext cx="13207604" cy="4251705"/>
           </a:xfrm>
         </p:spPr>
         <p:txBody>
@@ -608,7 +608,7 @@
           <a:p>
             <a:fld id="{5D4DFE8B-C0A0-4175-8DFB-4F7650DFF34A}" type="datetimeFigureOut">
               <a:rPr lang="zh-CN" altLang="en-US" smtClean="0"/>
-              <a:t>2019-03-14</a:t>
+              <a:t>2019-03-22</a:t>
             </a:fld>
             <a:endParaRPr lang="zh-CN" altLang="en-US"/>
           </a:p>
@@ -778,7 +778,7 @@
           <a:p>
             <a:fld id="{5D4DFE8B-C0A0-4175-8DFB-4F7650DFF34A}" type="datetimeFigureOut">
               <a:rPr lang="zh-CN" altLang="en-US" smtClean="0"/>
-              <a:t>2019-03-14</a:t>
+              <a:t>2019-03-22</a:t>
             </a:fld>
             <a:endParaRPr lang="zh-CN" altLang="en-US"/>
           </a:p>
@@ -868,8 +868,8 @@
         </p:nvSpPr>
         <p:spPr>
           <a:xfrm>
-            <a:off x="4907756" y="520523"/>
-            <a:ext cx="1478756" cy="8394877"/>
+            <a:off x="12602255" y="925351"/>
+            <a:ext cx="3797186" cy="14923778"/>
           </a:xfrm>
         </p:spPr>
         <p:txBody>
@@ -896,8 +896,8 @@
         </p:nvSpPr>
         <p:spPr>
           <a:xfrm>
-            <a:off x="471487" y="520523"/>
-            <a:ext cx="4350544" cy="8394876"/>
+            <a:off x="1210697" y="925346"/>
+            <a:ext cx="11171432" cy="14923776"/>
           </a:xfrm>
         </p:spPr>
         <p:txBody>
@@ -958,7 +958,7 @@
           <a:p>
             <a:fld id="{5D4DFE8B-C0A0-4175-8DFB-4F7650DFF34A}" type="datetimeFigureOut">
               <a:rPr lang="zh-CN" altLang="en-US" smtClean="0"/>
-              <a:t>2019-03-14</a:t>
+              <a:t>2019-03-22</a:t>
             </a:fld>
             <a:endParaRPr lang="zh-CN" altLang="en-US"/>
           </a:p>
@@ -1048,15 +1048,15 @@
         </p:nvSpPr>
         <p:spPr>
           <a:xfrm>
-            <a:off x="649832" y="2091269"/>
-            <a:ext cx="4965726" cy="4809395"/>
+            <a:off x="1668653" y="3717700"/>
+            <a:ext cx="12751111" cy="8549778"/>
           </a:xfrm>
         </p:spPr>
         <p:txBody>
           <a:bodyPr anchor="b"/>
           <a:lstStyle>
             <a:lvl1pPr>
-              <a:defRPr sz="5400"/>
+              <a:defRPr sz="13866"/>
             </a:lvl1pPr>
           </a:lstStyle>
           <a:p>
@@ -1080,8 +1080,8 @@
         </p:nvSpPr>
         <p:spPr>
           <a:xfrm>
-            <a:off x="649832" y="6900660"/>
-            <a:ext cx="4965726" cy="1244273"/>
+            <a:off x="1668653" y="12267472"/>
+            <a:ext cx="12751111" cy="2211975"/>
           </a:xfrm>
         </p:spPr>
         <p:txBody>
@@ -1095,7 +1095,7 @@
                 </a:solidFill>
               </a:defRPr>
             </a:lvl1pPr>
-            <a:lvl2pPr marL="342900" indent="0" algn="ctr">
+            <a:lvl2pPr marL="880521" indent="0" algn="ctr">
               <a:buNone/>
               <a:defRPr>
                 <a:solidFill>
@@ -1105,7 +1105,7 @@
                 </a:solidFill>
               </a:defRPr>
             </a:lvl2pPr>
-            <a:lvl3pPr marL="685800" indent="0" algn="ctr">
+            <a:lvl3pPr marL="1761043" indent="0" algn="ctr">
               <a:buNone/>
               <a:defRPr>
                 <a:solidFill>
@@ -1115,7 +1115,7 @@
                 </a:solidFill>
               </a:defRPr>
             </a:lvl3pPr>
-            <a:lvl4pPr marL="1028700" indent="0" algn="ctr">
+            <a:lvl4pPr marL="2641564" indent="0" algn="ctr">
               <a:buNone/>
               <a:defRPr>
                 <a:solidFill>
@@ -1125,7 +1125,7 @@
                 </a:solidFill>
               </a:defRPr>
             </a:lvl4pPr>
-            <a:lvl5pPr marL="1371600" indent="0" algn="ctr">
+            <a:lvl5pPr marL="3522086" indent="0" algn="ctr">
               <a:buNone/>
               <a:defRPr>
                 <a:solidFill>
@@ -1135,7 +1135,7 @@
                 </a:solidFill>
               </a:defRPr>
             </a:lvl5pPr>
-            <a:lvl6pPr marL="1714500" indent="0" algn="ctr">
+            <a:lvl6pPr marL="4402607" indent="0" algn="ctr">
               <a:buNone/>
               <a:defRPr>
                 <a:solidFill>
@@ -1145,7 +1145,7 @@
                 </a:solidFill>
               </a:defRPr>
             </a:lvl6pPr>
-            <a:lvl7pPr marL="2057400" indent="0" algn="ctr">
+            <a:lvl7pPr marL="5283129" indent="0" algn="ctr">
               <a:buNone/>
               <a:defRPr>
                 <a:solidFill>
@@ -1155,7 +1155,7 @@
                 </a:solidFill>
               </a:defRPr>
             </a:lvl7pPr>
-            <a:lvl8pPr marL="2400300" indent="0" algn="ctr">
+            <a:lvl8pPr marL="6163650" indent="0" algn="ctr">
               <a:buNone/>
               <a:defRPr>
                 <a:solidFill>
@@ -1165,7 +1165,7 @@
                 </a:solidFill>
               </a:defRPr>
             </a:lvl8pPr>
-            <a:lvl9pPr marL="2743200" indent="0" algn="ctr">
+            <a:lvl9pPr marL="7044172" indent="0" algn="ctr">
               <a:buNone/>
               <a:defRPr>
                 <a:solidFill>
@@ -1202,7 +1202,7 @@
           <a:p>
             <a:fld id="{5D4DFE8B-C0A0-4175-8DFB-4F7650DFF34A}" type="datetimeFigureOut">
               <a:rPr lang="zh-CN" altLang="en-US" smtClean="0"/>
-              <a:t>2019-03-14</a:t>
+              <a:t>2019-03-22</a:t>
             </a:fld>
             <a:endParaRPr lang="zh-CN" altLang="en-US"/>
           </a:p>
@@ -1253,7 +1253,7 @@
     </p:spTree>
     <p:extLst>
       <p:ext uri="{BB962C8B-B14F-4D97-AF65-F5344CB8AC3E}">
-        <p14:creationId xmlns:p14="http://schemas.microsoft.com/office/powerpoint/2010/main" val="9483857"/>
+        <p14:creationId xmlns:p14="http://schemas.microsoft.com/office/powerpoint/2010/main" val="1413986398"/>
       </p:ext>
     </p:extLst>
   </p:cSld>
@@ -1321,35 +1321,35 @@
             <a:pPr lvl="0"/>
             <a:r>
               <a:rPr lang="zh-CN" altLang="en-US"/>
-              <a:t>编辑母版文本样式</a:t>
+              <a:t>单击此处编辑母版文本样式</a:t>
             </a:r>
           </a:p>
           <a:p>
             <a:pPr lvl="1"/>
             <a:r>
               <a:rPr lang="zh-CN" altLang="en-US"/>
-              <a:t>第二级</a:t>
+              <a:t>二级</a:t>
             </a:r>
           </a:p>
           <a:p>
             <a:pPr lvl="2"/>
             <a:r>
               <a:rPr lang="zh-CN" altLang="en-US"/>
-              <a:t>第三级</a:t>
+              <a:t>三级</a:t>
             </a:r>
           </a:p>
           <a:p>
             <a:pPr lvl="3"/>
             <a:r>
               <a:rPr lang="zh-CN" altLang="en-US"/>
-              <a:t>第四级</a:t>
+              <a:t>四级</a:t>
             </a:r>
           </a:p>
           <a:p>
             <a:pPr lvl="4"/>
             <a:r>
               <a:rPr lang="zh-CN" altLang="en-US"/>
-              <a:t>第五级</a:t>
+              <a:t>五级</a:t>
             </a:r>
             <a:endParaRPr lang="en-US" dirty="0"/>
           </a:p>
@@ -1372,7 +1372,7 @@
           <a:p>
             <a:fld id="{5D4DFE8B-C0A0-4175-8DFB-4F7650DFF34A}" type="datetimeFigureOut">
               <a:rPr lang="zh-CN" altLang="en-US" smtClean="0"/>
-              <a:t>2019-03-14</a:t>
+              <a:t>2019-03-22</a:t>
             </a:fld>
             <a:endParaRPr lang="zh-CN" altLang="en-US"/>
           </a:p>
@@ -1423,7 +1423,7 @@
     </p:spTree>
     <p:extLst>
       <p:ext uri="{BB962C8B-B14F-4D97-AF65-F5344CB8AC3E}">
-        <p14:creationId xmlns:p14="http://schemas.microsoft.com/office/powerpoint/2010/main" val="3459298418"/>
+        <p14:creationId xmlns:p14="http://schemas.microsoft.com/office/powerpoint/2010/main" val="362608293"/>
       </p:ext>
     </p:extLst>
   </p:cSld>
@@ -1462,15 +1462,15 @@
         </p:nvSpPr>
         <p:spPr>
           <a:xfrm>
-            <a:off x="649833" y="4133616"/>
-            <a:ext cx="4965725" cy="2767046"/>
+            <a:off x="1668656" y="7348431"/>
+            <a:ext cx="12751109" cy="4919045"/>
           </a:xfrm>
         </p:spPr>
         <p:txBody>
           <a:bodyPr anchor="b"/>
           <a:lstStyle>
             <a:lvl1pPr algn="l">
-              <a:defRPr sz="3000" b="0" cap="none"/>
+              <a:defRPr sz="7704" b="0" cap="none"/>
             </a:lvl1pPr>
           </a:lstStyle>
           <a:p>
@@ -1494,8 +1494,8 @@
         </p:nvSpPr>
         <p:spPr>
           <a:xfrm>
-            <a:off x="649832" y="6900661"/>
-            <a:ext cx="4965726" cy="1242800"/>
+            <a:off x="1668653" y="12267474"/>
+            <a:ext cx="12751111" cy="2209356"/>
           </a:xfrm>
         </p:spPr>
         <p:txBody>
@@ -1503,15 +1503,15 @@
           <a:lstStyle>
             <a:lvl1pPr marL="0" indent="0" algn="l">
               <a:buNone/>
-              <a:defRPr sz="1500" cap="all">
+              <a:defRPr sz="3852" cap="all">
                 <a:solidFill>
                   <a:schemeClr val="accent1"/>
                 </a:solidFill>
               </a:defRPr>
             </a:lvl1pPr>
-            <a:lvl2pPr marL="342900" indent="0">
-              <a:buNone/>
-              <a:defRPr sz="1350">
+            <a:lvl2pPr marL="880521" indent="0">
+              <a:buNone/>
+              <a:defRPr sz="3467">
                 <a:solidFill>
                   <a:schemeClr val="tx1">
                     <a:tint val="75000"/>
@@ -1519,9 +1519,9 @@
                 </a:solidFill>
               </a:defRPr>
             </a:lvl2pPr>
-            <a:lvl3pPr marL="685800" indent="0">
-              <a:buNone/>
-              <a:defRPr sz="1200">
+            <a:lvl3pPr marL="1761043" indent="0">
+              <a:buNone/>
+              <a:defRPr sz="3081">
                 <a:solidFill>
                   <a:schemeClr val="tx1">
                     <a:tint val="75000"/>
@@ -1529,9 +1529,9 @@
                 </a:solidFill>
               </a:defRPr>
             </a:lvl3pPr>
-            <a:lvl4pPr marL="1028700" indent="0">
-              <a:buNone/>
-              <a:defRPr sz="1050">
+            <a:lvl4pPr marL="2641564" indent="0">
+              <a:buNone/>
+              <a:defRPr sz="2696">
                 <a:solidFill>
                   <a:schemeClr val="tx1">
                     <a:tint val="75000"/>
@@ -1539,9 +1539,9 @@
                 </a:solidFill>
               </a:defRPr>
             </a:lvl4pPr>
-            <a:lvl5pPr marL="1371600" indent="0">
-              <a:buNone/>
-              <a:defRPr sz="1050">
+            <a:lvl5pPr marL="3522086" indent="0">
+              <a:buNone/>
+              <a:defRPr sz="2696">
                 <a:solidFill>
                   <a:schemeClr val="tx1">
                     <a:tint val="75000"/>
@@ -1549,9 +1549,9 @@
                 </a:solidFill>
               </a:defRPr>
             </a:lvl5pPr>
-            <a:lvl6pPr marL="1714500" indent="0">
-              <a:buNone/>
-              <a:defRPr sz="1050">
+            <a:lvl6pPr marL="4402607" indent="0">
+              <a:buNone/>
+              <a:defRPr sz="2696">
                 <a:solidFill>
                   <a:schemeClr val="tx1">
                     <a:tint val="75000"/>
@@ -1559,9 +1559,9 @@
                 </a:solidFill>
               </a:defRPr>
             </a:lvl6pPr>
-            <a:lvl7pPr marL="2057400" indent="0">
-              <a:buNone/>
-              <a:defRPr sz="1050">
+            <a:lvl7pPr marL="5283129" indent="0">
+              <a:buNone/>
+              <a:defRPr sz="2696">
                 <a:solidFill>
                   <a:schemeClr val="tx1">
                     <a:tint val="75000"/>
@@ -1569,9 +1569,9 @@
                 </a:solidFill>
               </a:defRPr>
             </a:lvl7pPr>
-            <a:lvl8pPr marL="2400300" indent="0">
-              <a:buNone/>
-              <a:defRPr sz="1050">
+            <a:lvl8pPr marL="6163650" indent="0">
+              <a:buNone/>
+              <a:defRPr sz="2696">
                 <a:solidFill>
                   <a:schemeClr val="tx1">
                     <a:tint val="75000"/>
@@ -1579,9 +1579,9 @@
                 </a:solidFill>
               </a:defRPr>
             </a:lvl8pPr>
-            <a:lvl9pPr marL="2743200" indent="0">
-              <a:buNone/>
-              <a:defRPr sz="1050">
+            <a:lvl9pPr marL="7044172" indent="0">
+              <a:buNone/>
+              <a:defRPr sz="2696">
                 <a:solidFill>
                   <a:schemeClr val="tx1">
                     <a:tint val="75000"/>
@@ -1594,7 +1594,7 @@
             <a:pPr lvl="0"/>
             <a:r>
               <a:rPr lang="zh-CN" altLang="en-US"/>
-              <a:t>编辑母版文本样式</a:t>
+              <a:t>单击此处编辑母版文本样式</a:t>
             </a:r>
           </a:p>
         </p:txBody>
@@ -1616,7 +1616,7 @@
           <a:p>
             <a:fld id="{5D4DFE8B-C0A0-4175-8DFB-4F7650DFF34A}" type="datetimeFigureOut">
               <a:rPr lang="zh-CN" altLang="en-US" smtClean="0"/>
-              <a:t>2019-03-14</a:t>
+              <a:t>2019-03-22</a:t>
             </a:fld>
             <a:endParaRPr lang="zh-CN" altLang="en-US"/>
           </a:p>
@@ -1667,7 +1667,7 @@
     </p:spTree>
     <p:extLst>
       <p:ext uri="{BB962C8B-B14F-4D97-AF65-F5344CB8AC3E}">
-        <p14:creationId xmlns:p14="http://schemas.microsoft.com/office/powerpoint/2010/main" val="425750869"/>
+        <p14:creationId xmlns:p14="http://schemas.microsoft.com/office/powerpoint/2010/main" val="1649093899"/>
       </p:ext>
     </p:extLst>
   </p:cSld>
@@ -1729,8 +1729,8 @@
         </p:nvSpPr>
         <p:spPr>
           <a:xfrm>
-            <a:off x="620775" y="2976388"/>
-            <a:ext cx="2473585" cy="6060547"/>
+            <a:off x="1594042" y="5291198"/>
+            <a:ext cx="6351731" cy="10773982"/>
           </a:xfrm>
         </p:spPr>
         <p:txBody>
@@ -1739,66 +1739,66 @@
           </a:bodyPr>
           <a:lstStyle>
             <a:lvl1pPr>
-              <a:defRPr sz="1350"/>
+              <a:defRPr sz="3467"/>
             </a:lvl1pPr>
             <a:lvl2pPr>
-              <a:defRPr sz="1200"/>
+              <a:defRPr sz="3081"/>
             </a:lvl2pPr>
             <a:lvl3pPr>
-              <a:defRPr sz="1050"/>
+              <a:defRPr sz="2696"/>
             </a:lvl3pPr>
             <a:lvl4pPr>
-              <a:defRPr sz="900"/>
+              <a:defRPr sz="2311"/>
             </a:lvl4pPr>
             <a:lvl5pPr>
-              <a:defRPr sz="900"/>
+              <a:defRPr sz="2311"/>
             </a:lvl5pPr>
             <a:lvl6pPr>
-              <a:defRPr sz="900"/>
+              <a:defRPr sz="2311"/>
             </a:lvl6pPr>
             <a:lvl7pPr>
-              <a:defRPr sz="900"/>
+              <a:defRPr sz="2311"/>
             </a:lvl7pPr>
             <a:lvl8pPr>
-              <a:defRPr sz="900"/>
+              <a:defRPr sz="2311"/>
             </a:lvl8pPr>
             <a:lvl9pPr>
-              <a:defRPr sz="900"/>
+              <a:defRPr sz="2311"/>
             </a:lvl9pPr>
           </a:lstStyle>
           <a:p>
             <a:pPr lvl="0"/>
             <a:r>
               <a:rPr lang="zh-CN" altLang="en-US"/>
-              <a:t>编辑母版文本样式</a:t>
+              <a:t>单击此处编辑母版文本样式</a:t>
             </a:r>
           </a:p>
           <a:p>
             <a:pPr lvl="1"/>
             <a:r>
               <a:rPr lang="zh-CN" altLang="en-US"/>
-              <a:t>第二级</a:t>
+              <a:t>二级</a:t>
             </a:r>
           </a:p>
           <a:p>
             <a:pPr lvl="2"/>
             <a:r>
               <a:rPr lang="zh-CN" altLang="en-US"/>
-              <a:t>第三级</a:t>
+              <a:t>三级</a:t>
             </a:r>
           </a:p>
           <a:p>
             <a:pPr lvl="3"/>
             <a:r>
               <a:rPr lang="zh-CN" altLang="en-US"/>
-              <a:t>第四级</a:t>
+              <a:t>四级</a:t>
             </a:r>
           </a:p>
           <a:p>
             <a:pPr lvl="4"/>
             <a:r>
               <a:rPr lang="zh-CN" altLang="en-US"/>
-              <a:t>第五级</a:t>
+              <a:t>五级</a:t>
             </a:r>
             <a:endParaRPr lang="en-US" dirty="0"/>
           </a:p>
@@ -1816,8 +1816,8 @@
         </p:nvSpPr>
         <p:spPr>
           <a:xfrm>
-            <a:off x="3181482" y="2969913"/>
-            <a:ext cx="2473586" cy="6067021"/>
+            <a:off x="8169485" y="5279686"/>
+            <a:ext cx="6351735" cy="10785491"/>
           </a:xfrm>
         </p:spPr>
         <p:txBody>
@@ -1826,66 +1826,66 @@
           </a:bodyPr>
           <a:lstStyle>
             <a:lvl1pPr>
-              <a:defRPr sz="1350"/>
+              <a:defRPr sz="3467"/>
             </a:lvl1pPr>
             <a:lvl2pPr>
-              <a:defRPr sz="1200"/>
+              <a:defRPr sz="3081"/>
             </a:lvl2pPr>
             <a:lvl3pPr>
-              <a:defRPr sz="1050"/>
+              <a:defRPr sz="2696"/>
             </a:lvl3pPr>
             <a:lvl4pPr>
-              <a:defRPr sz="900"/>
+              <a:defRPr sz="2311"/>
             </a:lvl4pPr>
             <a:lvl5pPr>
-              <a:defRPr sz="900"/>
+              <a:defRPr sz="2311"/>
             </a:lvl5pPr>
             <a:lvl6pPr>
-              <a:defRPr sz="900"/>
+              <a:defRPr sz="2311"/>
             </a:lvl6pPr>
             <a:lvl7pPr>
-              <a:defRPr sz="900"/>
+              <a:defRPr sz="2311"/>
             </a:lvl7pPr>
             <a:lvl8pPr>
-              <a:defRPr sz="900"/>
+              <a:defRPr sz="2311"/>
             </a:lvl8pPr>
             <a:lvl9pPr>
-              <a:defRPr sz="900"/>
+              <a:defRPr sz="2311"/>
             </a:lvl9pPr>
           </a:lstStyle>
           <a:p>
             <a:pPr lvl="0"/>
             <a:r>
               <a:rPr lang="zh-CN" altLang="en-US"/>
-              <a:t>编辑母版文本样式</a:t>
+              <a:t>单击此处编辑母版文本样式</a:t>
             </a:r>
           </a:p>
           <a:p>
             <a:pPr lvl="1"/>
             <a:r>
               <a:rPr lang="zh-CN" altLang="en-US"/>
-              <a:t>第二级</a:t>
+              <a:t>二级</a:t>
             </a:r>
           </a:p>
           <a:p>
             <a:pPr lvl="2"/>
             <a:r>
               <a:rPr lang="zh-CN" altLang="en-US"/>
-              <a:t>第三级</a:t>
+              <a:t>三级</a:t>
             </a:r>
           </a:p>
           <a:p>
             <a:pPr lvl="3"/>
             <a:r>
               <a:rPr lang="zh-CN" altLang="en-US"/>
-              <a:t>第四级</a:t>
+              <a:t>四级</a:t>
             </a:r>
           </a:p>
           <a:p>
             <a:pPr lvl="4"/>
             <a:r>
               <a:rPr lang="zh-CN" altLang="en-US"/>
-              <a:t>第五级</a:t>
+              <a:t>五级</a:t>
             </a:r>
             <a:endParaRPr lang="en-US" dirty="0"/>
           </a:p>
@@ -1908,7 +1908,7 @@
           <a:p>
             <a:fld id="{5D4DFE8B-C0A0-4175-8DFB-4F7650DFF34A}" type="datetimeFigureOut">
               <a:rPr lang="zh-CN" altLang="en-US" smtClean="0"/>
-              <a:t>2019-03-14</a:t>
+              <a:t>2019-03-22</a:t>
             </a:fld>
             <a:endParaRPr lang="zh-CN" altLang="en-US"/>
           </a:p>
@@ -1959,7 +1959,7 @@
     </p:spTree>
     <p:extLst>
       <p:ext uri="{BB962C8B-B14F-4D97-AF65-F5344CB8AC3E}">
-        <p14:creationId xmlns:p14="http://schemas.microsoft.com/office/powerpoint/2010/main" val="2971044896"/>
+        <p14:creationId xmlns:p14="http://schemas.microsoft.com/office/powerpoint/2010/main" val="2297302691"/>
       </p:ext>
     </p:extLst>
   </p:cSld>
@@ -2025,8 +2025,8 @@
         </p:nvSpPr>
         <p:spPr>
           <a:xfrm>
-            <a:off x="620775" y="2751667"/>
-            <a:ext cx="2473584" cy="832378"/>
+            <a:off x="1594041" y="4891705"/>
+            <a:ext cx="6351729" cy="1479739"/>
           </a:xfrm>
         </p:spPr>
         <p:txBody>
@@ -2036,50 +2036,50 @@
           <a:lstStyle>
             <a:lvl1pPr marL="0" indent="0">
               <a:buNone/>
-              <a:defRPr sz="1800" b="0">
+              <a:defRPr sz="4622" b="0">
                 <a:solidFill>
                   <a:schemeClr val="accent1"/>
                 </a:solidFill>
               </a:defRPr>
             </a:lvl1pPr>
-            <a:lvl2pPr marL="342900" indent="0">
-              <a:buNone/>
-              <a:defRPr sz="1500" b="1"/>
+            <a:lvl2pPr marL="880521" indent="0">
+              <a:buNone/>
+              <a:defRPr sz="3852" b="1"/>
             </a:lvl2pPr>
-            <a:lvl3pPr marL="685800" indent="0">
-              <a:buNone/>
-              <a:defRPr sz="1350" b="1"/>
+            <a:lvl3pPr marL="1761043" indent="0">
+              <a:buNone/>
+              <a:defRPr sz="3467" b="1"/>
             </a:lvl3pPr>
-            <a:lvl4pPr marL="1028700" indent="0">
-              <a:buNone/>
-              <a:defRPr sz="1200" b="1"/>
+            <a:lvl4pPr marL="2641564" indent="0">
+              <a:buNone/>
+              <a:defRPr sz="3081" b="1"/>
             </a:lvl4pPr>
-            <a:lvl5pPr marL="1371600" indent="0">
-              <a:buNone/>
-              <a:defRPr sz="1200" b="1"/>
+            <a:lvl5pPr marL="3522086" indent="0">
+              <a:buNone/>
+              <a:defRPr sz="3081" b="1"/>
             </a:lvl5pPr>
-            <a:lvl6pPr marL="1714500" indent="0">
-              <a:buNone/>
-              <a:defRPr sz="1200" b="1"/>
+            <a:lvl6pPr marL="4402607" indent="0">
+              <a:buNone/>
+              <a:defRPr sz="3081" b="1"/>
             </a:lvl6pPr>
-            <a:lvl7pPr marL="2057400" indent="0">
-              <a:buNone/>
-              <a:defRPr sz="1200" b="1"/>
+            <a:lvl7pPr marL="5283129" indent="0">
+              <a:buNone/>
+              <a:defRPr sz="3081" b="1"/>
             </a:lvl7pPr>
-            <a:lvl8pPr marL="2400300" indent="0">
-              <a:buNone/>
-              <a:defRPr sz="1200" b="1"/>
+            <a:lvl8pPr marL="6163650" indent="0">
+              <a:buNone/>
+              <a:defRPr sz="3081" b="1"/>
             </a:lvl8pPr>
-            <a:lvl9pPr marL="2743200" indent="0">
-              <a:buNone/>
-              <a:defRPr sz="1200" b="1"/>
+            <a:lvl9pPr marL="7044172" indent="0">
+              <a:buNone/>
+              <a:defRPr sz="3081" b="1"/>
             </a:lvl9pPr>
           </a:lstStyle>
           <a:p>
             <a:pPr lvl="0"/>
             <a:r>
               <a:rPr lang="zh-CN" altLang="en-US"/>
-              <a:t>编辑母版文本样式</a:t>
+              <a:t>单击此处编辑母版文本样式</a:t>
             </a:r>
           </a:p>
         </p:txBody>
@@ -2096,8 +2096,8 @@
         </p:nvSpPr>
         <p:spPr>
           <a:xfrm>
-            <a:off x="620775" y="3632200"/>
-            <a:ext cx="2473585" cy="5404733"/>
+            <a:off x="1594042" y="6457051"/>
+            <a:ext cx="6351731" cy="9608125"/>
           </a:xfrm>
         </p:spPr>
         <p:txBody>
@@ -2106,66 +2106,66 @@
           </a:bodyPr>
           <a:lstStyle>
             <a:lvl1pPr>
-              <a:defRPr sz="1350"/>
+              <a:defRPr sz="3467"/>
             </a:lvl1pPr>
             <a:lvl2pPr>
-              <a:defRPr sz="1200"/>
+              <a:defRPr sz="3081"/>
             </a:lvl2pPr>
             <a:lvl3pPr>
-              <a:defRPr sz="1050"/>
+              <a:defRPr sz="2696"/>
             </a:lvl3pPr>
             <a:lvl4pPr>
-              <a:defRPr sz="900"/>
+              <a:defRPr sz="2311"/>
             </a:lvl4pPr>
             <a:lvl5pPr>
-              <a:defRPr sz="900"/>
+              <a:defRPr sz="2311"/>
             </a:lvl5pPr>
             <a:lvl6pPr>
-              <a:defRPr sz="900"/>
+              <a:defRPr sz="2311"/>
             </a:lvl6pPr>
             <a:lvl7pPr>
-              <a:defRPr sz="900"/>
+              <a:defRPr sz="2311"/>
             </a:lvl7pPr>
             <a:lvl8pPr>
-              <a:defRPr sz="900"/>
+              <a:defRPr sz="2311"/>
             </a:lvl8pPr>
             <a:lvl9pPr>
-              <a:defRPr sz="900"/>
+              <a:defRPr sz="2311"/>
             </a:lvl9pPr>
           </a:lstStyle>
           <a:p>
             <a:pPr lvl="0"/>
             <a:r>
               <a:rPr lang="zh-CN" altLang="en-US"/>
-              <a:t>编辑母版文本样式</a:t>
+              <a:t>单击此处编辑母版文本样式</a:t>
             </a:r>
           </a:p>
           <a:p>
             <a:pPr lvl="1"/>
             <a:r>
               <a:rPr lang="zh-CN" altLang="en-US"/>
-              <a:t>第二级</a:t>
+              <a:t>二级</a:t>
             </a:r>
           </a:p>
           <a:p>
             <a:pPr lvl="2"/>
             <a:r>
               <a:rPr lang="zh-CN" altLang="en-US"/>
-              <a:t>第三级</a:t>
+              <a:t>三级</a:t>
             </a:r>
           </a:p>
           <a:p>
             <a:pPr lvl="3"/>
             <a:r>
               <a:rPr lang="zh-CN" altLang="en-US"/>
-              <a:t>第四级</a:t>
+              <a:t>四级</a:t>
             </a:r>
           </a:p>
           <a:p>
             <a:pPr lvl="4"/>
             <a:r>
               <a:rPr lang="zh-CN" altLang="en-US"/>
-              <a:t>第五级</a:t>
+              <a:t>五级</a:t>
             </a:r>
             <a:endParaRPr lang="en-US" dirty="0"/>
           </a:p>
@@ -2183,8 +2183,8 @@
         </p:nvSpPr>
         <p:spPr>
           <a:xfrm>
-            <a:off x="3181482" y="2751667"/>
-            <a:ext cx="2473585" cy="832378"/>
+            <a:off x="8169487" y="4891705"/>
+            <a:ext cx="6351731" cy="1479739"/>
           </a:xfrm>
         </p:spPr>
         <p:txBody>
@@ -2194,50 +2194,50 @@
           <a:lstStyle>
             <a:lvl1pPr marL="0" indent="0">
               <a:buNone/>
-              <a:defRPr sz="1800" b="0">
+              <a:defRPr sz="4622" b="0">
                 <a:solidFill>
                   <a:schemeClr val="accent1"/>
                 </a:solidFill>
               </a:defRPr>
             </a:lvl1pPr>
-            <a:lvl2pPr marL="342900" indent="0">
-              <a:buNone/>
-              <a:defRPr sz="1500" b="1"/>
+            <a:lvl2pPr marL="880521" indent="0">
+              <a:buNone/>
+              <a:defRPr sz="3852" b="1"/>
             </a:lvl2pPr>
-            <a:lvl3pPr marL="685800" indent="0">
-              <a:buNone/>
-              <a:defRPr sz="1350" b="1"/>
+            <a:lvl3pPr marL="1761043" indent="0">
+              <a:buNone/>
+              <a:defRPr sz="3467" b="1"/>
             </a:lvl3pPr>
-            <a:lvl4pPr marL="1028700" indent="0">
-              <a:buNone/>
-              <a:defRPr sz="1200" b="1"/>
+            <a:lvl4pPr marL="2641564" indent="0">
+              <a:buNone/>
+              <a:defRPr sz="3081" b="1"/>
             </a:lvl4pPr>
-            <a:lvl5pPr marL="1371600" indent="0">
-              <a:buNone/>
-              <a:defRPr sz="1200" b="1"/>
+            <a:lvl5pPr marL="3522086" indent="0">
+              <a:buNone/>
+              <a:defRPr sz="3081" b="1"/>
             </a:lvl5pPr>
-            <a:lvl6pPr marL="1714500" indent="0">
-              <a:buNone/>
-              <a:defRPr sz="1200" b="1"/>
+            <a:lvl6pPr marL="4402607" indent="0">
+              <a:buNone/>
+              <a:defRPr sz="3081" b="1"/>
             </a:lvl6pPr>
-            <a:lvl7pPr marL="2057400" indent="0">
-              <a:buNone/>
-              <a:defRPr sz="1200" b="1"/>
+            <a:lvl7pPr marL="5283129" indent="0">
+              <a:buNone/>
+              <a:defRPr sz="3081" b="1"/>
             </a:lvl7pPr>
-            <a:lvl8pPr marL="2400300" indent="0">
-              <a:buNone/>
-              <a:defRPr sz="1200" b="1"/>
+            <a:lvl8pPr marL="6163650" indent="0">
+              <a:buNone/>
+              <a:defRPr sz="3081" b="1"/>
             </a:lvl8pPr>
-            <a:lvl9pPr marL="2743200" indent="0">
-              <a:buNone/>
-              <a:defRPr sz="1200" b="1"/>
+            <a:lvl9pPr marL="7044172" indent="0">
+              <a:buNone/>
+              <a:defRPr sz="3081" b="1"/>
             </a:lvl9pPr>
           </a:lstStyle>
           <a:p>
             <a:pPr lvl="0"/>
             <a:r>
               <a:rPr lang="zh-CN" altLang="en-US"/>
-              <a:t>编辑母版文本样式</a:t>
+              <a:t>单击此处编辑母版文本样式</a:t>
             </a:r>
           </a:p>
         </p:txBody>
@@ -2254,8 +2254,8 @@
         </p:nvSpPr>
         <p:spPr>
           <a:xfrm>
-            <a:off x="3181482" y="3632200"/>
-            <a:ext cx="2473585" cy="5404733"/>
+            <a:off x="8169487" y="6457051"/>
+            <a:ext cx="6351731" cy="9608125"/>
           </a:xfrm>
         </p:spPr>
         <p:txBody>
@@ -2264,66 +2264,66 @@
           </a:bodyPr>
           <a:lstStyle>
             <a:lvl1pPr>
-              <a:defRPr sz="1350"/>
+              <a:defRPr sz="3467"/>
             </a:lvl1pPr>
             <a:lvl2pPr>
-              <a:defRPr sz="1200"/>
+              <a:defRPr sz="3081"/>
             </a:lvl2pPr>
             <a:lvl3pPr>
-              <a:defRPr sz="1050"/>
+              <a:defRPr sz="2696"/>
             </a:lvl3pPr>
             <a:lvl4pPr>
-              <a:defRPr sz="900"/>
+              <a:defRPr sz="2311"/>
             </a:lvl4pPr>
             <a:lvl5pPr>
-              <a:defRPr sz="900"/>
+              <a:defRPr sz="2311"/>
             </a:lvl5pPr>
             <a:lvl6pPr>
-              <a:defRPr sz="900"/>
+              <a:defRPr sz="2311"/>
             </a:lvl6pPr>
             <a:lvl7pPr>
-              <a:defRPr sz="900"/>
+              <a:defRPr sz="2311"/>
             </a:lvl7pPr>
             <a:lvl8pPr>
-              <a:defRPr sz="900"/>
+              <a:defRPr sz="2311"/>
             </a:lvl8pPr>
             <a:lvl9pPr>
-              <a:defRPr sz="900"/>
+              <a:defRPr sz="2311"/>
             </a:lvl9pPr>
           </a:lstStyle>
           <a:p>
             <a:pPr lvl="0"/>
             <a:r>
               <a:rPr lang="zh-CN" altLang="en-US"/>
-              <a:t>编辑母版文本样式</a:t>
+              <a:t>单击此处编辑母版文本样式</a:t>
             </a:r>
           </a:p>
           <a:p>
             <a:pPr lvl="1"/>
             <a:r>
               <a:rPr lang="zh-CN" altLang="en-US"/>
-              <a:t>第二级</a:t>
+              <a:t>二级</a:t>
             </a:r>
           </a:p>
           <a:p>
             <a:pPr lvl="2"/>
             <a:r>
               <a:rPr lang="zh-CN" altLang="en-US"/>
-              <a:t>第三级</a:t>
+              <a:t>三级</a:t>
             </a:r>
           </a:p>
           <a:p>
             <a:pPr lvl="3"/>
             <a:r>
               <a:rPr lang="zh-CN" altLang="en-US"/>
-              <a:t>第四级</a:t>
+              <a:t>四级</a:t>
             </a:r>
           </a:p>
           <a:p>
             <a:pPr lvl="4"/>
             <a:r>
               <a:rPr lang="zh-CN" altLang="en-US"/>
-              <a:t>第五级</a:t>
+              <a:t>五级</a:t>
             </a:r>
             <a:endParaRPr lang="en-US" dirty="0"/>
           </a:p>
@@ -2346,7 +2346,7 @@
           <a:p>
             <a:fld id="{5D4DFE8B-C0A0-4175-8DFB-4F7650DFF34A}" type="datetimeFigureOut">
               <a:rPr lang="zh-CN" altLang="en-US" smtClean="0"/>
-              <a:t>2019-03-14</a:t>
+              <a:t>2019-03-22</a:t>
             </a:fld>
             <a:endParaRPr lang="zh-CN" altLang="en-US"/>
           </a:p>
@@ -2397,7 +2397,7 @@
     </p:spTree>
     <p:extLst>
       <p:ext uri="{BB962C8B-B14F-4D97-AF65-F5344CB8AC3E}">
-        <p14:creationId xmlns:p14="http://schemas.microsoft.com/office/powerpoint/2010/main" val="1453323070"/>
+        <p14:creationId xmlns:p14="http://schemas.microsoft.com/office/powerpoint/2010/main" val="592164342"/>
       </p:ext>
     </p:extLst>
   </p:cSld>
@@ -2464,7 +2464,7 @@
           <a:p>
             <a:fld id="{5D4DFE8B-C0A0-4175-8DFB-4F7650DFF34A}" type="datetimeFigureOut">
               <a:rPr lang="zh-CN" altLang="en-US" smtClean="0"/>
-              <a:t>2019-03-14</a:t>
+              <a:t>2019-03-22</a:t>
             </a:fld>
             <a:endParaRPr lang="zh-CN" altLang="en-US"/>
           </a:p>
@@ -2515,7 +2515,7 @@
     </p:spTree>
     <p:extLst>
       <p:ext uri="{BB962C8B-B14F-4D97-AF65-F5344CB8AC3E}">
-        <p14:creationId xmlns:p14="http://schemas.microsoft.com/office/powerpoint/2010/main" val="1295127541"/>
+        <p14:creationId xmlns:p14="http://schemas.microsoft.com/office/powerpoint/2010/main" val="3425108117"/>
       </p:ext>
     </p:extLst>
   </p:cSld>
@@ -2559,7 +2559,7 @@
           <a:p>
             <a:fld id="{5D4DFE8B-C0A0-4175-8DFB-4F7650DFF34A}" type="datetimeFigureOut">
               <a:rPr lang="zh-CN" altLang="en-US" smtClean="0"/>
-              <a:t>2019-03-14</a:t>
+              <a:t>2019-03-22</a:t>
             </a:fld>
             <a:endParaRPr lang="zh-CN" altLang="en-US"/>
           </a:p>
@@ -2610,7 +2610,7 @@
     </p:spTree>
     <p:extLst>
       <p:ext uri="{BB962C8B-B14F-4D97-AF65-F5344CB8AC3E}">
-        <p14:creationId xmlns:p14="http://schemas.microsoft.com/office/powerpoint/2010/main" val="37000779"/>
+        <p14:creationId xmlns:p14="http://schemas.microsoft.com/office/powerpoint/2010/main" val="1473427472"/>
       </p:ext>
     </p:extLst>
   </p:cSld>
@@ -2649,15 +2649,15 @@
         </p:nvSpPr>
         <p:spPr>
           <a:xfrm>
-            <a:off x="649831" y="2091267"/>
-            <a:ext cx="1913597" cy="2091267"/>
+            <a:off x="1668651" y="3717696"/>
+            <a:ext cx="4913779" cy="3717696"/>
           </a:xfrm>
         </p:spPr>
         <p:txBody>
           <a:bodyPr anchor="b"/>
           <a:lstStyle>
             <a:lvl1pPr algn="l">
-              <a:defRPr sz="1800" b="0"/>
+              <a:defRPr sz="4622" b="0"/>
             </a:lvl1pPr>
           </a:lstStyle>
           <a:p>
@@ -2681,8 +2681,8 @@
         </p:nvSpPr>
         <p:spPr>
           <a:xfrm>
-            <a:off x="2692048" y="2091267"/>
-            <a:ext cx="2923510" cy="6604000"/>
+            <a:off x="6912706" y="3717696"/>
+            <a:ext cx="7507059" cy="11740092"/>
           </a:xfrm>
         </p:spPr>
         <p:txBody>
@@ -2691,66 +2691,66 @@
           </a:bodyPr>
           <a:lstStyle>
             <a:lvl1pPr>
-              <a:defRPr sz="1500"/>
+              <a:defRPr sz="3852"/>
             </a:lvl1pPr>
             <a:lvl2pPr>
-              <a:defRPr sz="1350"/>
+              <a:defRPr sz="3467"/>
             </a:lvl2pPr>
             <a:lvl3pPr>
-              <a:defRPr sz="1200"/>
+              <a:defRPr sz="3081"/>
             </a:lvl3pPr>
             <a:lvl4pPr>
-              <a:defRPr sz="1050"/>
+              <a:defRPr sz="2696"/>
             </a:lvl4pPr>
             <a:lvl5pPr>
-              <a:defRPr sz="1050"/>
+              <a:defRPr sz="2696"/>
             </a:lvl5pPr>
             <a:lvl6pPr>
-              <a:defRPr sz="1050"/>
+              <a:defRPr sz="2696"/>
             </a:lvl6pPr>
             <a:lvl7pPr>
-              <a:defRPr sz="1050"/>
+              <a:defRPr sz="2696"/>
             </a:lvl7pPr>
             <a:lvl8pPr>
-              <a:defRPr sz="1050"/>
+              <a:defRPr sz="2696"/>
             </a:lvl8pPr>
             <a:lvl9pPr>
-              <a:defRPr sz="1050"/>
+              <a:defRPr sz="2696"/>
             </a:lvl9pPr>
           </a:lstStyle>
           <a:p>
             <a:pPr lvl="0"/>
             <a:r>
               <a:rPr lang="zh-CN" altLang="en-US"/>
-              <a:t>编辑母版文本样式</a:t>
+              <a:t>单击此处编辑母版文本样式</a:t>
             </a:r>
           </a:p>
           <a:p>
             <a:pPr lvl="1"/>
             <a:r>
               <a:rPr lang="zh-CN" altLang="en-US"/>
-              <a:t>第二级</a:t>
+              <a:t>二级</a:t>
             </a:r>
           </a:p>
           <a:p>
             <a:pPr lvl="2"/>
             <a:r>
               <a:rPr lang="zh-CN" altLang="en-US"/>
-              <a:t>第三级</a:t>
+              <a:t>三级</a:t>
             </a:r>
           </a:p>
           <a:p>
             <a:pPr lvl="3"/>
             <a:r>
               <a:rPr lang="zh-CN" altLang="en-US"/>
-              <a:t>第四级</a:t>
+              <a:t>四级</a:t>
             </a:r>
           </a:p>
           <a:p>
             <a:pPr lvl="4"/>
             <a:r>
               <a:rPr lang="zh-CN" altLang="en-US"/>
-              <a:t>第五级</a:t>
+              <a:t>五级</a:t>
             </a:r>
             <a:endParaRPr lang="en-US" dirty="0"/>
           </a:p>
@@ -2768,8 +2768,8 @@
         </p:nvSpPr>
         <p:spPr>
           <a:xfrm>
-            <a:off x="649831" y="4520073"/>
-            <a:ext cx="1913597" cy="4182532"/>
+            <a:off x="1668651" y="8035445"/>
+            <a:ext cx="4913779" cy="7435389"/>
           </a:xfrm>
         </p:spPr>
         <p:txBody>
@@ -2777,46 +2777,46 @@
           <a:lstStyle>
             <a:lvl1pPr marL="0" indent="0">
               <a:buNone/>
-              <a:defRPr sz="1050"/>
+              <a:defRPr sz="2696"/>
             </a:lvl1pPr>
-            <a:lvl2pPr marL="342900" indent="0">
-              <a:buNone/>
-              <a:defRPr sz="900"/>
+            <a:lvl2pPr marL="880521" indent="0">
+              <a:buNone/>
+              <a:defRPr sz="2311"/>
             </a:lvl2pPr>
-            <a:lvl3pPr marL="685800" indent="0">
-              <a:buNone/>
-              <a:defRPr sz="750"/>
+            <a:lvl3pPr marL="1761043" indent="0">
+              <a:buNone/>
+              <a:defRPr sz="1926"/>
             </a:lvl3pPr>
-            <a:lvl4pPr marL="1028700" indent="0">
-              <a:buNone/>
-              <a:defRPr sz="675"/>
+            <a:lvl4pPr marL="2641564" indent="0">
+              <a:buNone/>
+              <a:defRPr sz="1733"/>
             </a:lvl4pPr>
-            <a:lvl5pPr marL="1371600" indent="0">
-              <a:buNone/>
-              <a:defRPr sz="675"/>
+            <a:lvl5pPr marL="3522086" indent="0">
+              <a:buNone/>
+              <a:defRPr sz="1733"/>
             </a:lvl5pPr>
-            <a:lvl6pPr marL="1714500" indent="0">
-              <a:buNone/>
-              <a:defRPr sz="675"/>
+            <a:lvl6pPr marL="4402607" indent="0">
+              <a:buNone/>
+              <a:defRPr sz="1733"/>
             </a:lvl6pPr>
-            <a:lvl7pPr marL="2057400" indent="0">
-              <a:buNone/>
-              <a:defRPr sz="675"/>
+            <a:lvl7pPr marL="5283129" indent="0">
+              <a:buNone/>
+              <a:defRPr sz="1733"/>
             </a:lvl7pPr>
-            <a:lvl8pPr marL="2400300" indent="0">
-              <a:buNone/>
-              <a:defRPr sz="675"/>
+            <a:lvl8pPr marL="6163650" indent="0">
+              <a:buNone/>
+              <a:defRPr sz="1733"/>
             </a:lvl8pPr>
-            <a:lvl9pPr marL="2743200" indent="0">
-              <a:buNone/>
-              <a:defRPr sz="675"/>
+            <a:lvl9pPr marL="7044172" indent="0">
+              <a:buNone/>
+              <a:defRPr sz="1733"/>
             </a:lvl9pPr>
           </a:lstStyle>
           <a:p>
             <a:pPr lvl="0"/>
             <a:r>
               <a:rPr lang="zh-CN" altLang="en-US"/>
-              <a:t>编辑母版文本样式</a:t>
+              <a:t>单击此处编辑母版文本样式</a:t>
             </a:r>
           </a:p>
         </p:txBody>
@@ -2838,7 +2838,7 @@
           <a:p>
             <a:fld id="{5D4DFE8B-C0A0-4175-8DFB-4F7650DFF34A}" type="datetimeFigureOut">
               <a:rPr lang="zh-CN" altLang="en-US" smtClean="0"/>
-              <a:t>2019-03-14</a:t>
+              <a:t>2019-03-22</a:t>
             </a:fld>
             <a:endParaRPr lang="zh-CN" altLang="en-US"/>
           </a:p>
@@ -2889,7 +2889,7 @@
     </p:spTree>
     <p:extLst>
       <p:ext uri="{BB962C8B-B14F-4D97-AF65-F5344CB8AC3E}">
-        <p14:creationId xmlns:p14="http://schemas.microsoft.com/office/powerpoint/2010/main" val="1099581978"/>
+        <p14:creationId xmlns:p14="http://schemas.microsoft.com/office/powerpoint/2010/main" val="2108399493"/>
       </p:ext>
     </p:extLst>
   </p:cSld>
@@ -3008,7 +3008,7 @@
           <a:p>
             <a:fld id="{5D4DFE8B-C0A0-4175-8DFB-4F7650DFF34A}" type="datetimeFigureOut">
               <a:rPr lang="zh-CN" altLang="en-US" smtClean="0"/>
-              <a:t>2019-03-14</a:t>
+              <a:t>2019-03-22</a:t>
             </a:fld>
             <a:endParaRPr lang="zh-CN" altLang="en-US"/>
           </a:p>
@@ -3098,8 +3098,8 @@
         </p:nvSpPr>
         <p:spPr>
           <a:xfrm>
-            <a:off x="649242" y="2678277"/>
-            <a:ext cx="2865506" cy="2274723"/>
+            <a:off x="1667139" y="4761239"/>
+            <a:ext cx="7358114" cy="4043830"/>
           </a:xfrm>
         </p:spPr>
         <p:txBody>
@@ -3108,7 +3108,7 @@
           </a:bodyPr>
           <a:lstStyle>
             <a:lvl1pPr algn="l">
-              <a:defRPr sz="2700" b="0"/>
+              <a:defRPr sz="6933" b="0"/>
             </a:lvl1pPr>
           </a:lstStyle>
           <a:p>
@@ -3132,8 +3132,8 @@
         </p:nvSpPr>
         <p:spPr>
           <a:xfrm>
-            <a:off x="3910138" y="1651000"/>
-            <a:ext cx="1800694" cy="6604000"/>
+            <a:off x="10040547" y="2935023"/>
+            <a:ext cx="4623865" cy="11740092"/>
           </a:xfrm>
           <a:prstGeom prst="roundRect">
             <a:avLst>
@@ -3155,39 +3155,39 @@
           <a:lstStyle>
             <a:lvl1pPr marL="0" indent="0" algn="ctr">
               <a:buNone/>
-              <a:defRPr sz="1200"/>
+              <a:defRPr sz="3081"/>
             </a:lvl1pPr>
-            <a:lvl2pPr marL="342900" indent="0">
-              <a:buNone/>
-              <a:defRPr sz="1200"/>
+            <a:lvl2pPr marL="880521" indent="0">
+              <a:buNone/>
+              <a:defRPr sz="3081"/>
             </a:lvl2pPr>
-            <a:lvl3pPr marL="685800" indent="0">
-              <a:buNone/>
-              <a:defRPr sz="1200"/>
+            <a:lvl3pPr marL="1761043" indent="0">
+              <a:buNone/>
+              <a:defRPr sz="3081"/>
             </a:lvl3pPr>
-            <a:lvl4pPr marL="1028700" indent="0">
-              <a:buNone/>
-              <a:defRPr sz="1200"/>
+            <a:lvl4pPr marL="2641564" indent="0">
+              <a:buNone/>
+              <a:defRPr sz="3081"/>
             </a:lvl4pPr>
-            <a:lvl5pPr marL="1371600" indent="0">
-              <a:buNone/>
-              <a:defRPr sz="1200"/>
+            <a:lvl5pPr marL="3522086" indent="0">
+              <a:buNone/>
+              <a:defRPr sz="3081"/>
             </a:lvl5pPr>
-            <a:lvl6pPr marL="1714500" indent="0">
-              <a:buNone/>
-              <a:defRPr sz="1200"/>
+            <a:lvl6pPr marL="4402607" indent="0">
+              <a:buNone/>
+              <a:defRPr sz="3081"/>
             </a:lvl6pPr>
-            <a:lvl7pPr marL="2057400" indent="0">
-              <a:buNone/>
-              <a:defRPr sz="1200"/>
+            <a:lvl7pPr marL="5283129" indent="0">
+              <a:buNone/>
+              <a:defRPr sz="3081"/>
             </a:lvl7pPr>
-            <a:lvl8pPr marL="2400300" indent="0">
-              <a:buNone/>
-              <a:defRPr sz="1200"/>
+            <a:lvl8pPr marL="6163650" indent="0">
+              <a:buNone/>
+              <a:defRPr sz="3081"/>
             </a:lvl8pPr>
-            <a:lvl9pPr marL="2743200" indent="0">
-              <a:buNone/>
-              <a:defRPr sz="1200"/>
+            <a:lvl9pPr marL="7044172" indent="0">
+              <a:buNone/>
+              <a:defRPr sz="3081"/>
             </a:lvl9pPr>
           </a:lstStyle>
           <a:p>
@@ -3211,8 +3211,8 @@
         </p:nvSpPr>
         <p:spPr>
           <a:xfrm>
-            <a:off x="649831" y="5283200"/>
-            <a:ext cx="2861046" cy="1981200"/>
+            <a:off x="1668651" y="9392073"/>
+            <a:ext cx="7346663" cy="3522028"/>
           </a:xfrm>
         </p:spPr>
         <p:txBody>
@@ -3222,46 +3222,46 @@
           <a:lstStyle>
             <a:lvl1pPr marL="0" indent="0">
               <a:buNone/>
-              <a:defRPr sz="1050"/>
+              <a:defRPr sz="2696"/>
             </a:lvl1pPr>
-            <a:lvl2pPr marL="342900" indent="0">
-              <a:buNone/>
-              <a:defRPr sz="900"/>
+            <a:lvl2pPr marL="880521" indent="0">
+              <a:buNone/>
+              <a:defRPr sz="2311"/>
             </a:lvl2pPr>
-            <a:lvl3pPr marL="685800" indent="0">
-              <a:buNone/>
-              <a:defRPr sz="750"/>
+            <a:lvl3pPr marL="1761043" indent="0">
+              <a:buNone/>
+              <a:defRPr sz="1926"/>
             </a:lvl3pPr>
-            <a:lvl4pPr marL="1028700" indent="0">
-              <a:buNone/>
-              <a:defRPr sz="675"/>
+            <a:lvl4pPr marL="2641564" indent="0">
+              <a:buNone/>
+              <a:defRPr sz="1733"/>
             </a:lvl4pPr>
-            <a:lvl5pPr marL="1371600" indent="0">
-              <a:buNone/>
-              <a:defRPr sz="675"/>
+            <a:lvl5pPr marL="3522086" indent="0">
+              <a:buNone/>
+              <a:defRPr sz="1733"/>
             </a:lvl5pPr>
-            <a:lvl6pPr marL="1714500" indent="0">
-              <a:buNone/>
-              <a:defRPr sz="675"/>
+            <a:lvl6pPr marL="4402607" indent="0">
+              <a:buNone/>
+              <a:defRPr sz="1733"/>
             </a:lvl6pPr>
-            <a:lvl7pPr marL="2057400" indent="0">
-              <a:buNone/>
-              <a:defRPr sz="675"/>
+            <a:lvl7pPr marL="5283129" indent="0">
+              <a:buNone/>
+              <a:defRPr sz="1733"/>
             </a:lvl7pPr>
-            <a:lvl8pPr marL="2400300" indent="0">
-              <a:buNone/>
-              <a:defRPr sz="675"/>
+            <a:lvl8pPr marL="6163650" indent="0">
+              <a:buNone/>
+              <a:defRPr sz="1733"/>
             </a:lvl8pPr>
-            <a:lvl9pPr marL="2743200" indent="0">
-              <a:buNone/>
-              <a:defRPr sz="675"/>
+            <a:lvl9pPr marL="7044172" indent="0">
+              <a:buNone/>
+              <a:defRPr sz="1733"/>
             </a:lvl9pPr>
           </a:lstStyle>
           <a:p>
             <a:pPr lvl="0"/>
             <a:r>
               <a:rPr lang="zh-CN" altLang="en-US"/>
-              <a:t>编辑母版文本样式</a:t>
+              <a:t>单击此处编辑母版文本样式</a:t>
             </a:r>
           </a:p>
         </p:txBody>
@@ -3283,7 +3283,7 @@
           <a:p>
             <a:fld id="{5D4DFE8B-C0A0-4175-8DFB-4F7650DFF34A}" type="datetimeFigureOut">
               <a:rPr lang="zh-CN" altLang="en-US" smtClean="0"/>
-              <a:t>2019-03-14</a:t>
+              <a:t>2019-03-22</a:t>
             </a:fld>
             <a:endParaRPr lang="zh-CN" altLang="en-US"/>
           </a:p>
@@ -3334,7 +3334,7 @@
     </p:spTree>
     <p:extLst>
       <p:ext uri="{BB962C8B-B14F-4D97-AF65-F5344CB8AC3E}">
-        <p14:creationId xmlns:p14="http://schemas.microsoft.com/office/powerpoint/2010/main" val="1123988335"/>
+        <p14:creationId xmlns:p14="http://schemas.microsoft.com/office/powerpoint/2010/main" val="3326920149"/>
       </p:ext>
     </p:extLst>
   </p:cSld>
@@ -3373,8 +3373,8 @@
         </p:nvSpPr>
         <p:spPr>
           <a:xfrm>
-            <a:off x="649833" y="6934181"/>
-            <a:ext cx="4965725" cy="818622"/>
+            <a:off x="1668656" y="12327063"/>
+            <a:ext cx="12751109" cy="1455284"/>
           </a:xfrm>
         </p:spPr>
         <p:txBody>
@@ -3383,7 +3383,7 @@
           </a:bodyPr>
           <a:lstStyle>
             <a:lvl1pPr algn="l">
-              <a:defRPr sz="1800" b="0"/>
+              <a:defRPr sz="4622" b="0"/>
             </a:lvl1pPr>
           </a:lstStyle>
           <a:p>
@@ -3407,8 +3407,8 @@
         </p:nvSpPr>
         <p:spPr>
           <a:xfrm>
-            <a:off x="649832" y="990600"/>
-            <a:ext cx="4965726" cy="5258740"/>
+            <a:off x="1668653" y="1761014"/>
+            <a:ext cx="12751111" cy="9348590"/>
           </a:xfrm>
           <a:prstGeom prst="roundRect">
             <a:avLst>
@@ -3430,39 +3430,39 @@
           <a:lstStyle>
             <a:lvl1pPr marL="0" indent="0" algn="ctr">
               <a:buNone/>
-              <a:defRPr sz="1200"/>
+              <a:defRPr sz="3081"/>
             </a:lvl1pPr>
-            <a:lvl2pPr marL="342900" indent="0">
-              <a:buNone/>
-              <a:defRPr sz="1200"/>
+            <a:lvl2pPr marL="880521" indent="0">
+              <a:buNone/>
+              <a:defRPr sz="3081"/>
             </a:lvl2pPr>
-            <a:lvl3pPr marL="685800" indent="0">
-              <a:buNone/>
-              <a:defRPr sz="1200"/>
+            <a:lvl3pPr marL="1761043" indent="0">
+              <a:buNone/>
+              <a:defRPr sz="3081"/>
             </a:lvl3pPr>
-            <a:lvl4pPr marL="1028700" indent="0">
-              <a:buNone/>
-              <a:defRPr sz="1200"/>
+            <a:lvl4pPr marL="2641564" indent="0">
+              <a:buNone/>
+              <a:defRPr sz="3081"/>
             </a:lvl4pPr>
-            <a:lvl5pPr marL="1371600" indent="0">
-              <a:buNone/>
-              <a:defRPr sz="1200"/>
+            <a:lvl5pPr marL="3522086" indent="0">
+              <a:buNone/>
+              <a:defRPr sz="3081"/>
             </a:lvl5pPr>
-            <a:lvl6pPr marL="1714500" indent="0">
-              <a:buNone/>
-              <a:defRPr sz="1200"/>
+            <a:lvl6pPr marL="4402607" indent="0">
+              <a:buNone/>
+              <a:defRPr sz="3081"/>
             </a:lvl6pPr>
-            <a:lvl7pPr marL="2057400" indent="0">
-              <a:buNone/>
-              <a:defRPr sz="1200"/>
+            <a:lvl7pPr marL="5283129" indent="0">
+              <a:buNone/>
+              <a:defRPr sz="3081"/>
             </a:lvl7pPr>
-            <a:lvl8pPr marL="2400300" indent="0">
-              <a:buNone/>
-              <a:defRPr sz="1200"/>
+            <a:lvl8pPr marL="6163650" indent="0">
+              <a:buNone/>
+              <a:defRPr sz="3081"/>
             </a:lvl8pPr>
-            <a:lvl9pPr marL="2743200" indent="0">
-              <a:buNone/>
-              <a:defRPr sz="1200"/>
+            <a:lvl9pPr marL="7044172" indent="0">
+              <a:buNone/>
+              <a:defRPr sz="3081"/>
             </a:lvl9pPr>
           </a:lstStyle>
           <a:p>
@@ -3486,8 +3486,8 @@
         </p:nvSpPr>
         <p:spPr>
           <a:xfrm>
-            <a:off x="649832" y="7752803"/>
-            <a:ext cx="4965725" cy="713140"/>
+            <a:off x="1668655" y="13782347"/>
+            <a:ext cx="12751107" cy="1267766"/>
           </a:xfrm>
         </p:spPr>
         <p:txBody>
@@ -3497,46 +3497,46 @@
           <a:lstStyle>
             <a:lvl1pPr marL="0" indent="0">
               <a:buNone/>
-              <a:defRPr sz="900"/>
+              <a:defRPr sz="2311"/>
             </a:lvl1pPr>
-            <a:lvl2pPr marL="342900" indent="0">
-              <a:buNone/>
-              <a:defRPr sz="900"/>
+            <a:lvl2pPr marL="880521" indent="0">
+              <a:buNone/>
+              <a:defRPr sz="2311"/>
             </a:lvl2pPr>
-            <a:lvl3pPr marL="685800" indent="0">
-              <a:buNone/>
-              <a:defRPr sz="750"/>
+            <a:lvl3pPr marL="1761043" indent="0">
+              <a:buNone/>
+              <a:defRPr sz="1926"/>
             </a:lvl3pPr>
-            <a:lvl4pPr marL="1028700" indent="0">
-              <a:buNone/>
-              <a:defRPr sz="675"/>
+            <a:lvl4pPr marL="2641564" indent="0">
+              <a:buNone/>
+              <a:defRPr sz="1733"/>
             </a:lvl4pPr>
-            <a:lvl5pPr marL="1371600" indent="0">
-              <a:buNone/>
-              <a:defRPr sz="675"/>
+            <a:lvl5pPr marL="3522086" indent="0">
+              <a:buNone/>
+              <a:defRPr sz="1733"/>
             </a:lvl5pPr>
-            <a:lvl6pPr marL="1714500" indent="0">
-              <a:buNone/>
-              <a:defRPr sz="675"/>
+            <a:lvl6pPr marL="4402607" indent="0">
+              <a:buNone/>
+              <a:defRPr sz="1733"/>
             </a:lvl6pPr>
-            <a:lvl7pPr marL="2057400" indent="0">
-              <a:buNone/>
-              <a:defRPr sz="675"/>
+            <a:lvl7pPr marL="5283129" indent="0">
+              <a:buNone/>
+              <a:defRPr sz="1733"/>
             </a:lvl7pPr>
-            <a:lvl8pPr marL="2400300" indent="0">
-              <a:buNone/>
-              <a:defRPr sz="675"/>
+            <a:lvl8pPr marL="6163650" indent="0">
+              <a:buNone/>
+              <a:defRPr sz="1733"/>
             </a:lvl8pPr>
-            <a:lvl9pPr marL="2743200" indent="0">
-              <a:buNone/>
-              <a:defRPr sz="675"/>
+            <a:lvl9pPr marL="7044172" indent="0">
+              <a:buNone/>
+              <a:defRPr sz="1733"/>
             </a:lvl9pPr>
           </a:lstStyle>
           <a:p>
             <a:pPr lvl="0"/>
             <a:r>
               <a:rPr lang="zh-CN" altLang="en-US"/>
-              <a:t>编辑母版文本样式</a:t>
+              <a:t>单击此处编辑母版文本样式</a:t>
             </a:r>
           </a:p>
         </p:txBody>
@@ -3558,7 +3558,7 @@
           <a:p>
             <a:fld id="{5D4DFE8B-C0A0-4175-8DFB-4F7650DFF34A}" type="datetimeFigureOut">
               <a:rPr lang="zh-CN" altLang="en-US" smtClean="0"/>
-              <a:t>2019-03-14</a:t>
+              <a:t>2019-03-22</a:t>
             </a:fld>
             <a:endParaRPr lang="zh-CN" altLang="en-US"/>
           </a:p>
@@ -3609,7 +3609,7 @@
     </p:spTree>
     <p:extLst>
       <p:ext uri="{BB962C8B-B14F-4D97-AF65-F5344CB8AC3E}">
-        <p14:creationId xmlns:p14="http://schemas.microsoft.com/office/powerpoint/2010/main" val="1325849093"/>
+        <p14:creationId xmlns:p14="http://schemas.microsoft.com/office/powerpoint/2010/main" val="638369226"/>
       </p:ext>
     </p:extLst>
   </p:cSld>
@@ -3648,15 +3648,15 @@
         </p:nvSpPr>
         <p:spPr>
           <a:xfrm>
-            <a:off x="649832" y="2091267"/>
-            <a:ext cx="4965726" cy="2861733"/>
+            <a:off x="1668653" y="3717696"/>
+            <a:ext cx="12751111" cy="5087373"/>
           </a:xfrm>
         </p:spPr>
         <p:txBody>
           <a:bodyPr/>
           <a:lstStyle>
             <a:lvl1pPr>
-              <a:defRPr sz="3600"/>
+              <a:defRPr sz="9244"/>
             </a:lvl1pPr>
           </a:lstStyle>
           <a:p>
@@ -3680,8 +3680,8 @@
         </p:nvSpPr>
         <p:spPr>
           <a:xfrm>
-            <a:off x="649832" y="5283200"/>
-            <a:ext cx="4965726" cy="3412067"/>
+            <a:off x="1668653" y="9392074"/>
+            <a:ext cx="12751111" cy="6065714"/>
           </a:xfrm>
         </p:spPr>
         <p:txBody>
@@ -3691,46 +3691,46 @@
           <a:lstStyle>
             <a:lvl1pPr marL="0" indent="0">
               <a:buNone/>
-              <a:defRPr sz="1350"/>
+              <a:defRPr sz="3467"/>
             </a:lvl1pPr>
-            <a:lvl2pPr marL="342900" indent="0">
-              <a:buNone/>
-              <a:defRPr sz="900"/>
+            <a:lvl2pPr marL="880521" indent="0">
+              <a:buNone/>
+              <a:defRPr sz="2311"/>
             </a:lvl2pPr>
-            <a:lvl3pPr marL="685800" indent="0">
-              <a:buNone/>
-              <a:defRPr sz="750"/>
+            <a:lvl3pPr marL="1761043" indent="0">
+              <a:buNone/>
+              <a:defRPr sz="1926"/>
             </a:lvl3pPr>
-            <a:lvl4pPr marL="1028700" indent="0">
-              <a:buNone/>
-              <a:defRPr sz="675"/>
+            <a:lvl4pPr marL="2641564" indent="0">
+              <a:buNone/>
+              <a:defRPr sz="1733"/>
             </a:lvl4pPr>
-            <a:lvl5pPr marL="1371600" indent="0">
-              <a:buNone/>
-              <a:defRPr sz="675"/>
+            <a:lvl5pPr marL="3522086" indent="0">
+              <a:buNone/>
+              <a:defRPr sz="1733"/>
             </a:lvl5pPr>
-            <a:lvl6pPr marL="1714500" indent="0">
-              <a:buNone/>
-              <a:defRPr sz="675"/>
+            <a:lvl6pPr marL="4402607" indent="0">
+              <a:buNone/>
+              <a:defRPr sz="1733"/>
             </a:lvl6pPr>
-            <a:lvl7pPr marL="2057400" indent="0">
-              <a:buNone/>
-              <a:defRPr sz="675"/>
+            <a:lvl7pPr marL="5283129" indent="0">
+              <a:buNone/>
+              <a:defRPr sz="1733"/>
             </a:lvl7pPr>
-            <a:lvl8pPr marL="2400300" indent="0">
-              <a:buNone/>
-              <a:defRPr sz="675"/>
+            <a:lvl8pPr marL="6163650" indent="0">
+              <a:buNone/>
+              <a:defRPr sz="1733"/>
             </a:lvl8pPr>
-            <a:lvl9pPr marL="2743200" indent="0">
-              <a:buNone/>
-              <a:defRPr sz="675"/>
+            <a:lvl9pPr marL="7044172" indent="0">
+              <a:buNone/>
+              <a:defRPr sz="1733"/>
             </a:lvl9pPr>
           </a:lstStyle>
           <a:p>
             <a:pPr lvl="0"/>
             <a:r>
               <a:rPr lang="zh-CN" altLang="en-US"/>
-              <a:t>编辑母版文本样式</a:t>
+              <a:t>单击此处编辑母版文本样式</a:t>
             </a:r>
           </a:p>
         </p:txBody>
@@ -3752,7 +3752,7 @@
           <a:p>
             <a:fld id="{5D4DFE8B-C0A0-4175-8DFB-4F7650DFF34A}" type="datetimeFigureOut">
               <a:rPr lang="zh-CN" altLang="en-US" smtClean="0"/>
-              <a:t>2019-03-14</a:t>
+              <a:t>2019-03-22</a:t>
             </a:fld>
             <a:endParaRPr lang="zh-CN" altLang="en-US"/>
           </a:p>
@@ -3803,7 +3803,7 @@
     </p:spTree>
     <p:extLst>
       <p:ext uri="{BB962C8B-B14F-4D97-AF65-F5344CB8AC3E}">
-        <p14:creationId xmlns:p14="http://schemas.microsoft.com/office/powerpoint/2010/main" val="3699757271"/>
+        <p14:creationId xmlns:p14="http://schemas.microsoft.com/office/powerpoint/2010/main" val="3905039582"/>
       </p:ext>
     </p:extLst>
   </p:cSld>
@@ -3842,15 +3842,15 @@
         </p:nvSpPr>
         <p:spPr>
           <a:xfrm>
-            <a:off x="886057" y="2091267"/>
-            <a:ext cx="4500787" cy="3355985"/>
+            <a:off x="2275239" y="3717696"/>
+            <a:ext cx="11557229" cy="5966016"/>
           </a:xfrm>
         </p:spPr>
         <p:txBody>
           <a:bodyPr/>
           <a:lstStyle>
             <a:lvl1pPr>
-              <a:defRPr sz="3600"/>
+              <a:defRPr sz="9244"/>
             </a:lvl1pPr>
           </a:lstStyle>
           <a:p>
@@ -3874,8 +3874,8 @@
         </p:nvSpPr>
         <p:spPr>
           <a:xfrm>
-            <a:off x="1086133" y="5447252"/>
-            <a:ext cx="4155611" cy="494251"/>
+            <a:off x="2788998" y="9683711"/>
+            <a:ext cx="10670877" cy="878643"/>
           </a:xfrm>
         </p:spPr>
         <p:txBody>
@@ -3885,7 +3885,7 @@
           <a:lstStyle>
             <a:lvl1pPr marL="0" indent="0">
               <a:buNone/>
-              <a:defRPr lang="en-US" sz="1050" b="0" i="0" kern="1200" cap="small" dirty="0">
+              <a:defRPr lang="en-US" sz="2696" b="0" i="0" kern="1200" cap="small" dirty="0">
                 <a:solidFill>
                   <a:schemeClr val="accent1"/>
                 </a:solidFill>
@@ -3894,44 +3894,44 @@
                 <a:cs typeface="+mj-cs"/>
               </a:defRPr>
             </a:lvl1pPr>
-            <a:lvl2pPr marL="342900" indent="0">
-              <a:buNone/>
-              <a:defRPr sz="900"/>
+            <a:lvl2pPr marL="880521" indent="0">
+              <a:buNone/>
+              <a:defRPr sz="2311"/>
             </a:lvl2pPr>
-            <a:lvl3pPr marL="685800" indent="0">
-              <a:buNone/>
-              <a:defRPr sz="750"/>
+            <a:lvl3pPr marL="1761043" indent="0">
+              <a:buNone/>
+              <a:defRPr sz="1926"/>
             </a:lvl3pPr>
-            <a:lvl4pPr marL="1028700" indent="0">
-              <a:buNone/>
-              <a:defRPr sz="675"/>
+            <a:lvl4pPr marL="2641564" indent="0">
+              <a:buNone/>
+              <a:defRPr sz="1733"/>
             </a:lvl4pPr>
-            <a:lvl5pPr marL="1371600" indent="0">
-              <a:buNone/>
-              <a:defRPr sz="675"/>
+            <a:lvl5pPr marL="3522086" indent="0">
+              <a:buNone/>
+              <a:defRPr sz="1733"/>
             </a:lvl5pPr>
-            <a:lvl6pPr marL="1714500" indent="0">
-              <a:buNone/>
-              <a:defRPr sz="675"/>
+            <a:lvl6pPr marL="4402607" indent="0">
+              <a:buNone/>
+              <a:defRPr sz="1733"/>
             </a:lvl6pPr>
-            <a:lvl7pPr marL="2057400" indent="0">
-              <a:buNone/>
-              <a:defRPr sz="675"/>
+            <a:lvl7pPr marL="5283129" indent="0">
+              <a:buNone/>
+              <a:defRPr sz="1733"/>
             </a:lvl7pPr>
-            <a:lvl8pPr marL="2400300" indent="0">
-              <a:buNone/>
-              <a:defRPr sz="675"/>
+            <a:lvl8pPr marL="6163650" indent="0">
+              <a:buNone/>
+              <a:defRPr sz="1733"/>
             </a:lvl8pPr>
-            <a:lvl9pPr marL="2743200" indent="0">
-              <a:buNone/>
-              <a:defRPr sz="675"/>
+            <a:lvl9pPr marL="7044172" indent="0">
+              <a:buNone/>
+              <a:defRPr sz="1733"/>
             </a:lvl9pPr>
           </a:lstStyle>
           <a:p>
             <a:pPr lvl="0"/>
             <a:r>
               <a:rPr lang="zh-CN" altLang="en-US"/>
-              <a:t>编辑母版文本样式</a:t>
+              <a:t>单击此处编辑母版文本样式</a:t>
             </a:r>
           </a:p>
         </p:txBody>
@@ -3948,8 +3948,8 @@
         </p:nvSpPr>
         <p:spPr>
           <a:xfrm>
-            <a:off x="649832" y="6284282"/>
-            <a:ext cx="4965726" cy="2421467"/>
+            <a:off x="1668653" y="11171722"/>
+            <a:ext cx="12751111" cy="4304700"/>
           </a:xfrm>
         </p:spPr>
         <p:txBody>
@@ -3959,46 +3959,46 @@
           <a:lstStyle>
             <a:lvl1pPr marL="0" indent="0">
               <a:buNone/>
-              <a:defRPr sz="1350"/>
+              <a:defRPr sz="3467"/>
             </a:lvl1pPr>
-            <a:lvl2pPr marL="342900" indent="0">
-              <a:buNone/>
-              <a:defRPr sz="900"/>
+            <a:lvl2pPr marL="880521" indent="0">
+              <a:buNone/>
+              <a:defRPr sz="2311"/>
             </a:lvl2pPr>
-            <a:lvl3pPr marL="685800" indent="0">
-              <a:buNone/>
-              <a:defRPr sz="750"/>
+            <a:lvl3pPr marL="1761043" indent="0">
+              <a:buNone/>
+              <a:defRPr sz="1926"/>
             </a:lvl3pPr>
-            <a:lvl4pPr marL="1028700" indent="0">
-              <a:buNone/>
-              <a:defRPr sz="675"/>
+            <a:lvl4pPr marL="2641564" indent="0">
+              <a:buNone/>
+              <a:defRPr sz="1733"/>
             </a:lvl4pPr>
-            <a:lvl5pPr marL="1371600" indent="0">
-              <a:buNone/>
-              <a:defRPr sz="675"/>
+            <a:lvl5pPr marL="3522086" indent="0">
+              <a:buNone/>
+              <a:defRPr sz="1733"/>
             </a:lvl5pPr>
-            <a:lvl6pPr marL="1714500" indent="0">
-              <a:buNone/>
-              <a:defRPr sz="675"/>
+            <a:lvl6pPr marL="4402607" indent="0">
+              <a:buNone/>
+              <a:defRPr sz="1733"/>
             </a:lvl6pPr>
-            <a:lvl7pPr marL="2057400" indent="0">
-              <a:buNone/>
-              <a:defRPr sz="675"/>
+            <a:lvl7pPr marL="5283129" indent="0">
+              <a:buNone/>
+              <a:defRPr sz="1733"/>
             </a:lvl7pPr>
-            <a:lvl8pPr marL="2400300" indent="0">
-              <a:buNone/>
-              <a:defRPr sz="675"/>
+            <a:lvl8pPr marL="6163650" indent="0">
+              <a:buNone/>
+              <a:defRPr sz="1733"/>
             </a:lvl8pPr>
-            <a:lvl9pPr marL="2743200" indent="0">
-              <a:buNone/>
-              <a:defRPr sz="675"/>
+            <a:lvl9pPr marL="7044172" indent="0">
+              <a:buNone/>
+              <a:defRPr sz="1733"/>
             </a:lvl9pPr>
           </a:lstStyle>
           <a:p>
             <a:pPr lvl="0"/>
             <a:r>
               <a:rPr lang="zh-CN" altLang="en-US"/>
-              <a:t>编辑母版文本样式</a:t>
+              <a:t>单击此处编辑母版文本样式</a:t>
             </a:r>
           </a:p>
         </p:txBody>
@@ -4020,7 +4020,7 @@
           <a:p>
             <a:fld id="{5D4DFE8B-C0A0-4175-8DFB-4F7650DFF34A}" type="datetimeFigureOut">
               <a:rPr lang="zh-CN" altLang="en-US" smtClean="0"/>
-              <a:t>2019-03-14</a:t>
+              <a:t>2019-03-22</a:t>
             </a:fld>
             <a:endParaRPr lang="zh-CN" altLang="en-US"/>
           </a:p>
@@ -4076,8 +4076,8 @@
         </p:nvSpPr>
         <p:spPr>
           <a:xfrm>
-            <a:off x="505423" y="1402922"/>
-            <a:ext cx="451193" cy="1500411"/>
+            <a:off x="1297838" y="2494007"/>
+            <a:ext cx="1158585" cy="3708066"/>
           </a:xfrm>
           <a:prstGeom prst="rect">
             <a:avLst/>
@@ -4106,7 +4106,7 @@
           <a:p>
             <a:pPr lvl="0"/>
             <a:r>
-              <a:rPr lang="en-US" sz="9150" dirty="0"/>
+              <a:rPr lang="en-US" sz="23496" dirty="0"/>
               <a:t>“</a:t>
             </a:r>
           </a:p>
@@ -4120,8 +4120,8 @@
         </p:nvSpPr>
         <p:spPr>
           <a:xfrm>
-            <a:off x="5249768" y="3775471"/>
-            <a:ext cx="451193" cy="1500411"/>
+            <a:off x="13480481" y="6711746"/>
+            <a:ext cx="1158585" cy="3708066"/>
           </a:xfrm>
           <a:prstGeom prst="rect">
             <a:avLst/>
@@ -4150,7 +4150,7 @@
           <a:p>
             <a:pPr lvl="0"/>
             <a:r>
-              <a:rPr lang="en-US" sz="9150" dirty="0"/>
+              <a:rPr lang="en-US" sz="23496" dirty="0"/>
               <a:t>”</a:t>
             </a:r>
           </a:p>
@@ -4159,7 +4159,7 @@
     </p:spTree>
     <p:extLst>
       <p:ext uri="{BB962C8B-B14F-4D97-AF65-F5344CB8AC3E}">
-        <p14:creationId xmlns:p14="http://schemas.microsoft.com/office/powerpoint/2010/main" val="129912959"/>
+        <p14:creationId xmlns:p14="http://schemas.microsoft.com/office/powerpoint/2010/main" val="661774482"/>
       </p:ext>
     </p:extLst>
   </p:cSld>
@@ -4198,15 +4198,15 @@
         </p:nvSpPr>
         <p:spPr>
           <a:xfrm>
-            <a:off x="649832" y="4512735"/>
-            <a:ext cx="4965726" cy="2387927"/>
+            <a:off x="1668653" y="8022399"/>
+            <a:ext cx="12751111" cy="4245076"/>
           </a:xfrm>
         </p:spPr>
         <p:txBody>
           <a:bodyPr anchor="b"/>
           <a:lstStyle>
             <a:lvl1pPr algn="l">
-              <a:defRPr sz="3000" b="0" cap="none"/>
+              <a:defRPr sz="7704" b="0" cap="none"/>
             </a:lvl1pPr>
           </a:lstStyle>
           <a:p>
@@ -4230,8 +4230,8 @@
         </p:nvSpPr>
         <p:spPr>
           <a:xfrm>
-            <a:off x="649832" y="6900661"/>
-            <a:ext cx="4965726" cy="1242800"/>
+            <a:off x="1668653" y="12267474"/>
+            <a:ext cx="12751111" cy="2209356"/>
           </a:xfrm>
         </p:spPr>
         <p:txBody>
@@ -4239,15 +4239,15 @@
           <a:lstStyle>
             <a:lvl1pPr marL="0" indent="0" algn="l">
               <a:buNone/>
-              <a:defRPr sz="1500" cap="none">
+              <a:defRPr sz="3852" cap="none">
                 <a:solidFill>
                   <a:schemeClr val="accent1"/>
                 </a:solidFill>
               </a:defRPr>
             </a:lvl1pPr>
-            <a:lvl2pPr marL="342900" indent="0">
-              <a:buNone/>
-              <a:defRPr sz="1350">
+            <a:lvl2pPr marL="880521" indent="0">
+              <a:buNone/>
+              <a:defRPr sz="3467">
                 <a:solidFill>
                   <a:schemeClr val="tx1">
                     <a:tint val="75000"/>
@@ -4255,9 +4255,9 @@
                 </a:solidFill>
               </a:defRPr>
             </a:lvl2pPr>
-            <a:lvl3pPr marL="685800" indent="0">
-              <a:buNone/>
-              <a:defRPr sz="1200">
+            <a:lvl3pPr marL="1761043" indent="0">
+              <a:buNone/>
+              <a:defRPr sz="3081">
                 <a:solidFill>
                   <a:schemeClr val="tx1">
                     <a:tint val="75000"/>
@@ -4265,9 +4265,9 @@
                 </a:solidFill>
               </a:defRPr>
             </a:lvl3pPr>
-            <a:lvl4pPr marL="1028700" indent="0">
-              <a:buNone/>
-              <a:defRPr sz="1050">
+            <a:lvl4pPr marL="2641564" indent="0">
+              <a:buNone/>
+              <a:defRPr sz="2696">
                 <a:solidFill>
                   <a:schemeClr val="tx1">
                     <a:tint val="75000"/>
@@ -4275,9 +4275,9 @@
                 </a:solidFill>
               </a:defRPr>
             </a:lvl4pPr>
-            <a:lvl5pPr marL="1371600" indent="0">
-              <a:buNone/>
-              <a:defRPr sz="1050">
+            <a:lvl5pPr marL="3522086" indent="0">
+              <a:buNone/>
+              <a:defRPr sz="2696">
                 <a:solidFill>
                   <a:schemeClr val="tx1">
                     <a:tint val="75000"/>
@@ -4285,9 +4285,9 @@
                 </a:solidFill>
               </a:defRPr>
             </a:lvl5pPr>
-            <a:lvl6pPr marL="1714500" indent="0">
-              <a:buNone/>
-              <a:defRPr sz="1050">
+            <a:lvl6pPr marL="4402607" indent="0">
+              <a:buNone/>
+              <a:defRPr sz="2696">
                 <a:solidFill>
                   <a:schemeClr val="tx1">
                     <a:tint val="75000"/>
@@ -4295,9 +4295,9 @@
                 </a:solidFill>
               </a:defRPr>
             </a:lvl6pPr>
-            <a:lvl7pPr marL="2057400" indent="0">
-              <a:buNone/>
-              <a:defRPr sz="1050">
+            <a:lvl7pPr marL="5283129" indent="0">
+              <a:buNone/>
+              <a:defRPr sz="2696">
                 <a:solidFill>
                   <a:schemeClr val="tx1">
                     <a:tint val="75000"/>
@@ -4305,9 +4305,9 @@
                 </a:solidFill>
               </a:defRPr>
             </a:lvl7pPr>
-            <a:lvl8pPr marL="2400300" indent="0">
-              <a:buNone/>
-              <a:defRPr sz="1050">
+            <a:lvl8pPr marL="6163650" indent="0">
+              <a:buNone/>
+              <a:defRPr sz="2696">
                 <a:solidFill>
                   <a:schemeClr val="tx1">
                     <a:tint val="75000"/>
@@ -4315,9 +4315,9 @@
                 </a:solidFill>
               </a:defRPr>
             </a:lvl8pPr>
-            <a:lvl9pPr marL="2743200" indent="0">
-              <a:buNone/>
-              <a:defRPr sz="1050">
+            <a:lvl9pPr marL="7044172" indent="0">
+              <a:buNone/>
+              <a:defRPr sz="2696">
                 <a:solidFill>
                   <a:schemeClr val="tx1">
                     <a:tint val="75000"/>
@@ -4330,7 +4330,7 @@
             <a:pPr lvl="0"/>
             <a:r>
               <a:rPr lang="zh-CN" altLang="en-US"/>
-              <a:t>编辑母版文本样式</a:t>
+              <a:t>单击此处编辑母版文本样式</a:t>
             </a:r>
           </a:p>
         </p:txBody>
@@ -4352,7 +4352,7 @@
           <a:p>
             <a:fld id="{5D4DFE8B-C0A0-4175-8DFB-4F7650DFF34A}" type="datetimeFigureOut">
               <a:rPr lang="zh-CN" altLang="en-US" smtClean="0"/>
-              <a:t>2019-03-14</a:t>
+              <a:t>2019-03-22</a:t>
             </a:fld>
             <a:endParaRPr lang="zh-CN" altLang="en-US"/>
           </a:p>
@@ -4403,7 +4403,7 @@
     </p:spTree>
     <p:extLst>
       <p:ext uri="{BB962C8B-B14F-4D97-AF65-F5344CB8AC3E}">
-        <p14:creationId xmlns:p14="http://schemas.microsoft.com/office/powerpoint/2010/main" val="1830686599"/>
+        <p14:creationId xmlns:p14="http://schemas.microsoft.com/office/powerpoint/2010/main" val="3076348321"/>
       </p:ext>
     </p:extLst>
   </p:cSld>
@@ -4445,7 +4445,7 @@
           <a:bodyPr/>
           <a:lstStyle>
             <a:lvl1pPr>
-              <a:defRPr sz="3150"/>
+              <a:defRPr sz="8089"/>
             </a:lvl1pPr>
           </a:lstStyle>
           <a:p>
@@ -4469,8 +4469,8 @@
         </p:nvSpPr>
         <p:spPr>
           <a:xfrm>
-            <a:off x="356126" y="2861734"/>
-            <a:ext cx="1658044" cy="832378"/>
+            <a:off x="914469" y="5087373"/>
+            <a:ext cx="4257565" cy="1479739"/>
           </a:xfrm>
         </p:spPr>
         <p:txBody>
@@ -4480,50 +4480,50 @@
           <a:lstStyle>
             <a:lvl1pPr marL="0" indent="0">
               <a:buNone/>
-              <a:defRPr sz="1800" b="0">
+              <a:defRPr sz="4622" b="0">
                 <a:solidFill>
                   <a:schemeClr val="accent1"/>
                 </a:solidFill>
               </a:defRPr>
             </a:lvl1pPr>
-            <a:lvl2pPr marL="342900" indent="0">
-              <a:buNone/>
-              <a:defRPr sz="1500" b="1"/>
+            <a:lvl2pPr marL="880521" indent="0">
+              <a:buNone/>
+              <a:defRPr sz="3852" b="1"/>
             </a:lvl2pPr>
-            <a:lvl3pPr marL="685800" indent="0">
-              <a:buNone/>
-              <a:defRPr sz="1350" b="1"/>
+            <a:lvl3pPr marL="1761043" indent="0">
+              <a:buNone/>
+              <a:defRPr sz="3467" b="1"/>
             </a:lvl3pPr>
-            <a:lvl4pPr marL="1028700" indent="0">
-              <a:buNone/>
-              <a:defRPr sz="1200" b="1"/>
+            <a:lvl4pPr marL="2641564" indent="0">
+              <a:buNone/>
+              <a:defRPr sz="3081" b="1"/>
             </a:lvl4pPr>
-            <a:lvl5pPr marL="1371600" indent="0">
-              <a:buNone/>
-              <a:defRPr sz="1200" b="1"/>
+            <a:lvl5pPr marL="3522086" indent="0">
+              <a:buNone/>
+              <a:defRPr sz="3081" b="1"/>
             </a:lvl5pPr>
-            <a:lvl6pPr marL="1714500" indent="0">
-              <a:buNone/>
-              <a:defRPr sz="1200" b="1"/>
+            <a:lvl6pPr marL="4402607" indent="0">
+              <a:buNone/>
+              <a:defRPr sz="3081" b="1"/>
             </a:lvl6pPr>
-            <a:lvl7pPr marL="2057400" indent="0">
-              <a:buNone/>
-              <a:defRPr sz="1200" b="1"/>
+            <a:lvl7pPr marL="5283129" indent="0">
+              <a:buNone/>
+              <a:defRPr sz="3081" b="1"/>
             </a:lvl7pPr>
-            <a:lvl8pPr marL="2400300" indent="0">
-              <a:buNone/>
-              <a:defRPr sz="1200" b="1"/>
+            <a:lvl8pPr marL="6163650" indent="0">
+              <a:buNone/>
+              <a:defRPr sz="3081" b="1"/>
             </a:lvl8pPr>
-            <a:lvl9pPr marL="2743200" indent="0">
-              <a:buNone/>
-              <a:defRPr sz="1200" b="1"/>
+            <a:lvl9pPr marL="7044172" indent="0">
+              <a:buNone/>
+              <a:defRPr sz="3081" b="1"/>
             </a:lvl9pPr>
           </a:lstStyle>
           <a:p>
             <a:pPr lvl="0"/>
             <a:r>
               <a:rPr lang="zh-CN" altLang="en-US"/>
-              <a:t>编辑母版文本样式</a:t>
+              <a:t>单击此处编辑母版文本样式</a:t>
             </a:r>
           </a:p>
         </p:txBody>
@@ -4540,8 +4540,8 @@
         </p:nvSpPr>
         <p:spPr>
           <a:xfrm>
-            <a:off x="367106" y="3852334"/>
-            <a:ext cx="1647063" cy="5184599"/>
+            <a:off x="942664" y="6848387"/>
+            <a:ext cx="4229368" cy="9216789"/>
           </a:xfrm>
         </p:spPr>
         <p:txBody>
@@ -4551,46 +4551,46 @@
           <a:lstStyle>
             <a:lvl1pPr marL="0" indent="0">
               <a:buNone/>
-              <a:defRPr sz="1050"/>
+              <a:defRPr sz="2696"/>
             </a:lvl1pPr>
-            <a:lvl2pPr marL="342900" indent="0">
-              <a:buNone/>
-              <a:defRPr sz="900"/>
+            <a:lvl2pPr marL="880521" indent="0">
+              <a:buNone/>
+              <a:defRPr sz="2311"/>
             </a:lvl2pPr>
-            <a:lvl3pPr marL="685800" indent="0">
-              <a:buNone/>
-              <a:defRPr sz="750"/>
+            <a:lvl3pPr marL="1761043" indent="0">
+              <a:buNone/>
+              <a:defRPr sz="1926"/>
             </a:lvl3pPr>
-            <a:lvl4pPr marL="1028700" indent="0">
-              <a:buNone/>
-              <a:defRPr sz="675"/>
+            <a:lvl4pPr marL="2641564" indent="0">
+              <a:buNone/>
+              <a:defRPr sz="1733"/>
             </a:lvl4pPr>
-            <a:lvl5pPr marL="1371600" indent="0">
-              <a:buNone/>
-              <a:defRPr sz="675"/>
+            <a:lvl5pPr marL="3522086" indent="0">
+              <a:buNone/>
+              <a:defRPr sz="1733"/>
             </a:lvl5pPr>
-            <a:lvl6pPr marL="1714500" indent="0">
-              <a:buNone/>
-              <a:defRPr sz="675"/>
+            <a:lvl6pPr marL="4402607" indent="0">
+              <a:buNone/>
+              <a:defRPr sz="1733"/>
             </a:lvl6pPr>
-            <a:lvl7pPr marL="2057400" indent="0">
-              <a:buNone/>
-              <a:defRPr sz="675"/>
+            <a:lvl7pPr marL="5283129" indent="0">
+              <a:buNone/>
+              <a:defRPr sz="1733"/>
             </a:lvl7pPr>
-            <a:lvl8pPr marL="2400300" indent="0">
-              <a:buNone/>
-              <a:defRPr sz="675"/>
+            <a:lvl8pPr marL="6163650" indent="0">
+              <a:buNone/>
+              <a:defRPr sz="1733"/>
             </a:lvl8pPr>
-            <a:lvl9pPr marL="2743200" indent="0">
-              <a:buNone/>
-              <a:defRPr sz="675"/>
+            <a:lvl9pPr marL="7044172" indent="0">
+              <a:buNone/>
+              <a:defRPr sz="1733"/>
             </a:lvl9pPr>
           </a:lstStyle>
           <a:p>
             <a:pPr lvl="0"/>
             <a:r>
               <a:rPr lang="zh-CN" altLang="en-US"/>
-              <a:t>编辑母版文本样式</a:t>
+              <a:t>单击此处编辑母版文本样式</a:t>
             </a:r>
           </a:p>
         </p:txBody>
@@ -4607,8 +4607,8 @@
         </p:nvSpPr>
         <p:spPr>
           <a:xfrm>
-            <a:off x="2185128" y="2861734"/>
-            <a:ext cx="1652066" cy="832378"/>
+            <a:off x="5611024" y="5087373"/>
+            <a:ext cx="4242214" cy="1479739"/>
           </a:xfrm>
         </p:spPr>
         <p:txBody>
@@ -4618,50 +4618,50 @@
           <a:lstStyle>
             <a:lvl1pPr marL="0" indent="0">
               <a:buNone/>
-              <a:defRPr sz="1800" b="0">
+              <a:defRPr sz="4622" b="0">
                 <a:solidFill>
                   <a:schemeClr val="accent1"/>
                 </a:solidFill>
               </a:defRPr>
             </a:lvl1pPr>
-            <a:lvl2pPr marL="342900" indent="0">
-              <a:buNone/>
-              <a:defRPr sz="1500" b="1"/>
+            <a:lvl2pPr marL="880521" indent="0">
+              <a:buNone/>
+              <a:defRPr sz="3852" b="1"/>
             </a:lvl2pPr>
-            <a:lvl3pPr marL="685800" indent="0">
-              <a:buNone/>
-              <a:defRPr sz="1350" b="1"/>
+            <a:lvl3pPr marL="1761043" indent="0">
+              <a:buNone/>
+              <a:defRPr sz="3467" b="1"/>
             </a:lvl3pPr>
-            <a:lvl4pPr marL="1028700" indent="0">
-              <a:buNone/>
-              <a:defRPr sz="1200" b="1"/>
+            <a:lvl4pPr marL="2641564" indent="0">
+              <a:buNone/>
+              <a:defRPr sz="3081" b="1"/>
             </a:lvl4pPr>
-            <a:lvl5pPr marL="1371600" indent="0">
-              <a:buNone/>
-              <a:defRPr sz="1200" b="1"/>
+            <a:lvl5pPr marL="3522086" indent="0">
+              <a:buNone/>
+              <a:defRPr sz="3081" b="1"/>
             </a:lvl5pPr>
-            <a:lvl6pPr marL="1714500" indent="0">
-              <a:buNone/>
-              <a:defRPr sz="1200" b="1"/>
+            <a:lvl6pPr marL="4402607" indent="0">
+              <a:buNone/>
+              <a:defRPr sz="3081" b="1"/>
             </a:lvl6pPr>
-            <a:lvl7pPr marL="2057400" indent="0">
-              <a:buNone/>
-              <a:defRPr sz="1200" b="1"/>
+            <a:lvl7pPr marL="5283129" indent="0">
+              <a:buNone/>
+              <a:defRPr sz="3081" b="1"/>
             </a:lvl7pPr>
-            <a:lvl8pPr marL="2400300" indent="0">
-              <a:buNone/>
-              <a:defRPr sz="1200" b="1"/>
+            <a:lvl8pPr marL="6163650" indent="0">
+              <a:buNone/>
+              <a:defRPr sz="3081" b="1"/>
             </a:lvl8pPr>
-            <a:lvl9pPr marL="2743200" indent="0">
-              <a:buNone/>
-              <a:defRPr sz="1200" b="1"/>
+            <a:lvl9pPr marL="7044172" indent="0">
+              <a:buNone/>
+              <a:defRPr sz="3081" b="1"/>
             </a:lvl9pPr>
           </a:lstStyle>
           <a:p>
             <a:pPr lvl="0"/>
             <a:r>
               <a:rPr lang="zh-CN" altLang="en-US"/>
-              <a:t>编辑母版文本样式</a:t>
+              <a:t>单击此处编辑母版文本样式</a:t>
             </a:r>
           </a:p>
         </p:txBody>
@@ -4678,8 +4678,8 @@
         </p:nvSpPr>
         <p:spPr>
           <a:xfrm>
-            <a:off x="2179190" y="3852334"/>
-            <a:ext cx="1658003" cy="5184599"/>
+            <a:off x="5595776" y="6848387"/>
+            <a:ext cx="4257461" cy="9216789"/>
           </a:xfrm>
         </p:spPr>
         <p:txBody>
@@ -4689,46 +4689,46 @@
           <a:lstStyle>
             <a:lvl1pPr marL="0" indent="0">
               <a:buNone/>
-              <a:defRPr sz="1050"/>
+              <a:defRPr sz="2696"/>
             </a:lvl1pPr>
-            <a:lvl2pPr marL="342900" indent="0">
-              <a:buNone/>
-              <a:defRPr sz="900"/>
+            <a:lvl2pPr marL="880521" indent="0">
+              <a:buNone/>
+              <a:defRPr sz="2311"/>
             </a:lvl2pPr>
-            <a:lvl3pPr marL="685800" indent="0">
-              <a:buNone/>
-              <a:defRPr sz="750"/>
+            <a:lvl3pPr marL="1761043" indent="0">
+              <a:buNone/>
+              <a:defRPr sz="1926"/>
             </a:lvl3pPr>
-            <a:lvl4pPr marL="1028700" indent="0">
-              <a:buNone/>
-              <a:defRPr sz="675"/>
+            <a:lvl4pPr marL="2641564" indent="0">
+              <a:buNone/>
+              <a:defRPr sz="1733"/>
             </a:lvl4pPr>
-            <a:lvl5pPr marL="1371600" indent="0">
-              <a:buNone/>
-              <a:defRPr sz="675"/>
+            <a:lvl5pPr marL="3522086" indent="0">
+              <a:buNone/>
+              <a:defRPr sz="1733"/>
             </a:lvl5pPr>
-            <a:lvl6pPr marL="1714500" indent="0">
-              <a:buNone/>
-              <a:defRPr sz="675"/>
+            <a:lvl6pPr marL="4402607" indent="0">
+              <a:buNone/>
+              <a:defRPr sz="1733"/>
             </a:lvl6pPr>
-            <a:lvl7pPr marL="2057400" indent="0">
-              <a:buNone/>
-              <a:defRPr sz="675"/>
+            <a:lvl7pPr marL="5283129" indent="0">
+              <a:buNone/>
+              <a:defRPr sz="1733"/>
             </a:lvl7pPr>
-            <a:lvl8pPr marL="2400300" indent="0">
-              <a:buNone/>
-              <a:defRPr sz="675"/>
+            <a:lvl8pPr marL="6163650" indent="0">
+              <a:buNone/>
+              <a:defRPr sz="1733"/>
             </a:lvl8pPr>
-            <a:lvl9pPr marL="2743200" indent="0">
-              <a:buNone/>
-              <a:defRPr sz="675"/>
+            <a:lvl9pPr marL="7044172" indent="0">
+              <a:buNone/>
+              <a:defRPr sz="1733"/>
             </a:lvl9pPr>
           </a:lstStyle>
           <a:p>
             <a:pPr lvl="0"/>
             <a:r>
               <a:rPr lang="zh-CN" altLang="en-US"/>
-              <a:t>编辑母版文本样式</a:t>
+              <a:t>单击此处编辑母版文本样式</a:t>
             </a:r>
           </a:p>
         </p:txBody>
@@ -4745,8 +4745,8 @@
         </p:nvSpPr>
         <p:spPr>
           <a:xfrm>
-            <a:off x="4008688" y="2861734"/>
-            <a:ext cx="1649744" cy="832378"/>
+            <a:off x="10293605" y="5087373"/>
+            <a:ext cx="4236251" cy="1479739"/>
           </a:xfrm>
         </p:spPr>
         <p:txBody>
@@ -4756,50 +4756,50 @@
           <a:lstStyle>
             <a:lvl1pPr marL="0" indent="0">
               <a:buNone/>
-              <a:defRPr sz="1800" b="0">
+              <a:defRPr sz="4622" b="0">
                 <a:solidFill>
                   <a:schemeClr val="accent1"/>
                 </a:solidFill>
               </a:defRPr>
             </a:lvl1pPr>
-            <a:lvl2pPr marL="342900" indent="0">
-              <a:buNone/>
-              <a:defRPr sz="1500" b="1"/>
+            <a:lvl2pPr marL="880521" indent="0">
+              <a:buNone/>
+              <a:defRPr sz="3852" b="1"/>
             </a:lvl2pPr>
-            <a:lvl3pPr marL="685800" indent="0">
-              <a:buNone/>
-              <a:defRPr sz="1350" b="1"/>
+            <a:lvl3pPr marL="1761043" indent="0">
+              <a:buNone/>
+              <a:defRPr sz="3467" b="1"/>
             </a:lvl3pPr>
-            <a:lvl4pPr marL="1028700" indent="0">
-              <a:buNone/>
-              <a:defRPr sz="1200" b="1"/>
+            <a:lvl4pPr marL="2641564" indent="0">
+              <a:buNone/>
+              <a:defRPr sz="3081" b="1"/>
             </a:lvl4pPr>
-            <a:lvl5pPr marL="1371600" indent="0">
-              <a:buNone/>
-              <a:defRPr sz="1200" b="1"/>
+            <a:lvl5pPr marL="3522086" indent="0">
+              <a:buNone/>
+              <a:defRPr sz="3081" b="1"/>
             </a:lvl5pPr>
-            <a:lvl6pPr marL="1714500" indent="0">
-              <a:buNone/>
-              <a:defRPr sz="1200" b="1"/>
+            <a:lvl6pPr marL="4402607" indent="0">
+              <a:buNone/>
+              <a:defRPr sz="3081" b="1"/>
             </a:lvl6pPr>
-            <a:lvl7pPr marL="2057400" indent="0">
-              <a:buNone/>
-              <a:defRPr sz="1200" b="1"/>
+            <a:lvl7pPr marL="5283129" indent="0">
+              <a:buNone/>
+              <a:defRPr sz="3081" b="1"/>
             </a:lvl7pPr>
-            <a:lvl8pPr marL="2400300" indent="0">
-              <a:buNone/>
-              <a:defRPr sz="1200" b="1"/>
+            <a:lvl8pPr marL="6163650" indent="0">
+              <a:buNone/>
+              <a:defRPr sz="3081" b="1"/>
             </a:lvl8pPr>
-            <a:lvl9pPr marL="2743200" indent="0">
-              <a:buNone/>
-              <a:defRPr sz="1200" b="1"/>
+            <a:lvl9pPr marL="7044172" indent="0">
+              <a:buNone/>
+              <a:defRPr sz="3081" b="1"/>
             </a:lvl9pPr>
           </a:lstStyle>
           <a:p>
             <a:pPr lvl="0"/>
             <a:r>
               <a:rPr lang="zh-CN" altLang="en-US"/>
-              <a:t>编辑母版文本样式</a:t>
+              <a:t>单击此处编辑母版文本样式</a:t>
             </a:r>
           </a:p>
         </p:txBody>
@@ -4816,8 +4816,8 @@
         </p:nvSpPr>
         <p:spPr>
           <a:xfrm>
-            <a:off x="4008688" y="3852334"/>
-            <a:ext cx="1649744" cy="5184599"/>
+            <a:off x="10293605" y="6848387"/>
+            <a:ext cx="4236251" cy="9216789"/>
           </a:xfrm>
         </p:spPr>
         <p:txBody>
@@ -4827,46 +4827,46 @@
           <a:lstStyle>
             <a:lvl1pPr marL="0" indent="0">
               <a:buNone/>
-              <a:defRPr sz="1050"/>
+              <a:defRPr sz="2696"/>
             </a:lvl1pPr>
-            <a:lvl2pPr marL="342900" indent="0">
-              <a:buNone/>
-              <a:defRPr sz="900"/>
+            <a:lvl2pPr marL="880521" indent="0">
+              <a:buNone/>
+              <a:defRPr sz="2311"/>
             </a:lvl2pPr>
-            <a:lvl3pPr marL="685800" indent="0">
-              <a:buNone/>
-              <a:defRPr sz="750"/>
+            <a:lvl3pPr marL="1761043" indent="0">
+              <a:buNone/>
+              <a:defRPr sz="1926"/>
             </a:lvl3pPr>
-            <a:lvl4pPr marL="1028700" indent="0">
-              <a:buNone/>
-              <a:defRPr sz="675"/>
+            <a:lvl4pPr marL="2641564" indent="0">
+              <a:buNone/>
+              <a:defRPr sz="1733"/>
             </a:lvl4pPr>
-            <a:lvl5pPr marL="1371600" indent="0">
-              <a:buNone/>
-              <a:defRPr sz="675"/>
+            <a:lvl5pPr marL="3522086" indent="0">
+              <a:buNone/>
+              <a:defRPr sz="1733"/>
             </a:lvl5pPr>
-            <a:lvl6pPr marL="1714500" indent="0">
-              <a:buNone/>
-              <a:defRPr sz="675"/>
+            <a:lvl6pPr marL="4402607" indent="0">
+              <a:buNone/>
+              <a:defRPr sz="1733"/>
             </a:lvl6pPr>
-            <a:lvl7pPr marL="2057400" indent="0">
-              <a:buNone/>
-              <a:defRPr sz="675"/>
+            <a:lvl7pPr marL="5283129" indent="0">
+              <a:buNone/>
+              <a:defRPr sz="1733"/>
             </a:lvl7pPr>
-            <a:lvl8pPr marL="2400300" indent="0">
-              <a:buNone/>
-              <a:defRPr sz="675"/>
+            <a:lvl8pPr marL="6163650" indent="0">
+              <a:buNone/>
+              <a:defRPr sz="1733"/>
             </a:lvl8pPr>
-            <a:lvl9pPr marL="2743200" indent="0">
-              <a:buNone/>
-              <a:defRPr sz="675"/>
+            <a:lvl9pPr marL="7044172" indent="0">
+              <a:buNone/>
+              <a:defRPr sz="1733"/>
             </a:lvl9pPr>
           </a:lstStyle>
           <a:p>
             <a:pPr lvl="0"/>
             <a:r>
               <a:rPr lang="zh-CN" altLang="en-US"/>
-              <a:t>编辑母版文本样式</a:t>
+              <a:t>单击此处编辑母版文本样式</a:t>
             </a:r>
           </a:p>
         </p:txBody>
@@ -4879,8 +4879,8 @@
         </p:nvCxnSpPr>
         <p:spPr>
           <a:xfrm>
-            <a:off x="2096501" y="3081867"/>
-            <a:ext cx="0" cy="5723467"/>
+            <a:off x="5383445" y="5478710"/>
+            <a:ext cx="0" cy="10174746"/>
           </a:xfrm>
           <a:prstGeom prst="line">
             <a:avLst/>
@@ -4916,8 +4916,8 @@
         </p:nvCxnSpPr>
         <p:spPr>
           <a:xfrm>
-            <a:off x="3917273" y="3081867"/>
-            <a:ext cx="0" cy="5729941"/>
+            <a:off x="10058867" y="5478710"/>
+            <a:ext cx="0" cy="10186255"/>
           </a:xfrm>
           <a:prstGeom prst="line">
             <a:avLst/>
@@ -4962,7 +4962,7 @@
           <a:p>
             <a:fld id="{5D4DFE8B-C0A0-4175-8DFB-4F7650DFF34A}" type="datetimeFigureOut">
               <a:rPr lang="zh-CN" altLang="en-US" smtClean="0"/>
-              <a:t>2019-03-14</a:t>
+              <a:t>2019-03-22</a:t>
             </a:fld>
             <a:endParaRPr lang="zh-CN" altLang="en-US"/>
           </a:p>
@@ -5013,7 +5013,7 @@
     </p:spTree>
     <p:extLst>
       <p:ext uri="{BB962C8B-B14F-4D97-AF65-F5344CB8AC3E}">
-        <p14:creationId xmlns:p14="http://schemas.microsoft.com/office/powerpoint/2010/main" val="81389247"/>
+        <p14:creationId xmlns:p14="http://schemas.microsoft.com/office/powerpoint/2010/main" val="2053025036"/>
       </p:ext>
     </p:extLst>
   </p:cSld>
@@ -5055,7 +5055,7 @@
           <a:bodyPr/>
           <a:lstStyle>
             <a:lvl1pPr>
-              <a:defRPr sz="3150"/>
+              <a:defRPr sz="8089"/>
             </a:lvl1pPr>
           </a:lstStyle>
           <a:p>
@@ -5079,8 +5079,8 @@
         </p:nvSpPr>
         <p:spPr>
           <a:xfrm>
-            <a:off x="367106" y="6140260"/>
-            <a:ext cx="1654209" cy="832378"/>
+            <a:off x="942664" y="10915690"/>
+            <a:ext cx="4247718" cy="1479739"/>
           </a:xfrm>
         </p:spPr>
         <p:txBody>
@@ -5090,50 +5090,50 @@
           <a:lstStyle>
             <a:lvl1pPr marL="0" indent="0">
               <a:buNone/>
-              <a:defRPr sz="1800" b="0">
+              <a:defRPr sz="4622" b="0">
                 <a:solidFill>
                   <a:schemeClr val="accent1"/>
                 </a:solidFill>
               </a:defRPr>
             </a:lvl1pPr>
-            <a:lvl2pPr marL="342900" indent="0">
-              <a:buNone/>
-              <a:defRPr sz="1500" b="1"/>
+            <a:lvl2pPr marL="880521" indent="0">
+              <a:buNone/>
+              <a:defRPr sz="3852" b="1"/>
             </a:lvl2pPr>
-            <a:lvl3pPr marL="685800" indent="0">
-              <a:buNone/>
-              <a:defRPr sz="1350" b="1"/>
+            <a:lvl3pPr marL="1761043" indent="0">
+              <a:buNone/>
+              <a:defRPr sz="3467" b="1"/>
             </a:lvl3pPr>
-            <a:lvl4pPr marL="1028700" indent="0">
-              <a:buNone/>
-              <a:defRPr sz="1200" b="1"/>
+            <a:lvl4pPr marL="2641564" indent="0">
+              <a:buNone/>
+              <a:defRPr sz="3081" b="1"/>
             </a:lvl4pPr>
-            <a:lvl5pPr marL="1371600" indent="0">
-              <a:buNone/>
-              <a:defRPr sz="1200" b="1"/>
+            <a:lvl5pPr marL="3522086" indent="0">
+              <a:buNone/>
+              <a:defRPr sz="3081" b="1"/>
             </a:lvl5pPr>
-            <a:lvl6pPr marL="1714500" indent="0">
-              <a:buNone/>
-              <a:defRPr sz="1200" b="1"/>
+            <a:lvl6pPr marL="4402607" indent="0">
+              <a:buNone/>
+              <a:defRPr sz="3081" b="1"/>
             </a:lvl6pPr>
-            <a:lvl7pPr marL="2057400" indent="0">
-              <a:buNone/>
-              <a:defRPr sz="1200" b="1"/>
+            <a:lvl7pPr marL="5283129" indent="0">
+              <a:buNone/>
+              <a:defRPr sz="3081" b="1"/>
             </a:lvl7pPr>
-            <a:lvl8pPr marL="2400300" indent="0">
-              <a:buNone/>
-              <a:defRPr sz="1200" b="1"/>
+            <a:lvl8pPr marL="6163650" indent="0">
+              <a:buNone/>
+              <a:defRPr sz="3081" b="1"/>
             </a:lvl8pPr>
-            <a:lvl9pPr marL="2743200" indent="0">
-              <a:buNone/>
-              <a:defRPr sz="1200" b="1"/>
+            <a:lvl9pPr marL="7044172" indent="0">
+              <a:buNone/>
+              <a:defRPr sz="3081" b="1"/>
             </a:lvl9pPr>
           </a:lstStyle>
           <a:p>
             <a:pPr lvl="0"/>
             <a:r>
               <a:rPr lang="zh-CN" altLang="en-US"/>
-              <a:t>编辑母版文本样式</a:t>
+              <a:t>单击此处编辑母版文本样式</a:t>
             </a:r>
           </a:p>
         </p:txBody>
@@ -5150,8 +5150,8 @@
         </p:nvSpPr>
         <p:spPr>
           <a:xfrm>
-            <a:off x="367106" y="3191934"/>
-            <a:ext cx="1654209" cy="2201333"/>
+            <a:off x="942664" y="5674378"/>
+            <a:ext cx="4247718" cy="3913364"/>
           </a:xfrm>
           <a:prstGeom prst="roundRect">
             <a:avLst>
@@ -5173,39 +5173,39 @@
           <a:lstStyle>
             <a:lvl1pPr marL="0" indent="0" algn="ctr">
               <a:buNone/>
-              <a:defRPr sz="1200"/>
+              <a:defRPr sz="3081"/>
             </a:lvl1pPr>
-            <a:lvl2pPr marL="342900" indent="0">
-              <a:buNone/>
-              <a:defRPr sz="1200"/>
+            <a:lvl2pPr marL="880521" indent="0">
+              <a:buNone/>
+              <a:defRPr sz="3081"/>
             </a:lvl2pPr>
-            <a:lvl3pPr marL="685800" indent="0">
-              <a:buNone/>
-              <a:defRPr sz="1200"/>
+            <a:lvl3pPr marL="1761043" indent="0">
+              <a:buNone/>
+              <a:defRPr sz="3081"/>
             </a:lvl3pPr>
-            <a:lvl4pPr marL="1028700" indent="0">
-              <a:buNone/>
-              <a:defRPr sz="1200"/>
+            <a:lvl4pPr marL="2641564" indent="0">
+              <a:buNone/>
+              <a:defRPr sz="3081"/>
             </a:lvl4pPr>
-            <a:lvl5pPr marL="1371600" indent="0">
-              <a:buNone/>
-              <a:defRPr sz="1200"/>
+            <a:lvl5pPr marL="3522086" indent="0">
+              <a:buNone/>
+              <a:defRPr sz="3081"/>
             </a:lvl5pPr>
-            <a:lvl6pPr marL="1714500" indent="0">
-              <a:buNone/>
-              <a:defRPr sz="1200"/>
+            <a:lvl6pPr marL="4402607" indent="0">
+              <a:buNone/>
+              <a:defRPr sz="3081"/>
             </a:lvl6pPr>
-            <a:lvl7pPr marL="2057400" indent="0">
-              <a:buNone/>
-              <a:defRPr sz="1200"/>
+            <a:lvl7pPr marL="5283129" indent="0">
+              <a:buNone/>
+              <a:defRPr sz="3081"/>
             </a:lvl7pPr>
-            <a:lvl8pPr marL="2400300" indent="0">
-              <a:buNone/>
-              <a:defRPr sz="1200"/>
+            <a:lvl8pPr marL="6163650" indent="0">
+              <a:buNone/>
+              <a:defRPr sz="3081"/>
             </a:lvl8pPr>
-            <a:lvl9pPr marL="2743200" indent="0">
-              <a:buNone/>
-              <a:defRPr sz="1200"/>
+            <a:lvl9pPr marL="7044172" indent="0">
+              <a:buNone/>
+              <a:defRPr sz="3081"/>
             </a:lvl9pPr>
           </a:lstStyle>
           <a:p>
@@ -5229,8 +5229,8 @@
         </p:nvSpPr>
         <p:spPr>
           <a:xfrm>
-            <a:off x="367106" y="6972640"/>
-            <a:ext cx="1654209" cy="952162"/>
+            <a:off x="942664" y="12395433"/>
+            <a:ext cx="4247718" cy="1692681"/>
           </a:xfrm>
         </p:spPr>
         <p:txBody>
@@ -5240,46 +5240,46 @@
           <a:lstStyle>
             <a:lvl1pPr marL="0" indent="0">
               <a:buNone/>
-              <a:defRPr sz="1050"/>
+              <a:defRPr sz="2696"/>
             </a:lvl1pPr>
-            <a:lvl2pPr marL="342900" indent="0">
-              <a:buNone/>
-              <a:defRPr sz="900"/>
+            <a:lvl2pPr marL="880521" indent="0">
+              <a:buNone/>
+              <a:defRPr sz="2311"/>
             </a:lvl2pPr>
-            <a:lvl3pPr marL="685800" indent="0">
-              <a:buNone/>
-              <a:defRPr sz="750"/>
+            <a:lvl3pPr marL="1761043" indent="0">
+              <a:buNone/>
+              <a:defRPr sz="1926"/>
             </a:lvl3pPr>
-            <a:lvl4pPr marL="1028700" indent="0">
-              <a:buNone/>
-              <a:defRPr sz="675"/>
+            <a:lvl4pPr marL="2641564" indent="0">
+              <a:buNone/>
+              <a:defRPr sz="1733"/>
             </a:lvl4pPr>
-            <a:lvl5pPr marL="1371600" indent="0">
-              <a:buNone/>
-              <a:defRPr sz="675"/>
+            <a:lvl5pPr marL="3522086" indent="0">
+              <a:buNone/>
+              <a:defRPr sz="1733"/>
             </a:lvl5pPr>
-            <a:lvl6pPr marL="1714500" indent="0">
-              <a:buNone/>
-              <a:defRPr sz="675"/>
+            <a:lvl6pPr marL="4402607" indent="0">
+              <a:buNone/>
+              <a:defRPr sz="1733"/>
             </a:lvl6pPr>
-            <a:lvl7pPr marL="2057400" indent="0">
-              <a:buNone/>
-              <a:defRPr sz="675"/>
+            <a:lvl7pPr marL="5283129" indent="0">
+              <a:buNone/>
+              <a:defRPr sz="1733"/>
             </a:lvl7pPr>
-            <a:lvl8pPr marL="2400300" indent="0">
-              <a:buNone/>
-              <a:defRPr sz="675"/>
+            <a:lvl8pPr marL="6163650" indent="0">
+              <a:buNone/>
+              <a:defRPr sz="1733"/>
             </a:lvl8pPr>
-            <a:lvl9pPr marL="2743200" indent="0">
-              <a:buNone/>
-              <a:defRPr sz="675"/>
+            <a:lvl9pPr marL="7044172" indent="0">
+              <a:buNone/>
+              <a:defRPr sz="1733"/>
             </a:lvl9pPr>
           </a:lstStyle>
           <a:p>
             <a:pPr lvl="0"/>
             <a:r>
               <a:rPr lang="zh-CN" altLang="en-US"/>
-              <a:t>编辑母版文本样式</a:t>
+              <a:t>单击此处编辑母版文本样式</a:t>
             </a:r>
           </a:p>
         </p:txBody>
@@ -5296,8 +5296,8 @@
         </p:nvSpPr>
         <p:spPr>
           <a:xfrm>
-            <a:off x="2188344" y="6140260"/>
-            <a:ext cx="1648850" cy="832378"/>
+            <a:off x="5619282" y="10915690"/>
+            <a:ext cx="4233956" cy="1479739"/>
           </a:xfrm>
         </p:spPr>
         <p:txBody>
@@ -5307,50 +5307,50 @@
           <a:lstStyle>
             <a:lvl1pPr marL="0" indent="0">
               <a:buNone/>
-              <a:defRPr sz="1800" b="0">
+              <a:defRPr sz="4622" b="0">
                 <a:solidFill>
                   <a:schemeClr val="accent1"/>
                 </a:solidFill>
               </a:defRPr>
             </a:lvl1pPr>
-            <a:lvl2pPr marL="342900" indent="0">
-              <a:buNone/>
-              <a:defRPr sz="1500" b="1"/>
+            <a:lvl2pPr marL="880521" indent="0">
+              <a:buNone/>
+              <a:defRPr sz="3852" b="1"/>
             </a:lvl2pPr>
-            <a:lvl3pPr marL="685800" indent="0">
-              <a:buNone/>
-              <a:defRPr sz="1350" b="1"/>
+            <a:lvl3pPr marL="1761043" indent="0">
+              <a:buNone/>
+              <a:defRPr sz="3467" b="1"/>
             </a:lvl3pPr>
-            <a:lvl4pPr marL="1028700" indent="0">
-              <a:buNone/>
-              <a:defRPr sz="1200" b="1"/>
+            <a:lvl4pPr marL="2641564" indent="0">
+              <a:buNone/>
+              <a:defRPr sz="3081" b="1"/>
             </a:lvl4pPr>
-            <a:lvl5pPr marL="1371600" indent="0">
-              <a:buNone/>
-              <a:defRPr sz="1200" b="1"/>
+            <a:lvl5pPr marL="3522086" indent="0">
+              <a:buNone/>
+              <a:defRPr sz="3081" b="1"/>
             </a:lvl5pPr>
-            <a:lvl6pPr marL="1714500" indent="0">
-              <a:buNone/>
-              <a:defRPr sz="1200" b="1"/>
+            <a:lvl6pPr marL="4402607" indent="0">
+              <a:buNone/>
+              <a:defRPr sz="3081" b="1"/>
             </a:lvl6pPr>
-            <a:lvl7pPr marL="2057400" indent="0">
-              <a:buNone/>
-              <a:defRPr sz="1200" b="1"/>
+            <a:lvl7pPr marL="5283129" indent="0">
+              <a:buNone/>
+              <a:defRPr sz="3081" b="1"/>
             </a:lvl7pPr>
-            <a:lvl8pPr marL="2400300" indent="0">
-              <a:buNone/>
-              <a:defRPr sz="1200" b="1"/>
+            <a:lvl8pPr marL="6163650" indent="0">
+              <a:buNone/>
+              <a:defRPr sz="3081" b="1"/>
             </a:lvl8pPr>
-            <a:lvl9pPr marL="2743200" indent="0">
-              <a:buNone/>
-              <a:defRPr sz="1200" b="1"/>
+            <a:lvl9pPr marL="7044172" indent="0">
+              <a:buNone/>
+              <a:defRPr sz="3081" b="1"/>
             </a:lvl9pPr>
           </a:lstStyle>
           <a:p>
             <a:pPr lvl="0"/>
             <a:r>
               <a:rPr lang="zh-CN" altLang="en-US"/>
-              <a:t>编辑母版文本样式</a:t>
+              <a:t>单击此处编辑母版文本样式</a:t>
             </a:r>
           </a:p>
         </p:txBody>
@@ -5367,8 +5367,8 @@
         </p:nvSpPr>
         <p:spPr>
           <a:xfrm>
-            <a:off x="2188343" y="3191934"/>
-            <a:ext cx="1648850" cy="2201333"/>
+            <a:off x="5619280" y="5674378"/>
+            <a:ext cx="4233956" cy="3913364"/>
           </a:xfrm>
           <a:prstGeom prst="roundRect">
             <a:avLst>
@@ -5390,39 +5390,39 @@
           <a:lstStyle>
             <a:lvl1pPr marL="0" indent="0" algn="ctr">
               <a:buNone/>
-              <a:defRPr sz="1200"/>
+              <a:defRPr sz="3081"/>
             </a:lvl1pPr>
-            <a:lvl2pPr marL="342900" indent="0">
-              <a:buNone/>
-              <a:defRPr sz="1200"/>
+            <a:lvl2pPr marL="880521" indent="0">
+              <a:buNone/>
+              <a:defRPr sz="3081"/>
             </a:lvl2pPr>
-            <a:lvl3pPr marL="685800" indent="0">
-              <a:buNone/>
-              <a:defRPr sz="1200"/>
+            <a:lvl3pPr marL="1761043" indent="0">
+              <a:buNone/>
+              <a:defRPr sz="3081"/>
             </a:lvl3pPr>
-            <a:lvl4pPr marL="1028700" indent="0">
-              <a:buNone/>
-              <a:defRPr sz="1200"/>
+            <a:lvl4pPr marL="2641564" indent="0">
+              <a:buNone/>
+              <a:defRPr sz="3081"/>
             </a:lvl4pPr>
-            <a:lvl5pPr marL="1371600" indent="0">
-              <a:buNone/>
-              <a:defRPr sz="1200"/>
+            <a:lvl5pPr marL="3522086" indent="0">
+              <a:buNone/>
+              <a:defRPr sz="3081"/>
             </a:lvl5pPr>
-            <a:lvl6pPr marL="1714500" indent="0">
-              <a:buNone/>
-              <a:defRPr sz="1200"/>
+            <a:lvl6pPr marL="4402607" indent="0">
+              <a:buNone/>
+              <a:defRPr sz="3081"/>
             </a:lvl6pPr>
-            <a:lvl7pPr marL="2057400" indent="0">
-              <a:buNone/>
-              <a:defRPr sz="1200"/>
+            <a:lvl7pPr marL="5283129" indent="0">
+              <a:buNone/>
+              <a:defRPr sz="3081"/>
             </a:lvl7pPr>
-            <a:lvl8pPr marL="2400300" indent="0">
-              <a:buNone/>
-              <a:defRPr sz="1200"/>
+            <a:lvl8pPr marL="6163650" indent="0">
+              <a:buNone/>
+              <a:defRPr sz="3081"/>
             </a:lvl8pPr>
-            <a:lvl9pPr marL="2743200" indent="0">
-              <a:buNone/>
-              <a:defRPr sz="1200"/>
+            <a:lvl9pPr marL="7044172" indent="0">
+              <a:buNone/>
+              <a:defRPr sz="3081"/>
             </a:lvl9pPr>
           </a:lstStyle>
           <a:p>
@@ -5446,8 +5446,8 @@
         </p:nvSpPr>
         <p:spPr>
           <a:xfrm>
-            <a:off x="2187582" y="6972639"/>
-            <a:ext cx="1651034" cy="952162"/>
+            <a:off x="5617326" y="12395430"/>
+            <a:ext cx="4239564" cy="1692681"/>
           </a:xfrm>
         </p:spPr>
         <p:txBody>
@@ -5457,46 +5457,46 @@
           <a:lstStyle>
             <a:lvl1pPr marL="0" indent="0">
               <a:buNone/>
-              <a:defRPr sz="1050"/>
+              <a:defRPr sz="2696"/>
             </a:lvl1pPr>
-            <a:lvl2pPr marL="342900" indent="0">
-              <a:buNone/>
-              <a:defRPr sz="900"/>
+            <a:lvl2pPr marL="880521" indent="0">
+              <a:buNone/>
+              <a:defRPr sz="2311"/>
             </a:lvl2pPr>
-            <a:lvl3pPr marL="685800" indent="0">
-              <a:buNone/>
-              <a:defRPr sz="750"/>
+            <a:lvl3pPr marL="1761043" indent="0">
+              <a:buNone/>
+              <a:defRPr sz="1926"/>
             </a:lvl3pPr>
-            <a:lvl4pPr marL="1028700" indent="0">
-              <a:buNone/>
-              <a:defRPr sz="675"/>
+            <a:lvl4pPr marL="2641564" indent="0">
+              <a:buNone/>
+              <a:defRPr sz="1733"/>
             </a:lvl4pPr>
-            <a:lvl5pPr marL="1371600" indent="0">
-              <a:buNone/>
-              <a:defRPr sz="675"/>
+            <a:lvl5pPr marL="3522086" indent="0">
+              <a:buNone/>
+              <a:defRPr sz="1733"/>
             </a:lvl5pPr>
-            <a:lvl6pPr marL="1714500" indent="0">
-              <a:buNone/>
-              <a:defRPr sz="675"/>
+            <a:lvl6pPr marL="4402607" indent="0">
+              <a:buNone/>
+              <a:defRPr sz="1733"/>
             </a:lvl6pPr>
-            <a:lvl7pPr marL="2057400" indent="0">
-              <a:buNone/>
-              <a:defRPr sz="675"/>
+            <a:lvl7pPr marL="5283129" indent="0">
+              <a:buNone/>
+              <a:defRPr sz="1733"/>
             </a:lvl7pPr>
-            <a:lvl8pPr marL="2400300" indent="0">
-              <a:buNone/>
-              <a:defRPr sz="675"/>
+            <a:lvl8pPr marL="6163650" indent="0">
+              <a:buNone/>
+              <a:defRPr sz="1733"/>
             </a:lvl8pPr>
-            <a:lvl9pPr marL="2743200" indent="0">
-              <a:buNone/>
-              <a:defRPr sz="675"/>
+            <a:lvl9pPr marL="7044172" indent="0">
+              <a:buNone/>
+              <a:defRPr sz="1733"/>
             </a:lvl9pPr>
           </a:lstStyle>
           <a:p>
             <a:pPr lvl="0"/>
             <a:r>
               <a:rPr lang="zh-CN" altLang="en-US"/>
-              <a:t>编辑母版文本样式</a:t>
+              <a:t>单击此处编辑母版文本样式</a:t>
             </a:r>
           </a:p>
         </p:txBody>
@@ -5513,8 +5513,8 @@
         </p:nvSpPr>
         <p:spPr>
           <a:xfrm>
-            <a:off x="4008688" y="6140260"/>
-            <a:ext cx="1649744" cy="832378"/>
+            <a:off x="10293605" y="10915690"/>
+            <a:ext cx="4236251" cy="1479739"/>
           </a:xfrm>
         </p:spPr>
         <p:txBody>
@@ -5524,50 +5524,50 @@
           <a:lstStyle>
             <a:lvl1pPr marL="0" indent="0">
               <a:buNone/>
-              <a:defRPr sz="1800" b="0">
+              <a:defRPr sz="4622" b="0">
                 <a:solidFill>
                   <a:schemeClr val="accent1"/>
                 </a:solidFill>
               </a:defRPr>
             </a:lvl1pPr>
-            <a:lvl2pPr marL="342900" indent="0">
-              <a:buNone/>
-              <a:defRPr sz="1500" b="1"/>
+            <a:lvl2pPr marL="880521" indent="0">
+              <a:buNone/>
+              <a:defRPr sz="3852" b="1"/>
             </a:lvl2pPr>
-            <a:lvl3pPr marL="685800" indent="0">
-              <a:buNone/>
-              <a:defRPr sz="1350" b="1"/>
+            <a:lvl3pPr marL="1761043" indent="0">
+              <a:buNone/>
+              <a:defRPr sz="3467" b="1"/>
             </a:lvl3pPr>
-            <a:lvl4pPr marL="1028700" indent="0">
-              <a:buNone/>
-              <a:defRPr sz="1200" b="1"/>
+            <a:lvl4pPr marL="2641564" indent="0">
+              <a:buNone/>
+              <a:defRPr sz="3081" b="1"/>
             </a:lvl4pPr>
-            <a:lvl5pPr marL="1371600" indent="0">
-              <a:buNone/>
-              <a:defRPr sz="1200" b="1"/>
+            <a:lvl5pPr marL="3522086" indent="0">
+              <a:buNone/>
+              <a:defRPr sz="3081" b="1"/>
             </a:lvl5pPr>
-            <a:lvl6pPr marL="1714500" indent="0">
-              <a:buNone/>
-              <a:defRPr sz="1200" b="1"/>
+            <a:lvl6pPr marL="4402607" indent="0">
+              <a:buNone/>
+              <a:defRPr sz="3081" b="1"/>
             </a:lvl6pPr>
-            <a:lvl7pPr marL="2057400" indent="0">
-              <a:buNone/>
-              <a:defRPr sz="1200" b="1"/>
+            <a:lvl7pPr marL="5283129" indent="0">
+              <a:buNone/>
+              <a:defRPr sz="3081" b="1"/>
             </a:lvl7pPr>
-            <a:lvl8pPr marL="2400300" indent="0">
-              <a:buNone/>
-              <a:defRPr sz="1200" b="1"/>
+            <a:lvl8pPr marL="6163650" indent="0">
+              <a:buNone/>
+              <a:defRPr sz="3081" b="1"/>
             </a:lvl8pPr>
-            <a:lvl9pPr marL="2743200" indent="0">
-              <a:buNone/>
-              <a:defRPr sz="1200" b="1"/>
+            <a:lvl9pPr marL="7044172" indent="0">
+              <a:buNone/>
+              <a:defRPr sz="3081" b="1"/>
             </a:lvl9pPr>
           </a:lstStyle>
           <a:p>
             <a:pPr lvl="0"/>
             <a:r>
               <a:rPr lang="zh-CN" altLang="en-US"/>
-              <a:t>编辑母版文本样式</a:t>
+              <a:t>单击此处编辑母版文本样式</a:t>
             </a:r>
           </a:p>
         </p:txBody>
@@ -5584,8 +5584,8 @@
         </p:nvSpPr>
         <p:spPr>
           <a:xfrm>
-            <a:off x="4008687" y="3191934"/>
-            <a:ext cx="1649744" cy="2201333"/>
+            <a:off x="10293603" y="5674378"/>
+            <a:ext cx="4236251" cy="3913364"/>
           </a:xfrm>
           <a:prstGeom prst="roundRect">
             <a:avLst>
@@ -5607,39 +5607,39 @@
           <a:lstStyle>
             <a:lvl1pPr marL="0" indent="0" algn="ctr">
               <a:buNone/>
-              <a:defRPr sz="1200"/>
+              <a:defRPr sz="3081"/>
             </a:lvl1pPr>
-            <a:lvl2pPr marL="342900" indent="0">
-              <a:buNone/>
-              <a:defRPr sz="1200"/>
+            <a:lvl2pPr marL="880521" indent="0">
+              <a:buNone/>
+              <a:defRPr sz="3081"/>
             </a:lvl2pPr>
-            <a:lvl3pPr marL="685800" indent="0">
-              <a:buNone/>
-              <a:defRPr sz="1200"/>
+            <a:lvl3pPr marL="1761043" indent="0">
+              <a:buNone/>
+              <a:defRPr sz="3081"/>
             </a:lvl3pPr>
-            <a:lvl4pPr marL="1028700" indent="0">
-              <a:buNone/>
-              <a:defRPr sz="1200"/>
+            <a:lvl4pPr marL="2641564" indent="0">
+              <a:buNone/>
+              <a:defRPr sz="3081"/>
             </a:lvl4pPr>
-            <a:lvl5pPr marL="1371600" indent="0">
-              <a:buNone/>
-              <a:defRPr sz="1200"/>
+            <a:lvl5pPr marL="3522086" indent="0">
+              <a:buNone/>
+              <a:defRPr sz="3081"/>
             </a:lvl5pPr>
-            <a:lvl6pPr marL="1714500" indent="0">
-              <a:buNone/>
-              <a:defRPr sz="1200"/>
+            <a:lvl6pPr marL="4402607" indent="0">
+              <a:buNone/>
+              <a:defRPr sz="3081"/>
             </a:lvl6pPr>
-            <a:lvl7pPr marL="2057400" indent="0">
-              <a:buNone/>
-              <a:defRPr sz="1200"/>
+            <a:lvl7pPr marL="5283129" indent="0">
+              <a:buNone/>
+              <a:defRPr sz="3081"/>
             </a:lvl7pPr>
-            <a:lvl8pPr marL="2400300" indent="0">
-              <a:buNone/>
-              <a:defRPr sz="1200"/>
+            <a:lvl8pPr marL="6163650" indent="0">
+              <a:buNone/>
+              <a:defRPr sz="3081"/>
             </a:lvl8pPr>
-            <a:lvl9pPr marL="2743200" indent="0">
-              <a:buNone/>
-              <a:defRPr sz="1200"/>
+            <a:lvl9pPr marL="7044172" indent="0">
+              <a:buNone/>
+              <a:defRPr sz="3081"/>
             </a:lvl9pPr>
           </a:lstStyle>
           <a:p>
@@ -5663,8 +5663,8 @@
         </p:nvSpPr>
         <p:spPr>
           <a:xfrm>
-            <a:off x="4008619" y="6972636"/>
-            <a:ext cx="1651928" cy="952162"/>
+            <a:off x="10293427" y="12395425"/>
+            <a:ext cx="4241861" cy="1692681"/>
           </a:xfrm>
         </p:spPr>
         <p:txBody>
@@ -5674,46 +5674,46 @@
           <a:lstStyle>
             <a:lvl1pPr marL="0" indent="0">
               <a:buNone/>
-              <a:defRPr sz="1050"/>
+              <a:defRPr sz="2696"/>
             </a:lvl1pPr>
-            <a:lvl2pPr marL="342900" indent="0">
-              <a:buNone/>
-              <a:defRPr sz="900"/>
+            <a:lvl2pPr marL="880521" indent="0">
+              <a:buNone/>
+              <a:defRPr sz="2311"/>
             </a:lvl2pPr>
-            <a:lvl3pPr marL="685800" indent="0">
-              <a:buNone/>
-              <a:defRPr sz="750"/>
+            <a:lvl3pPr marL="1761043" indent="0">
+              <a:buNone/>
+              <a:defRPr sz="1926"/>
             </a:lvl3pPr>
-            <a:lvl4pPr marL="1028700" indent="0">
-              <a:buNone/>
-              <a:defRPr sz="675"/>
+            <a:lvl4pPr marL="2641564" indent="0">
+              <a:buNone/>
+              <a:defRPr sz="1733"/>
             </a:lvl4pPr>
-            <a:lvl5pPr marL="1371600" indent="0">
-              <a:buNone/>
-              <a:defRPr sz="675"/>
+            <a:lvl5pPr marL="3522086" indent="0">
+              <a:buNone/>
+              <a:defRPr sz="1733"/>
             </a:lvl5pPr>
-            <a:lvl6pPr marL="1714500" indent="0">
-              <a:buNone/>
-              <a:defRPr sz="675"/>
+            <a:lvl6pPr marL="4402607" indent="0">
+              <a:buNone/>
+              <a:defRPr sz="1733"/>
             </a:lvl6pPr>
-            <a:lvl7pPr marL="2057400" indent="0">
-              <a:buNone/>
-              <a:defRPr sz="675"/>
+            <a:lvl7pPr marL="5283129" indent="0">
+              <a:buNone/>
+              <a:defRPr sz="1733"/>
             </a:lvl7pPr>
-            <a:lvl8pPr marL="2400300" indent="0">
-              <a:buNone/>
-              <a:defRPr sz="675"/>
+            <a:lvl8pPr marL="6163650" indent="0">
+              <a:buNone/>
+              <a:defRPr sz="1733"/>
             </a:lvl8pPr>
-            <a:lvl9pPr marL="2743200" indent="0">
-              <a:buNone/>
-              <a:defRPr sz="675"/>
+            <a:lvl9pPr marL="7044172" indent="0">
+              <a:buNone/>
+              <a:defRPr sz="1733"/>
             </a:lvl9pPr>
           </a:lstStyle>
           <a:p>
             <a:pPr lvl="0"/>
             <a:r>
               <a:rPr lang="zh-CN" altLang="en-US"/>
-              <a:t>编辑母版文本样式</a:t>
+              <a:t>单击此处编辑母版文本样式</a:t>
             </a:r>
           </a:p>
         </p:txBody>
@@ -5726,8 +5726,8 @@
         </p:nvCxnSpPr>
         <p:spPr>
           <a:xfrm>
-            <a:off x="2096501" y="3081867"/>
-            <a:ext cx="0" cy="5723467"/>
+            <a:off x="5383445" y="5478710"/>
+            <a:ext cx="0" cy="10174746"/>
           </a:xfrm>
           <a:prstGeom prst="line">
             <a:avLst/>
@@ -5763,8 +5763,8 @@
         </p:nvCxnSpPr>
         <p:spPr>
           <a:xfrm>
-            <a:off x="3917273" y="3081867"/>
-            <a:ext cx="0" cy="5729941"/>
+            <a:off x="10058867" y="5478710"/>
+            <a:ext cx="0" cy="10186255"/>
           </a:xfrm>
           <a:prstGeom prst="line">
             <a:avLst/>
@@ -5809,7 +5809,7 @@
           <a:p>
             <a:fld id="{5D4DFE8B-C0A0-4175-8DFB-4F7650DFF34A}" type="datetimeFigureOut">
               <a:rPr lang="zh-CN" altLang="en-US" smtClean="0"/>
-              <a:t>2019-03-14</a:t>
+              <a:t>2019-03-22</a:t>
             </a:fld>
             <a:endParaRPr lang="zh-CN" altLang="en-US"/>
           </a:p>
@@ -5860,7 +5860,7 @@
     </p:spTree>
     <p:extLst>
       <p:ext uri="{BB962C8B-B14F-4D97-AF65-F5344CB8AC3E}">
-        <p14:creationId xmlns:p14="http://schemas.microsoft.com/office/powerpoint/2010/main" val="3655116681"/>
+        <p14:creationId xmlns:p14="http://schemas.microsoft.com/office/powerpoint/2010/main" val="215974376"/>
       </p:ext>
     </p:extLst>
   </p:cSld>
@@ -5928,35 +5928,35 @@
             <a:pPr lvl="0"/>
             <a:r>
               <a:rPr lang="zh-CN" altLang="en-US"/>
-              <a:t>编辑母版文本样式</a:t>
+              <a:t>单击此处编辑母版文本样式</a:t>
             </a:r>
           </a:p>
           <a:p>
             <a:pPr lvl="1"/>
             <a:r>
               <a:rPr lang="zh-CN" altLang="en-US"/>
-              <a:t>第二级</a:t>
+              <a:t>二级</a:t>
             </a:r>
           </a:p>
           <a:p>
             <a:pPr lvl="2"/>
             <a:r>
               <a:rPr lang="zh-CN" altLang="en-US"/>
-              <a:t>第三级</a:t>
+              <a:t>三级</a:t>
             </a:r>
           </a:p>
           <a:p>
             <a:pPr lvl="3"/>
             <a:r>
               <a:rPr lang="zh-CN" altLang="en-US"/>
-              <a:t>第四级</a:t>
+              <a:t>四级</a:t>
             </a:r>
           </a:p>
           <a:p>
             <a:pPr lvl="4"/>
             <a:r>
               <a:rPr lang="zh-CN" altLang="en-US"/>
-              <a:t>第五级</a:t>
+              <a:t>五级</a:t>
             </a:r>
             <a:endParaRPr lang="en-US" dirty="0"/>
           </a:p>
@@ -5979,7 +5979,7 @@
           <a:p>
             <a:fld id="{5D4DFE8B-C0A0-4175-8DFB-4F7650DFF34A}" type="datetimeFigureOut">
               <a:rPr lang="zh-CN" altLang="en-US" smtClean="0"/>
-              <a:t>2019-03-14</a:t>
+              <a:t>2019-03-22</a:t>
             </a:fld>
             <a:endParaRPr lang="zh-CN" altLang="en-US"/>
           </a:p>
@@ -6030,7 +6030,7 @@
     </p:spTree>
     <p:extLst>
       <p:ext uri="{BB962C8B-B14F-4D97-AF65-F5344CB8AC3E}">
-        <p14:creationId xmlns:p14="http://schemas.microsoft.com/office/powerpoint/2010/main" val="1227403797"/>
+        <p14:creationId xmlns:p14="http://schemas.microsoft.com/office/powerpoint/2010/main" val="129930542"/>
       </p:ext>
     </p:extLst>
   </p:cSld>
@@ -6069,8 +6069,8 @@
         </p:nvSpPr>
         <p:spPr>
           <a:xfrm>
-            <a:off x="4672337" y="621421"/>
-            <a:ext cx="986095" cy="8415514"/>
+            <a:off x="11997739" y="1104715"/>
+            <a:ext cx="2532118" cy="14960464"/>
           </a:xfrm>
         </p:spPr>
         <p:txBody>
@@ -6097,8 +6097,8 @@
         </p:nvSpPr>
         <p:spPr>
           <a:xfrm>
-            <a:off x="367106" y="1116852"/>
-            <a:ext cx="4176609" cy="7920082"/>
+            <a:off x="942665" y="1985454"/>
+            <a:ext cx="10724797" cy="14079724"/>
           </a:xfrm>
         </p:spPr>
         <p:txBody>
@@ -6108,35 +6108,35 @@
             <a:pPr lvl="0"/>
             <a:r>
               <a:rPr lang="zh-CN" altLang="en-US"/>
-              <a:t>编辑母版文本样式</a:t>
+              <a:t>单击此处编辑母版文本样式</a:t>
             </a:r>
           </a:p>
           <a:p>
             <a:pPr lvl="1"/>
             <a:r>
               <a:rPr lang="zh-CN" altLang="en-US"/>
-              <a:t>第二级</a:t>
+              <a:t>二级</a:t>
             </a:r>
           </a:p>
           <a:p>
             <a:pPr lvl="2"/>
             <a:r>
               <a:rPr lang="zh-CN" altLang="en-US"/>
-              <a:t>第三级</a:t>
+              <a:t>三级</a:t>
             </a:r>
           </a:p>
           <a:p>
             <a:pPr lvl="3"/>
             <a:r>
               <a:rPr lang="zh-CN" altLang="en-US"/>
-              <a:t>第四级</a:t>
+              <a:t>四级</a:t>
             </a:r>
           </a:p>
           <a:p>
             <a:pPr lvl="4"/>
             <a:r>
               <a:rPr lang="zh-CN" altLang="en-US"/>
-              <a:t>第五级</a:t>
+              <a:t>五级</a:t>
             </a:r>
             <a:endParaRPr lang="en-US" dirty="0"/>
           </a:p>
@@ -6159,7 +6159,7 @@
           <a:p>
             <a:fld id="{5D4DFE8B-C0A0-4175-8DFB-4F7650DFF34A}" type="datetimeFigureOut">
               <a:rPr lang="zh-CN" altLang="en-US" smtClean="0"/>
-              <a:t>2019-03-14</a:t>
+              <a:t>2019-03-22</a:t>
             </a:fld>
             <a:endParaRPr lang="zh-CN" altLang="en-US"/>
           </a:p>
@@ -6210,7 +6210,7 @@
     </p:spTree>
     <p:extLst>
       <p:ext uri="{BB962C8B-B14F-4D97-AF65-F5344CB8AC3E}">
-        <p14:creationId xmlns:p14="http://schemas.microsoft.com/office/powerpoint/2010/main" val="1284847972"/>
+        <p14:creationId xmlns:p14="http://schemas.microsoft.com/office/powerpoint/2010/main" val="3037909951"/>
       </p:ext>
     </p:extLst>
   </p:cSld>
@@ -6249,8 +6249,8 @@
         </p:nvSpPr>
         <p:spPr>
           <a:xfrm>
-            <a:off x="467916" y="2473500"/>
-            <a:ext cx="5915025" cy="4118412"/>
+            <a:off x="1201527" y="4397201"/>
+            <a:ext cx="15188744" cy="7321402"/>
           </a:xfrm>
         </p:spPr>
         <p:txBody>
@@ -6283,8 +6283,8 @@
         </p:nvSpPr>
         <p:spPr>
           <a:xfrm>
-            <a:off x="467916" y="6576026"/>
-            <a:ext cx="5915025" cy="2166937"/>
+            <a:off x="1201527" y="11690366"/>
+            <a:ext cx="15188744" cy="3852217"/>
           </a:xfrm>
         </p:spPr>
         <p:txBody>
@@ -6410,7 +6410,7 @@
           <a:p>
             <a:fld id="{5D4DFE8B-C0A0-4175-8DFB-4F7650DFF34A}" type="datetimeFigureOut">
               <a:rPr lang="zh-CN" altLang="en-US" smtClean="0"/>
-              <a:t>2019-03-14</a:t>
+              <a:t>2019-03-22</a:t>
             </a:fld>
             <a:endParaRPr lang="zh-CN" altLang="en-US"/>
           </a:p>
@@ -6523,8 +6523,8 @@
         </p:nvSpPr>
         <p:spPr>
           <a:xfrm>
-            <a:off x="475384" y="2641601"/>
-            <a:ext cx="2914650" cy="6285265"/>
+            <a:off x="1220704" y="4696043"/>
+            <a:ext cx="7484309" cy="11173469"/>
           </a:xfrm>
         </p:spPr>
         <p:txBody>
@@ -6580,8 +6580,8 @@
         </p:nvSpPr>
         <p:spPr>
           <a:xfrm>
-            <a:off x="3471863" y="2641601"/>
-            <a:ext cx="2914650" cy="6285265"/>
+            <a:off x="8915134" y="4696043"/>
+            <a:ext cx="7484309" cy="11173469"/>
           </a:xfrm>
         </p:spPr>
         <p:txBody>
@@ -6642,7 +6642,7 @@
           <a:p>
             <a:fld id="{5D4DFE8B-C0A0-4175-8DFB-4F7650DFF34A}" type="datetimeFigureOut">
               <a:rPr lang="zh-CN" altLang="en-US" smtClean="0"/>
-              <a:t>2019-03-14</a:t>
+              <a:t>2019-03-22</a:t>
             </a:fld>
             <a:endParaRPr lang="zh-CN" altLang="en-US"/>
           </a:p>
@@ -6732,8 +6732,8 @@
         </p:nvSpPr>
         <p:spPr>
           <a:xfrm>
-            <a:off x="475384" y="2429340"/>
-            <a:ext cx="2900363" cy="1192676"/>
+            <a:off x="1220705" y="4318697"/>
+            <a:ext cx="7447622" cy="2120249"/>
           </a:xfrm>
         </p:spPr>
         <p:txBody>
@@ -6802,8 +6802,8 @@
         </p:nvSpPr>
         <p:spPr>
           <a:xfrm>
-            <a:off x="475384" y="3622017"/>
-            <a:ext cx="2900363" cy="5316314"/>
+            <a:off x="1220705" y="6438948"/>
+            <a:ext cx="7447622" cy="9450941"/>
           </a:xfrm>
         </p:spPr>
         <p:txBody>
@@ -6859,8 +6859,8 @@
         </p:nvSpPr>
         <p:spPr>
           <a:xfrm>
-            <a:off x="3471863" y="2429340"/>
-            <a:ext cx="2914651" cy="1192675"/>
+            <a:off x="8915136" y="4318698"/>
+            <a:ext cx="7484310" cy="2120247"/>
           </a:xfrm>
         </p:spPr>
         <p:txBody>
@@ -6927,8 +6927,8 @@
         </p:nvSpPr>
         <p:spPr>
           <a:xfrm>
-            <a:off x="3471863" y="3622017"/>
-            <a:ext cx="2914651" cy="5316314"/>
+            <a:off x="8915136" y="6438948"/>
+            <a:ext cx="7484310" cy="9450941"/>
           </a:xfrm>
         </p:spPr>
         <p:txBody>
@@ -6989,7 +6989,7 @@
           <a:p>
             <a:fld id="{5D4DFE8B-C0A0-4175-8DFB-4F7650DFF34A}" type="datetimeFigureOut">
               <a:rPr lang="zh-CN" altLang="en-US" smtClean="0"/>
-              <a:t>2019-03-14</a:t>
+              <a:t>2019-03-22</a:t>
             </a:fld>
             <a:endParaRPr lang="zh-CN" altLang="en-US"/>
           </a:p>
@@ -7107,7 +7107,7 @@
           <a:p>
             <a:fld id="{5D4DFE8B-C0A0-4175-8DFB-4F7650DFF34A}" type="datetimeFigureOut">
               <a:rPr lang="zh-CN" altLang="en-US" smtClean="0"/>
-              <a:t>2019-03-14</a:t>
+              <a:t>2019-03-22</a:t>
             </a:fld>
             <a:endParaRPr lang="zh-CN" altLang="en-US"/>
           </a:p>
@@ -7225,7 +7225,7 @@
           <a:p>
             <a:fld id="{5D4DFE8B-C0A0-4175-8DFB-4F7650DFF34A}" type="datetimeFigureOut">
               <a:rPr lang="zh-CN" altLang="en-US" smtClean="0"/>
-              <a:t>2019-03-14</a:t>
+              <a:t>2019-03-22</a:t>
             </a:fld>
             <a:endParaRPr lang="zh-CN" altLang="en-US"/>
           </a:p>
@@ -7315,8 +7315,8 @@
         </p:nvSpPr>
         <p:spPr>
           <a:xfrm>
-            <a:off x="473202" y="660401"/>
-            <a:ext cx="2211705" cy="2311396"/>
+            <a:off x="1215102" y="1174011"/>
+            <a:ext cx="5679270" cy="4109025"/>
           </a:xfrm>
         </p:spPr>
         <p:txBody>
@@ -7349,8 +7349,8 @@
         </p:nvSpPr>
         <p:spPr>
           <a:xfrm>
-            <a:off x="2914650" y="1430867"/>
-            <a:ext cx="3471863" cy="7044267"/>
+            <a:off x="7484312" y="2543692"/>
+            <a:ext cx="8915133" cy="12522765"/>
           </a:xfrm>
         </p:spPr>
         <p:txBody>
@@ -7434,8 +7434,8 @@
         </p:nvSpPr>
         <p:spPr>
           <a:xfrm>
-            <a:off x="473202" y="2971799"/>
-            <a:ext cx="2211705" cy="5503335"/>
+            <a:off x="1215102" y="5283044"/>
+            <a:ext cx="5679270" cy="9783413"/>
           </a:xfrm>
         </p:spPr>
         <p:txBody>
@@ -7509,7 +7509,7 @@
           <a:p>
             <a:fld id="{5D4DFE8B-C0A0-4175-8DFB-4F7650DFF34A}" type="datetimeFigureOut">
               <a:rPr lang="zh-CN" altLang="en-US" smtClean="0"/>
-              <a:t>2019-03-14</a:t>
+              <a:t>2019-03-22</a:t>
             </a:fld>
             <a:endParaRPr lang="zh-CN" altLang="en-US"/>
           </a:p>
@@ -7599,8 +7599,8 @@
         </p:nvSpPr>
         <p:spPr>
           <a:xfrm>
-            <a:off x="473202" y="660400"/>
-            <a:ext cx="2211705" cy="2311400"/>
+            <a:off x="1215102" y="1174009"/>
+            <a:ext cx="5679270" cy="4109032"/>
           </a:xfrm>
         </p:spPr>
         <p:txBody>
@@ -7633,8 +7633,8 @@
         </p:nvSpPr>
         <p:spPr>
           <a:xfrm>
-            <a:off x="2914650" y="1430867"/>
-            <a:ext cx="3471863" cy="7044267"/>
+            <a:off x="7484312" y="2543692"/>
+            <a:ext cx="8915133" cy="12522765"/>
           </a:xfrm>
         </p:spPr>
         <p:txBody>
@@ -7698,8 +7698,8 @@
         </p:nvSpPr>
         <p:spPr>
           <a:xfrm>
-            <a:off x="473202" y="2971800"/>
-            <a:ext cx="2211705" cy="5503333"/>
+            <a:off x="1215102" y="5283046"/>
+            <a:ext cx="5679270" cy="9783409"/>
           </a:xfrm>
         </p:spPr>
         <p:txBody>
@@ -7773,7 +7773,7 @@
           <a:p>
             <a:fld id="{5D4DFE8B-C0A0-4175-8DFB-4F7650DFF34A}" type="datetimeFigureOut">
               <a:rPr lang="zh-CN" altLang="en-US" smtClean="0"/>
-              <a:t>2019-03-14</a:t>
+              <a:t>2019-03-22</a:t>
             </a:fld>
             <a:endParaRPr lang="zh-CN" altLang="en-US"/>
           </a:p>
@@ -7868,8 +7868,8 @@
         </p:nvSpPr>
         <p:spPr>
           <a:xfrm>
-            <a:off x="475384" y="528320"/>
-            <a:ext cx="5915025" cy="1914701"/>
+            <a:off x="1220706" y="939212"/>
+            <a:ext cx="15188744" cy="3403811"/>
           </a:xfrm>
           <a:prstGeom prst="rect">
             <a:avLst/>
@@ -7901,8 +7901,8 @@
         </p:nvSpPr>
         <p:spPr>
           <a:xfrm>
-            <a:off x="475384" y="2641601"/>
-            <a:ext cx="5915025" cy="6285265"/>
+            <a:off x="1220706" y="4696043"/>
+            <a:ext cx="15188744" cy="11173469"/>
           </a:xfrm>
           <a:prstGeom prst="rect">
             <a:avLst/>
@@ -7963,8 +7963,8 @@
         </p:nvSpPr>
         <p:spPr>
           <a:xfrm>
-            <a:off x="471488" y="9181395"/>
-            <a:ext cx="1543050" cy="527403"/>
+            <a:off x="1210699" y="16321995"/>
+            <a:ext cx="3962281" cy="937577"/>
           </a:xfrm>
           <a:prstGeom prst="rect">
             <a:avLst/>
@@ -7987,7 +7987,7 @@
           <a:p>
             <a:fld id="{5D4DFE8B-C0A0-4175-8DFB-4F7650DFF34A}" type="datetimeFigureOut">
               <a:rPr lang="zh-CN" altLang="en-US" smtClean="0"/>
-              <a:t>2019-03-14</a:t>
+              <a:t>2019-03-22</a:t>
             </a:fld>
             <a:endParaRPr lang="zh-CN" altLang="en-US"/>
           </a:p>
@@ -8005,8 +8005,8 @@
         </p:nvSpPr>
         <p:spPr>
           <a:xfrm>
-            <a:off x="2271713" y="9181395"/>
-            <a:ext cx="2314575" cy="527403"/>
+            <a:off x="5833362" y="16321995"/>
+            <a:ext cx="5943422" cy="937577"/>
           </a:xfrm>
           <a:prstGeom prst="rect">
             <a:avLst/>
@@ -8043,8 +8043,8 @@
         </p:nvSpPr>
         <p:spPr>
           <a:xfrm>
-            <a:off x="4847359" y="9181395"/>
-            <a:ext cx="1543050" cy="527403"/>
+            <a:off x="12447167" y="16321995"/>
+            <a:ext cx="3962281" cy="937577"/>
           </a:xfrm>
           <a:prstGeom prst="rect">
             <a:avLst/>
@@ -8394,8 +8394,8 @@
         </p:nvSpPr>
         <p:spPr>
           <a:xfrm>
-            <a:off x="4724574" y="2421467"/>
-            <a:ext cx="2114550" cy="4072467"/>
+            <a:off x="12131875" y="4304701"/>
+            <a:ext cx="5429793" cy="7239723"/>
           </a:xfrm>
           <a:prstGeom prst="ellipse">
             <a:avLst/>
@@ -8457,8 +8457,8 @@
         </p:nvSpPr>
         <p:spPr>
           <a:xfrm>
-            <a:off x="4267374" y="-660400"/>
-            <a:ext cx="1200150" cy="2311400"/>
+            <a:off x="10957866" y="-1174009"/>
+            <a:ext cx="3081774" cy="4109032"/>
           </a:xfrm>
           <a:prstGeom prst="ellipse">
             <a:avLst/>
@@ -8520,8 +8520,8 @@
         </p:nvSpPr>
         <p:spPr>
           <a:xfrm>
-            <a:off x="4724574" y="8805333"/>
-            <a:ext cx="742950" cy="1430867"/>
+            <a:off x="12131875" y="15653456"/>
+            <a:ext cx="1907765" cy="2543687"/>
           </a:xfrm>
           <a:prstGeom prst="ellipse">
             <a:avLst/>
@@ -8583,8 +8583,8 @@
         </p:nvSpPr>
         <p:spPr>
           <a:xfrm>
-            <a:off x="-115491" y="3852333"/>
-            <a:ext cx="3143250" cy="6053667"/>
+            <a:off x="-296560" y="6848387"/>
+            <a:ext cx="8071313" cy="10761751"/>
           </a:xfrm>
           <a:prstGeom prst="ellipse">
             <a:avLst/>
@@ -8646,8 +8646,8 @@
         </p:nvSpPr>
         <p:spPr>
           <a:xfrm>
-            <a:off x="-629841" y="4182533"/>
-            <a:ext cx="1771650" cy="3412067"/>
+            <a:off x="-1617321" y="7435392"/>
+            <a:ext cx="4549286" cy="6065714"/>
           </a:xfrm>
           <a:prstGeom prst="ellipse">
             <a:avLst/>
@@ -8709,8 +8709,8 @@
         </p:nvSpPr>
         <p:spPr>
           <a:xfrm>
-            <a:off x="5809233" y="0"/>
-            <a:ext cx="514350" cy="1588106"/>
+            <a:off x="14917089" y="0"/>
+            <a:ext cx="1320760" cy="2823215"/>
           </a:xfrm>
           <a:prstGeom prst="rect">
             <a:avLst/>
@@ -8749,8 +8749,8 @@
         </p:nvSpPr>
         <p:spPr>
           <a:xfrm>
-            <a:off x="363533" y="653926"/>
-            <a:ext cx="5291535" cy="2022988"/>
+            <a:off x="933488" y="1162500"/>
+            <a:ext cx="13587731" cy="3596315"/>
           </a:xfrm>
           <a:prstGeom prst="rect">
             <a:avLst/>
@@ -8782,8 +8782,8 @@
         </p:nvSpPr>
         <p:spPr>
           <a:xfrm>
-            <a:off x="620775" y="2965337"/>
-            <a:ext cx="5033741" cy="6060139"/>
+            <a:off x="1594041" y="5271552"/>
+            <a:ext cx="12925760" cy="10773257"/>
           </a:xfrm>
           <a:prstGeom prst="rect">
             <a:avLst/>
@@ -8798,35 +8798,35 @@
             <a:pPr lvl="0"/>
             <a:r>
               <a:rPr lang="zh-CN" altLang="en-US"/>
-              <a:t>编辑母版文本样式</a:t>
+              <a:t>单击此处编辑母版文本样式</a:t>
             </a:r>
           </a:p>
           <a:p>
             <a:pPr lvl="1"/>
             <a:r>
               <a:rPr lang="zh-CN" altLang="en-US"/>
-              <a:t>第二级</a:t>
+              <a:t>二级</a:t>
             </a:r>
           </a:p>
           <a:p>
             <a:pPr lvl="2"/>
             <a:r>
               <a:rPr lang="zh-CN" altLang="en-US"/>
-              <a:t>第三级</a:t>
+              <a:t>三级</a:t>
             </a:r>
           </a:p>
           <a:p>
             <a:pPr lvl="3"/>
             <a:r>
               <a:rPr lang="zh-CN" altLang="en-US"/>
-              <a:t>第四级</a:t>
+              <a:t>四级</a:t>
             </a:r>
           </a:p>
           <a:p>
             <a:pPr lvl="4"/>
             <a:r>
               <a:rPr lang="zh-CN" altLang="en-US"/>
-              <a:t>第五级</a:t>
+              <a:t>五级</a:t>
             </a:r>
             <a:endParaRPr lang="en-US" dirty="0"/>
           </a:p>
@@ -8844,8 +8844,8 @@
         </p:nvSpPr>
         <p:spPr>
           <a:xfrm rot="5400000">
-            <a:off x="5277284" y="2720954"/>
-            <a:ext cx="1430865" cy="171494"/>
+            <a:off x="14116401" y="4769358"/>
+            <a:ext cx="2543684" cy="440367"/>
           </a:xfrm>
           <a:prstGeom prst="rect">
             <a:avLst/>
@@ -8855,7 +8855,7 @@
           <a:bodyPr vert="horz" lIns="91440" tIns="45720" rIns="91440" bIns="45720" rtlCol="0" anchor="t"/>
           <a:lstStyle>
             <a:lvl1pPr algn="l">
-              <a:defRPr sz="825" b="0" i="0">
+              <a:defRPr sz="2118" b="0" i="0">
                 <a:solidFill>
                   <a:schemeClr val="tx1">
                     <a:tint val="75000"/>
@@ -8868,7 +8868,7 @@
           <a:p>
             <a:fld id="{5D4DFE8B-C0A0-4175-8DFB-4F7650DFF34A}" type="datetimeFigureOut">
               <a:rPr lang="zh-CN" altLang="en-US" smtClean="0"/>
-              <a:t>2019-03-14</a:t>
+              <a:t>2019-03-22</a:t>
             </a:fld>
             <a:endParaRPr lang="zh-CN" altLang="en-US"/>
           </a:p>
@@ -8886,8 +8886,8 @@
         </p:nvSpPr>
         <p:spPr>
           <a:xfrm rot="5400000">
-            <a:off x="3334795" y="4793154"/>
-            <a:ext cx="5575259" cy="171495"/>
+            <a:off x="10765673" y="8453158"/>
+            <a:ext cx="9911275" cy="440369"/>
           </a:xfrm>
           <a:prstGeom prst="rect">
             <a:avLst/>
@@ -8897,7 +8897,7 @@
           <a:bodyPr vert="horz" lIns="91440" tIns="45720" rIns="91440" bIns="45720" rtlCol="0" anchor="b"/>
           <a:lstStyle>
             <a:lvl1pPr algn="l">
-              <a:defRPr sz="825" b="0" i="0">
+              <a:defRPr sz="2118" b="0" i="0">
                 <a:solidFill>
                   <a:schemeClr val="tx1">
                     <a:tint val="75000"/>
@@ -8924,8 +8924,8 @@
         </p:nvSpPr>
         <p:spPr>
           <a:xfrm>
-            <a:off x="5824824" y="427175"/>
-            <a:ext cx="471610" cy="1108881"/>
+            <a:off x="14957123" y="759399"/>
+            <a:ext cx="1211011" cy="1971285"/>
           </a:xfrm>
           <a:prstGeom prst="rect">
             <a:avLst/>
@@ -8935,7 +8935,7 @@
           <a:bodyPr vert="horz" lIns="91440" tIns="45720" rIns="91440" bIns="45720" rtlCol="0" anchor="b"/>
           <a:lstStyle>
             <a:lvl1pPr algn="ctr">
-              <a:defRPr sz="2101" b="0" i="0">
+              <a:defRPr sz="5394" b="0" i="0">
                 <a:solidFill>
                   <a:schemeClr val="tx1">
                     <a:tint val="75000"/>
@@ -8956,38 +8956,38 @@
     </p:spTree>
     <p:extLst>
       <p:ext uri="{BB962C8B-B14F-4D97-AF65-F5344CB8AC3E}">
-        <p14:creationId xmlns:p14="http://schemas.microsoft.com/office/powerpoint/2010/main" val="1131358323"/>
+        <p14:creationId xmlns:p14="http://schemas.microsoft.com/office/powerpoint/2010/main" val="936585354"/>
       </p:ext>
     </p:extLst>
   </p:cSld>
   <p:clrMap bg1="dk1" tx1="lt1" bg2="dk2" tx2="lt2" accent1="accent1" accent2="accent2" accent3="accent3" accent4="accent4" accent5="accent5" accent6="accent6" hlink="hlink" folHlink="folHlink"/>
   <p:sldLayoutIdLst>
-    <p:sldLayoutId id="2147484171" r:id="rId1"/>
-    <p:sldLayoutId id="2147484172" r:id="rId2"/>
-    <p:sldLayoutId id="2147484173" r:id="rId3"/>
-    <p:sldLayoutId id="2147484174" r:id="rId4"/>
-    <p:sldLayoutId id="2147484175" r:id="rId5"/>
-    <p:sldLayoutId id="2147484176" r:id="rId6"/>
-    <p:sldLayoutId id="2147484177" r:id="rId7"/>
-    <p:sldLayoutId id="2147484178" r:id="rId8"/>
-    <p:sldLayoutId id="2147484179" r:id="rId9"/>
-    <p:sldLayoutId id="2147484180" r:id="rId10"/>
-    <p:sldLayoutId id="2147484181" r:id="rId11"/>
-    <p:sldLayoutId id="2147484182" r:id="rId12"/>
-    <p:sldLayoutId id="2147484183" r:id="rId13"/>
-    <p:sldLayoutId id="2147484184" r:id="rId14"/>
-    <p:sldLayoutId id="2147484185" r:id="rId15"/>
-    <p:sldLayoutId id="2147484186" r:id="rId16"/>
-    <p:sldLayoutId id="2147484187" r:id="rId17"/>
+    <p:sldLayoutId id="2147484225" r:id="rId1"/>
+    <p:sldLayoutId id="2147484226" r:id="rId2"/>
+    <p:sldLayoutId id="2147484227" r:id="rId3"/>
+    <p:sldLayoutId id="2147484228" r:id="rId4"/>
+    <p:sldLayoutId id="2147484229" r:id="rId5"/>
+    <p:sldLayoutId id="2147484230" r:id="rId6"/>
+    <p:sldLayoutId id="2147484231" r:id="rId7"/>
+    <p:sldLayoutId id="2147484232" r:id="rId8"/>
+    <p:sldLayoutId id="2147484233" r:id="rId9"/>
+    <p:sldLayoutId id="2147484234" r:id="rId10"/>
+    <p:sldLayoutId id="2147484235" r:id="rId11"/>
+    <p:sldLayoutId id="2147484236" r:id="rId12"/>
+    <p:sldLayoutId id="2147484237" r:id="rId13"/>
+    <p:sldLayoutId id="2147484238" r:id="rId14"/>
+    <p:sldLayoutId id="2147484239" r:id="rId15"/>
+    <p:sldLayoutId id="2147484240" r:id="rId16"/>
+    <p:sldLayoutId id="2147484241" r:id="rId17"/>
   </p:sldLayoutIdLst>
   <p:txStyles>
     <p:titleStyle>
-      <a:lvl1pPr algn="l" defTabSz="342900" rtl="0" eaLnBrk="1" latinLnBrk="0" hangingPunct="1">
+      <a:lvl1pPr algn="l" defTabSz="880521" rtl="0" eaLnBrk="1" latinLnBrk="0" hangingPunct="1">
         <a:spcBef>
           <a:spcPct val="0"/>
         </a:spcBef>
         <a:buNone/>
-        <a:defRPr sz="3150" b="0" i="0" kern="1200">
+        <a:defRPr sz="8089" b="0" i="0" kern="1200">
           <a:solidFill>
             <a:schemeClr val="tx2"/>
           </a:solidFill>
@@ -9054,9 +9054,9 @@
       </a:lvl9pPr>
     </p:titleStyle>
     <p:bodyStyle>
-      <a:lvl1pPr marL="257175" indent="-257175" algn="l" defTabSz="342900" rtl="0" eaLnBrk="1" latinLnBrk="0" hangingPunct="1">
+      <a:lvl1pPr marL="660391" indent="-660391" algn="l" defTabSz="880521" rtl="0" eaLnBrk="1" latinLnBrk="0" hangingPunct="1">
         <a:spcBef>
-          <a:spcPts val="750"/>
+          <a:spcPts val="1926"/>
         </a:spcBef>
         <a:spcAft>
           <a:spcPts val="0"/>
@@ -9067,7 +9067,7 @@
         <a:buSzPct val="80000"/>
         <a:buFont typeface="Wingdings 3" charset="2"/>
         <a:buChar char=""/>
-        <a:defRPr sz="1500" b="0" i="0" kern="1200">
+        <a:defRPr sz="3852" b="0" i="0" kern="1200">
           <a:solidFill>
             <a:schemeClr val="tx1"/>
           </a:solidFill>
@@ -9076,9 +9076,9 @@
           <a:cs typeface="+mj-cs"/>
         </a:defRPr>
       </a:lvl1pPr>
-      <a:lvl2pPr marL="557213" indent="-214313" algn="l" defTabSz="342900" rtl="0" eaLnBrk="1" latinLnBrk="0" hangingPunct="1">
+      <a:lvl2pPr marL="1430847" indent="-550326" algn="l" defTabSz="880521" rtl="0" eaLnBrk="1" latinLnBrk="0" hangingPunct="1">
         <a:spcBef>
-          <a:spcPts val="750"/>
+          <a:spcPts val="1926"/>
         </a:spcBef>
         <a:spcAft>
           <a:spcPts val="0"/>
@@ -9089,7 +9089,7 @@
         <a:buSzPct val="80000"/>
         <a:buFont typeface="Wingdings 3" charset="2"/>
         <a:buChar char=""/>
-        <a:defRPr sz="1350" b="0" i="0" kern="1200">
+        <a:defRPr sz="3467" b="0" i="0" kern="1200">
           <a:solidFill>
             <a:schemeClr val="tx1"/>
           </a:solidFill>
@@ -9098,9 +9098,9 @@
           <a:cs typeface="+mj-cs"/>
         </a:defRPr>
       </a:lvl2pPr>
-      <a:lvl3pPr marL="857250" indent="-171450" algn="l" defTabSz="342900" rtl="0" eaLnBrk="1" latinLnBrk="0" hangingPunct="1">
+      <a:lvl3pPr marL="2201304" indent="-440261" algn="l" defTabSz="880521" rtl="0" eaLnBrk="1" latinLnBrk="0" hangingPunct="1">
         <a:spcBef>
-          <a:spcPts val="750"/>
+          <a:spcPts val="1926"/>
         </a:spcBef>
         <a:spcAft>
           <a:spcPts val="0"/>
@@ -9111,7 +9111,7 @@
         <a:buSzPct val="80000"/>
         <a:buFont typeface="Wingdings 3" charset="2"/>
         <a:buChar char=""/>
-        <a:defRPr sz="1200" b="0" i="0" kern="1200">
+        <a:defRPr sz="3081" b="0" i="0" kern="1200">
           <a:solidFill>
             <a:schemeClr val="tx1"/>
           </a:solidFill>
@@ -9120,9 +9120,9 @@
           <a:cs typeface="+mj-cs"/>
         </a:defRPr>
       </a:lvl3pPr>
-      <a:lvl4pPr marL="1200150" indent="-171450" algn="l" defTabSz="342900" rtl="0" eaLnBrk="1" latinLnBrk="0" hangingPunct="1">
+      <a:lvl4pPr marL="3081825" indent="-440261" algn="l" defTabSz="880521" rtl="0" eaLnBrk="1" latinLnBrk="0" hangingPunct="1">
         <a:spcBef>
-          <a:spcPts val="750"/>
+          <a:spcPts val="1926"/>
         </a:spcBef>
         <a:spcAft>
           <a:spcPts val="0"/>
@@ -9133,7 +9133,7 @@
         <a:buSzPct val="80000"/>
         <a:buFont typeface="Wingdings 3" charset="2"/>
         <a:buChar char=""/>
-        <a:defRPr sz="1050" b="0" i="0" kern="1200">
+        <a:defRPr sz="2696" b="0" i="0" kern="1200">
           <a:solidFill>
             <a:schemeClr val="tx1"/>
           </a:solidFill>
@@ -9142,9 +9142,9 @@
           <a:cs typeface="+mj-cs"/>
         </a:defRPr>
       </a:lvl4pPr>
-      <a:lvl5pPr marL="1543050" indent="-171450" algn="l" defTabSz="342900" rtl="0" eaLnBrk="1" latinLnBrk="0" hangingPunct="1">
+      <a:lvl5pPr marL="3962347" indent="-440261" algn="l" defTabSz="880521" rtl="0" eaLnBrk="1" latinLnBrk="0" hangingPunct="1">
         <a:spcBef>
-          <a:spcPts val="750"/>
+          <a:spcPts val="1926"/>
         </a:spcBef>
         <a:spcAft>
           <a:spcPts val="0"/>
@@ -9155,7 +9155,7 @@
         <a:buSzPct val="80000"/>
         <a:buFont typeface="Wingdings 3" charset="2"/>
         <a:buChar char=""/>
-        <a:defRPr sz="1050" b="0" i="0" kern="1200">
+        <a:defRPr sz="2696" b="0" i="0" kern="1200">
           <a:solidFill>
             <a:schemeClr val="tx1"/>
           </a:solidFill>
@@ -9164,9 +9164,9 @@
           <a:cs typeface="+mj-cs"/>
         </a:defRPr>
       </a:lvl5pPr>
-      <a:lvl6pPr marL="1885950" indent="-171450" algn="l" defTabSz="342900" rtl="0" eaLnBrk="1" latinLnBrk="0" hangingPunct="1">
+      <a:lvl6pPr marL="4842868" indent="-440261" algn="l" defTabSz="880521" rtl="0" eaLnBrk="1" latinLnBrk="0" hangingPunct="1">
         <a:spcBef>
-          <a:spcPts val="750"/>
+          <a:spcPts val="1926"/>
         </a:spcBef>
         <a:spcAft>
           <a:spcPts val="0"/>
@@ -9177,7 +9177,7 @@
         <a:buSzPct val="80000"/>
         <a:buFont typeface="Wingdings 3" charset="2"/>
         <a:buChar char=""/>
-        <a:defRPr sz="1050" b="0" i="0" kern="1200">
+        <a:defRPr sz="2696" b="0" i="0" kern="1200">
           <a:solidFill>
             <a:schemeClr val="tx1"/>
           </a:solidFill>
@@ -9186,9 +9186,9 @@
           <a:cs typeface="+mj-cs"/>
         </a:defRPr>
       </a:lvl6pPr>
-      <a:lvl7pPr marL="2228850" indent="-171450" algn="l" defTabSz="342900" rtl="0" eaLnBrk="1" latinLnBrk="0" hangingPunct="1">
+      <a:lvl7pPr marL="5723390" indent="-440261" algn="l" defTabSz="880521" rtl="0" eaLnBrk="1" latinLnBrk="0" hangingPunct="1">
         <a:spcBef>
-          <a:spcPts val="750"/>
+          <a:spcPts val="1926"/>
         </a:spcBef>
         <a:spcAft>
           <a:spcPts val="0"/>
@@ -9199,7 +9199,7 @@
         <a:buSzPct val="80000"/>
         <a:buFont typeface="Wingdings 3" charset="2"/>
         <a:buChar char=""/>
-        <a:defRPr sz="1050" b="0" i="0" kern="1200">
+        <a:defRPr sz="2696" b="0" i="0" kern="1200">
           <a:solidFill>
             <a:schemeClr val="tx1"/>
           </a:solidFill>
@@ -9208,9 +9208,9 @@
           <a:cs typeface="+mj-cs"/>
         </a:defRPr>
       </a:lvl7pPr>
-      <a:lvl8pPr marL="2571750" indent="-171450" algn="l" defTabSz="342900" rtl="0" eaLnBrk="1" latinLnBrk="0" hangingPunct="1">
+      <a:lvl8pPr marL="6603911" indent="-440261" algn="l" defTabSz="880521" rtl="0" eaLnBrk="1" latinLnBrk="0" hangingPunct="1">
         <a:spcBef>
-          <a:spcPts val="750"/>
+          <a:spcPts val="1926"/>
         </a:spcBef>
         <a:spcAft>
           <a:spcPts val="0"/>
@@ -9221,7 +9221,7 @@
         <a:buSzPct val="80000"/>
         <a:buFont typeface="Wingdings 3" charset="2"/>
         <a:buChar char=""/>
-        <a:defRPr sz="1050" b="0" i="0" kern="1200">
+        <a:defRPr sz="2696" b="0" i="0" kern="1200">
           <a:solidFill>
             <a:schemeClr val="tx1"/>
           </a:solidFill>
@@ -9230,9 +9230,9 @@
           <a:cs typeface="+mj-cs"/>
         </a:defRPr>
       </a:lvl8pPr>
-      <a:lvl9pPr marL="2914650" indent="-171450" algn="l" defTabSz="342900" rtl="0" eaLnBrk="1" latinLnBrk="0" hangingPunct="1">
+      <a:lvl9pPr marL="7484433" indent="-440261" algn="l" defTabSz="880521" rtl="0" eaLnBrk="1" latinLnBrk="0" hangingPunct="1">
         <a:spcBef>
-          <a:spcPts val="750"/>
+          <a:spcPts val="1926"/>
         </a:spcBef>
         <a:spcAft>
           <a:spcPts val="0"/>
@@ -9243,7 +9243,7 @@
         <a:buSzPct val="80000"/>
         <a:buFont typeface="Wingdings 3" charset="2"/>
         <a:buChar char=""/>
-        <a:defRPr sz="1050" b="0" i="0" kern="1200">
+        <a:defRPr sz="2696" b="0" i="0" kern="1200">
           <a:solidFill>
             <a:schemeClr val="tx1"/>
           </a:solidFill>
@@ -9257,8 +9257,8 @@
       <a:defPPr>
         <a:defRPr lang="en-US"/>
       </a:defPPr>
-      <a:lvl1pPr marL="0" algn="l" defTabSz="342900" rtl="0" eaLnBrk="1" latinLnBrk="0" hangingPunct="1">
-        <a:defRPr sz="1350" kern="1200">
+      <a:lvl1pPr marL="0" algn="l" defTabSz="880521" rtl="0" eaLnBrk="1" latinLnBrk="0" hangingPunct="1">
+        <a:defRPr sz="3467" kern="1200">
           <a:solidFill>
             <a:schemeClr val="tx1"/>
           </a:solidFill>
@@ -9267,8 +9267,8 @@
           <a:cs typeface="+mn-cs"/>
         </a:defRPr>
       </a:lvl1pPr>
-      <a:lvl2pPr marL="342900" algn="l" defTabSz="342900" rtl="0" eaLnBrk="1" latinLnBrk="0" hangingPunct="1">
-        <a:defRPr sz="1350" kern="1200">
+      <a:lvl2pPr marL="880521" algn="l" defTabSz="880521" rtl="0" eaLnBrk="1" latinLnBrk="0" hangingPunct="1">
+        <a:defRPr sz="3467" kern="1200">
           <a:solidFill>
             <a:schemeClr val="tx1"/>
           </a:solidFill>
@@ -9277,8 +9277,8 @@
           <a:cs typeface="+mn-cs"/>
         </a:defRPr>
       </a:lvl2pPr>
-      <a:lvl3pPr marL="685800" algn="l" defTabSz="342900" rtl="0" eaLnBrk="1" latinLnBrk="0" hangingPunct="1">
-        <a:defRPr sz="1350" kern="1200">
+      <a:lvl3pPr marL="1761043" algn="l" defTabSz="880521" rtl="0" eaLnBrk="1" latinLnBrk="0" hangingPunct="1">
+        <a:defRPr sz="3467" kern="1200">
           <a:solidFill>
             <a:schemeClr val="tx1"/>
           </a:solidFill>
@@ -9287,8 +9287,8 @@
           <a:cs typeface="+mn-cs"/>
         </a:defRPr>
       </a:lvl3pPr>
-      <a:lvl4pPr marL="1028700" algn="l" defTabSz="342900" rtl="0" eaLnBrk="1" latinLnBrk="0" hangingPunct="1">
-        <a:defRPr sz="1350" kern="1200">
+      <a:lvl4pPr marL="2641564" algn="l" defTabSz="880521" rtl="0" eaLnBrk="1" latinLnBrk="0" hangingPunct="1">
+        <a:defRPr sz="3467" kern="1200">
           <a:solidFill>
             <a:schemeClr val="tx1"/>
           </a:solidFill>
@@ -9297,8 +9297,8 @@
           <a:cs typeface="+mn-cs"/>
         </a:defRPr>
       </a:lvl4pPr>
-      <a:lvl5pPr marL="1371600" algn="l" defTabSz="342900" rtl="0" eaLnBrk="1" latinLnBrk="0" hangingPunct="1">
-        <a:defRPr sz="1350" kern="1200">
+      <a:lvl5pPr marL="3522086" algn="l" defTabSz="880521" rtl="0" eaLnBrk="1" latinLnBrk="0" hangingPunct="1">
+        <a:defRPr sz="3467" kern="1200">
           <a:solidFill>
             <a:schemeClr val="tx1"/>
           </a:solidFill>
@@ -9307,8 +9307,8 @@
           <a:cs typeface="+mn-cs"/>
         </a:defRPr>
       </a:lvl5pPr>
-      <a:lvl6pPr marL="1714500" algn="l" defTabSz="342900" rtl="0" eaLnBrk="1" latinLnBrk="0" hangingPunct="1">
-        <a:defRPr sz="1350" kern="1200">
+      <a:lvl6pPr marL="4402607" algn="l" defTabSz="880521" rtl="0" eaLnBrk="1" latinLnBrk="0" hangingPunct="1">
+        <a:defRPr sz="3467" kern="1200">
           <a:solidFill>
             <a:schemeClr val="tx1"/>
           </a:solidFill>
@@ -9317,8 +9317,8 @@
           <a:cs typeface="+mn-cs"/>
         </a:defRPr>
       </a:lvl6pPr>
-      <a:lvl7pPr marL="2057400" algn="l" defTabSz="342900" rtl="0" eaLnBrk="1" latinLnBrk="0" hangingPunct="1">
-        <a:defRPr sz="1350" kern="1200">
+      <a:lvl7pPr marL="5283129" algn="l" defTabSz="880521" rtl="0" eaLnBrk="1" latinLnBrk="0" hangingPunct="1">
+        <a:defRPr sz="3467" kern="1200">
           <a:solidFill>
             <a:schemeClr val="tx1"/>
           </a:solidFill>
@@ -9327,8 +9327,8 @@
           <a:cs typeface="+mn-cs"/>
         </a:defRPr>
       </a:lvl7pPr>
-      <a:lvl8pPr marL="2400300" algn="l" defTabSz="342900" rtl="0" eaLnBrk="1" latinLnBrk="0" hangingPunct="1">
-        <a:defRPr sz="1350" kern="1200">
+      <a:lvl8pPr marL="6163650" algn="l" defTabSz="880521" rtl="0" eaLnBrk="1" latinLnBrk="0" hangingPunct="1">
+        <a:defRPr sz="3467" kern="1200">
           <a:solidFill>
             <a:schemeClr val="tx1"/>
           </a:solidFill>
@@ -9337,8 +9337,8 @@
           <a:cs typeface="+mn-cs"/>
         </a:defRPr>
       </a:lvl8pPr>
-      <a:lvl9pPr marL="2743200" algn="l" defTabSz="342900" rtl="0" eaLnBrk="1" latinLnBrk="0" hangingPunct="1">
-        <a:defRPr sz="1350" kern="1200">
+      <a:lvl9pPr marL="7044172" algn="l" defTabSz="880521" rtl="0" eaLnBrk="1" latinLnBrk="0" hangingPunct="1">
+        <a:defRPr sz="3467" kern="1200">
           <a:solidFill>
             <a:schemeClr val="tx1"/>
           </a:solidFill>
@@ -9396,8 +9396,8 @@
         </p:nvSpPr>
         <p:spPr>
           <a:xfrm>
-            <a:off x="5837535" y="225469"/>
-            <a:ext cx="461665" cy="1204560"/>
+            <a:off x="15274042" y="223026"/>
+            <a:ext cx="646331" cy="2497872"/>
           </a:xfrm>
           <a:prstGeom prst="rect">
             <a:avLst/>
@@ -9410,8 +9410,9 @@
           </a:bodyPr>
           <a:lstStyle/>
           <a:p>
-            <a:r>
-              <a:rPr lang="zh-CN" altLang="en-US" dirty="0">
+            <a:pPr algn="ctr"/>
+            <a:r>
+              <a:rPr lang="zh-CN" altLang="en-US" sz="3000" dirty="0">
                 <a:latin typeface="时尚中黑简体" panose="01010104010101010101" pitchFamily="2" charset="-122"/>
                 <a:ea typeface="时尚中黑简体" panose="01010104010101010101" pitchFamily="2" charset="-122"/>
               </a:rPr>
@@ -9434,8 +9435,8 @@
         </p:nvSpPr>
         <p:spPr>
           <a:xfrm>
-            <a:off x="2951946" y="2519297"/>
-            <a:ext cx="954107" cy="4867406"/>
+            <a:off x="1537852" y="7173853"/>
+            <a:ext cx="14534434" cy="1631216"/>
           </a:xfrm>
           <a:prstGeom prst="rect">
             <a:avLst/>
@@ -9443,21 +9444,21 @@
           <a:noFill/>
         </p:spPr>
         <p:txBody>
-          <a:bodyPr vert="eaVert" wrap="square" rtlCol="0">
+          <a:bodyPr vert="horz" wrap="square" rtlCol="0">
             <a:spAutoFit/>
           </a:bodyPr>
           <a:lstStyle/>
           <a:p>
             <a:pPr algn="ctr"/>
             <a:r>
-              <a:rPr lang="zh-CN" altLang="en-US" sz="5000" dirty="0">
+              <a:rPr lang="zh-CN" altLang="en-US" sz="10000" dirty="0">
                 <a:solidFill>
                   <a:schemeClr val="bg1"/>
                 </a:solidFill>
                 <a:latin typeface="微软雅黑" panose="020B0503020204020204" pitchFamily="34" charset="-122"/>
                 <a:ea typeface="微软雅黑" panose="020B0503020204020204" pitchFamily="34" charset="-122"/>
               </a:rPr>
-              <a:t>物联网解决方案</a:t>
+              <a:t>物联网（电商）解决方案</a:t>
             </a:r>
           </a:p>
         </p:txBody>
@@ -9502,83 +9503,6 @@
       </p:grpSpPr>
       <p:sp>
         <p:nvSpPr>
-          <p:cNvPr id="2" name="标题 1">
-            <a:extLst>
-              <a:ext uri="{FF2B5EF4-FFF2-40B4-BE49-F238E27FC236}">
-                <a16:creationId xmlns:a16="http://schemas.microsoft.com/office/drawing/2014/main" id="{2668E70E-3547-4551-8513-5737E28B67CA}"/>
-              </a:ext>
-            </a:extLst>
-          </p:cNvPr>
-          <p:cNvSpPr>
-            <a:spLocks noGrp="1"/>
-          </p:cNvSpPr>
-          <p:nvPr>
-            <p:ph type="title"/>
-          </p:nvPr>
-        </p:nvSpPr>
-        <p:spPr>
-          <a:xfrm>
-            <a:off x="363534" y="653926"/>
-            <a:ext cx="1916204" cy="648781"/>
-          </a:xfrm>
-        </p:spPr>
-        <p:txBody>
-          <a:bodyPr/>
-          <a:lstStyle/>
-          <a:p>
-            <a:r>
-              <a:rPr lang="zh-CN" altLang="en-US" sz="3000" dirty="0">
-                <a:solidFill>
-                  <a:schemeClr val="accent1"/>
-                </a:solidFill>
-                <a:latin typeface="微软雅黑" panose="020B0503020204020204" pitchFamily="34" charset="-122"/>
-                <a:ea typeface="微软雅黑" panose="020B0503020204020204" pitchFamily="34" charset="-122"/>
-              </a:rPr>
-              <a:t>系统架构</a:t>
-            </a:r>
-          </a:p>
-        </p:txBody>
-      </p:sp>
-      <p:sp>
-        <p:nvSpPr>
-          <p:cNvPr id="4" name="文本框 3">
-            <a:extLst>
-              <a:ext uri="{FF2B5EF4-FFF2-40B4-BE49-F238E27FC236}">
-                <a16:creationId xmlns:a16="http://schemas.microsoft.com/office/drawing/2014/main" id="{3370CF2C-641E-46D6-B7DA-DA8B7F28BF45}"/>
-              </a:ext>
-            </a:extLst>
-          </p:cNvPr>
-          <p:cNvSpPr txBox="1"/>
-          <p:nvPr/>
-        </p:nvSpPr>
-        <p:spPr>
-          <a:xfrm>
-            <a:off x="5837535" y="225469"/>
-            <a:ext cx="461665" cy="1204560"/>
-          </a:xfrm>
-          <a:prstGeom prst="rect">
-            <a:avLst/>
-          </a:prstGeom>
-          <a:noFill/>
-        </p:spPr>
-        <p:txBody>
-          <a:bodyPr vert="eaVert" wrap="square" rtlCol="0">
-            <a:spAutoFit/>
-          </a:bodyPr>
-          <a:lstStyle/>
-          <a:p>
-            <a:r>
-              <a:rPr lang="zh-CN" altLang="en-US" dirty="0">
-                <a:latin typeface="时尚中黑简体" panose="01010104010101010101" pitchFamily="2" charset="-122"/>
-                <a:ea typeface="时尚中黑简体" panose="01010104010101010101" pitchFamily="2" charset="-122"/>
-              </a:rPr>
-              <a:t>重庆耀古</a:t>
-            </a:r>
-          </a:p>
-        </p:txBody>
-      </p:sp>
-      <p:sp>
-        <p:nvSpPr>
           <p:cNvPr id="3" name="矩形 2">
             <a:extLst>
               <a:ext uri="{FF2B5EF4-FFF2-40B4-BE49-F238E27FC236}">
@@ -9591,8 +9515,8 @@
         </p:nvSpPr>
         <p:spPr>
           <a:xfrm>
-            <a:off x="513568" y="4776108"/>
-            <a:ext cx="3181609" cy="622611"/>
+            <a:off x="4803392" y="9731514"/>
+            <a:ext cx="2803423" cy="622611"/>
           </a:xfrm>
           <a:prstGeom prst="rect">
             <a:avLst/>
@@ -9633,7 +9557,7 @@
                 <a:latin typeface="微软雅黑" panose="020B0503020204020204" pitchFamily="34" charset="-122"/>
                 <a:ea typeface="微软雅黑" panose="020B0503020204020204" pitchFamily="34" charset="-122"/>
               </a:rPr>
-              <a:t>数据接收模块</a:t>
+              <a:t>数据接收</a:t>
             </a:r>
           </a:p>
         </p:txBody>
@@ -9652,8 +9576,8 @@
         </p:nvSpPr>
         <p:spPr>
           <a:xfrm>
-            <a:off x="513567" y="2053187"/>
-            <a:ext cx="5785633" cy="978112"/>
+            <a:off x="4803391" y="6275448"/>
+            <a:ext cx="5880267" cy="1711255"/>
           </a:xfrm>
           <a:prstGeom prst="rect">
             <a:avLst/>
@@ -9713,8 +9637,8 @@
         </p:nvSpPr>
         <p:spPr>
           <a:xfrm>
-            <a:off x="1708893" y="2235355"/>
-            <a:ext cx="4359474" cy="613775"/>
+            <a:off x="5727911" y="6441596"/>
+            <a:ext cx="1585454" cy="613775"/>
           </a:xfrm>
           <a:prstGeom prst="rect">
             <a:avLst/>
@@ -9744,7 +9668,7 @@
                 <a:latin typeface="微软雅黑" panose="020B0503020204020204" pitchFamily="34" charset="-122"/>
                 <a:ea typeface="微软雅黑" panose="020B0503020204020204" pitchFamily="34" charset="-122"/>
               </a:rPr>
-              <a:t>数据采集与传输模块</a:t>
+              <a:t>数据采集</a:t>
             </a:r>
           </a:p>
         </p:txBody>
@@ -9763,8 +9687,8 @@
         </p:nvSpPr>
         <p:spPr>
           <a:xfrm>
-            <a:off x="513567" y="3151522"/>
-            <a:ext cx="3181609" cy="1529089"/>
+            <a:off x="4803391" y="8106928"/>
+            <a:ext cx="3181609" cy="1539007"/>
           </a:xfrm>
           <a:prstGeom prst="downArrow">
             <a:avLst/>
@@ -9827,14 +9751,14 @@
         </p:nvSpPr>
         <p:spPr>
           <a:xfrm>
-            <a:off x="513568" y="5982559"/>
-            <a:ext cx="3181610" cy="622612"/>
+            <a:off x="4803390" y="10937962"/>
+            <a:ext cx="2803423" cy="622612"/>
           </a:xfrm>
           <a:prstGeom prst="rect">
             <a:avLst/>
           </a:prstGeom>
           <a:solidFill>
-            <a:schemeClr val="accent4"/>
+            <a:schemeClr val="accent3"/>
           </a:solidFill>
           <a:ln>
             <a:noFill/>
@@ -9864,7 +9788,7 @@
                 <a:latin typeface="微软雅黑" panose="020B0503020204020204" pitchFamily="34" charset="-122"/>
                 <a:ea typeface="微软雅黑" panose="020B0503020204020204" pitchFamily="34" charset="-122"/>
               </a:rPr>
-              <a:t>数据过滤与预处理模块</a:t>
+              <a:t>数据识别与处理</a:t>
             </a:r>
           </a:p>
         </p:txBody>
@@ -9883,7 +9807,7 @@
         </p:nvSpPr>
         <p:spPr>
           <a:xfrm>
-            <a:off x="513567" y="8626312"/>
+            <a:off x="4803388" y="13581718"/>
             <a:ext cx="3181610" cy="856989"/>
           </a:xfrm>
           <a:prstGeom prst="flowChartMagneticDisk">
@@ -9944,8 +9868,8 @@
         </p:nvSpPr>
         <p:spPr>
           <a:xfrm>
-            <a:off x="513566" y="7230201"/>
-            <a:ext cx="3181611" cy="622612"/>
+            <a:off x="4803390" y="12185604"/>
+            <a:ext cx="2803423" cy="622612"/>
           </a:xfrm>
           <a:prstGeom prst="rect">
             <a:avLst/>
@@ -9986,7 +9910,7 @@
                 <a:latin typeface="微软雅黑" panose="020B0503020204020204" pitchFamily="34" charset="-122"/>
                 <a:ea typeface="微软雅黑" panose="020B0503020204020204" pitchFamily="34" charset="-122"/>
               </a:rPr>
-              <a:t>数据入库模块</a:t>
+              <a:t>数据入库</a:t>
             </a:r>
           </a:p>
         </p:txBody>
@@ -10005,7 +9929,7 @@
         </p:nvSpPr>
         <p:spPr>
           <a:xfrm>
-            <a:off x="1803746" y="5484298"/>
+            <a:off x="6093567" y="10439704"/>
             <a:ext cx="601250" cy="471107"/>
           </a:xfrm>
           <a:prstGeom prst="downArrow">
@@ -10066,7 +9990,7 @@
         </p:nvSpPr>
         <p:spPr>
           <a:xfrm>
-            <a:off x="1809100" y="6700667"/>
+            <a:off x="6098921" y="11656073"/>
             <a:ext cx="601250" cy="471107"/>
           </a:xfrm>
           <a:prstGeom prst="downArrow">
@@ -10127,7 +10051,7 @@
         </p:nvSpPr>
         <p:spPr>
           <a:xfrm>
-            <a:off x="1803746" y="8033888"/>
+            <a:off x="6093567" y="12989294"/>
             <a:ext cx="601250" cy="471107"/>
           </a:xfrm>
           <a:prstGeom prst="downArrow">
@@ -10188,7 +10112,7 @@
         </p:nvSpPr>
         <p:spPr>
           <a:xfrm>
-            <a:off x="3913682" y="6424125"/>
+            <a:off x="8203503" y="11379528"/>
             <a:ext cx="2480154" cy="622612"/>
           </a:xfrm>
           <a:prstGeom prst="rect">
@@ -10249,7 +10173,7 @@
         </p:nvSpPr>
         <p:spPr>
           <a:xfrm>
-            <a:off x="3913682" y="4776107"/>
+            <a:off x="8203503" y="9731510"/>
             <a:ext cx="2480154" cy="622612"/>
           </a:xfrm>
           <a:prstGeom prst="rect">
@@ -10291,7 +10215,7 @@
                 <a:latin typeface="微软雅黑" panose="020B0503020204020204" pitchFamily="34" charset="-122"/>
                 <a:ea typeface="微软雅黑" panose="020B0503020204020204" pitchFamily="34" charset="-122"/>
               </a:rPr>
-              <a:t>设备监控与管理</a:t>
+              <a:t>设备控制与管理</a:t>
             </a:r>
           </a:p>
         </p:txBody>
@@ -10310,7 +10234,7 @@
         </p:nvSpPr>
         <p:spPr>
           <a:xfrm>
-            <a:off x="3913682" y="7230201"/>
+            <a:off x="8203503" y="12185604"/>
             <a:ext cx="2480154" cy="622612"/>
           </a:xfrm>
           <a:prstGeom prst="rect">
@@ -10371,7 +10295,7 @@
         </p:nvSpPr>
         <p:spPr>
           <a:xfrm>
-            <a:off x="3913682" y="5619344"/>
+            <a:off x="8203503" y="10574747"/>
             <a:ext cx="2480154" cy="622612"/>
           </a:xfrm>
           <a:prstGeom prst="rect">
@@ -10432,8 +10356,8 @@
         </p:nvSpPr>
         <p:spPr>
           <a:xfrm>
-            <a:off x="3913682" y="2982904"/>
-            <a:ext cx="2385518" cy="1744808"/>
+            <a:off x="8203503" y="8106928"/>
+            <a:ext cx="2385518" cy="851700"/>
           </a:xfrm>
           <a:prstGeom prst="upArrow">
             <a:avLst>
@@ -10499,7 +10423,7 @@
         </p:nvSpPr>
         <p:spPr>
           <a:xfrm>
-            <a:off x="3795387" y="7973036"/>
+            <a:off x="8085208" y="12928442"/>
             <a:ext cx="1728592" cy="1246119"/>
           </a:xfrm>
           <a:prstGeom prst="bentUpArrow">
@@ -10546,6 +10470,2390 @@
           </a:p>
         </p:txBody>
       </p:sp>
+      <p:sp>
+        <p:nvSpPr>
+          <p:cNvPr id="26" name="矩形 25">
+            <a:extLst>
+              <a:ext uri="{FF2B5EF4-FFF2-40B4-BE49-F238E27FC236}">
+                <a16:creationId xmlns:a16="http://schemas.microsoft.com/office/drawing/2014/main" id="{AED8D066-4EAF-4F57-86A8-1696B26C5F07}"/>
+              </a:ext>
+            </a:extLst>
+          </p:cNvPr>
+          <p:cNvSpPr/>
+          <p:nvPr/>
+        </p:nvSpPr>
+        <p:spPr>
+          <a:xfrm>
+            <a:off x="1380000" y="9042971"/>
+            <a:ext cx="2480154" cy="622611"/>
+          </a:xfrm>
+          <a:prstGeom prst="rect">
+            <a:avLst/>
+          </a:prstGeom>
+          <a:solidFill>
+            <a:schemeClr val="accent4"/>
+          </a:solidFill>
+          <a:ln>
+            <a:noFill/>
+          </a:ln>
+        </p:spPr>
+        <p:style>
+          <a:lnRef idx="0">
+            <a:scrgbClr r="0" g="0" b="0"/>
+          </a:lnRef>
+          <a:fillRef idx="0">
+            <a:scrgbClr r="0" g="0" b="0"/>
+          </a:fillRef>
+          <a:effectRef idx="0">
+            <a:scrgbClr r="0" g="0" b="0"/>
+          </a:effectRef>
+          <a:fontRef idx="minor">
+            <a:schemeClr val="lt1"/>
+          </a:fontRef>
+        </p:style>
+        <p:txBody>
+          <a:bodyPr rot="0" spcFirstLastPara="0" vertOverflow="overflow" horzOverflow="overflow" vert="horz" wrap="square" lIns="91440" tIns="45720" rIns="91440" bIns="45720" numCol="1" spcCol="0" rtlCol="0" fromWordArt="0" anchor="ctr" anchorCtr="0" forceAA="0" compatLnSpc="1">
+            <a:prstTxWarp prst="textNoShape">
+              <a:avLst/>
+            </a:prstTxWarp>
+            <a:noAutofit/>
+          </a:bodyPr>
+          <a:lstStyle/>
+          <a:p>
+            <a:pPr algn="ctr"/>
+            <a:r>
+              <a:rPr lang="zh-CN" altLang="en-US" sz="2200" dirty="0">
+                <a:latin typeface="微软雅黑" panose="020B0503020204020204" pitchFamily="34" charset="-122"/>
+                <a:ea typeface="微软雅黑" panose="020B0503020204020204" pitchFamily="34" charset="-122"/>
+              </a:rPr>
+              <a:t>故障数据</a:t>
+            </a:r>
+          </a:p>
+        </p:txBody>
+      </p:sp>
+      <p:sp>
+        <p:nvSpPr>
+          <p:cNvPr id="27" name="矩形 26">
+            <a:extLst>
+              <a:ext uri="{FF2B5EF4-FFF2-40B4-BE49-F238E27FC236}">
+                <a16:creationId xmlns:a16="http://schemas.microsoft.com/office/drawing/2014/main" id="{D69C0434-3CBF-4A4A-82BE-C5D18A99132F}"/>
+              </a:ext>
+            </a:extLst>
+          </p:cNvPr>
+          <p:cNvSpPr/>
+          <p:nvPr/>
+        </p:nvSpPr>
+        <p:spPr>
+          <a:xfrm>
+            <a:off x="1379999" y="9731512"/>
+            <a:ext cx="2480154" cy="622611"/>
+          </a:xfrm>
+          <a:prstGeom prst="rect">
+            <a:avLst/>
+          </a:prstGeom>
+          <a:solidFill>
+            <a:schemeClr val="accent4"/>
+          </a:solidFill>
+          <a:ln>
+            <a:noFill/>
+          </a:ln>
+        </p:spPr>
+        <p:style>
+          <a:lnRef idx="0">
+            <a:scrgbClr r="0" g="0" b="0"/>
+          </a:lnRef>
+          <a:fillRef idx="0">
+            <a:scrgbClr r="0" g="0" b="0"/>
+          </a:fillRef>
+          <a:effectRef idx="0">
+            <a:scrgbClr r="0" g="0" b="0"/>
+          </a:effectRef>
+          <a:fontRef idx="minor">
+            <a:schemeClr val="lt1"/>
+          </a:fontRef>
+        </p:style>
+        <p:txBody>
+          <a:bodyPr rot="0" spcFirstLastPara="0" vertOverflow="overflow" horzOverflow="overflow" vert="horz" wrap="square" lIns="91440" tIns="45720" rIns="91440" bIns="45720" numCol="1" spcCol="0" rtlCol="0" fromWordArt="0" anchor="ctr" anchorCtr="0" forceAA="0" compatLnSpc="1">
+            <a:prstTxWarp prst="textNoShape">
+              <a:avLst/>
+            </a:prstTxWarp>
+            <a:noAutofit/>
+          </a:bodyPr>
+          <a:lstStyle/>
+          <a:p>
+            <a:pPr algn="ctr"/>
+            <a:r>
+              <a:rPr lang="zh-CN" altLang="en-US" sz="2200" dirty="0">
+                <a:latin typeface="微软雅黑" panose="020B0503020204020204" pitchFamily="34" charset="-122"/>
+                <a:ea typeface="微软雅黑" panose="020B0503020204020204" pitchFamily="34" charset="-122"/>
+              </a:rPr>
+              <a:t>状态数据</a:t>
+            </a:r>
+          </a:p>
+        </p:txBody>
+      </p:sp>
+      <p:sp>
+        <p:nvSpPr>
+          <p:cNvPr id="28" name="矩形 27">
+            <a:extLst>
+              <a:ext uri="{FF2B5EF4-FFF2-40B4-BE49-F238E27FC236}">
+                <a16:creationId xmlns:a16="http://schemas.microsoft.com/office/drawing/2014/main" id="{58C90F8D-60A8-4799-98E6-224323EA5C2F}"/>
+              </a:ext>
+            </a:extLst>
+          </p:cNvPr>
+          <p:cNvSpPr/>
+          <p:nvPr/>
+        </p:nvSpPr>
+        <p:spPr>
+          <a:xfrm>
+            <a:off x="12316601" y="7422384"/>
+            <a:ext cx="1910148" cy="564318"/>
+          </a:xfrm>
+          <a:prstGeom prst="rect">
+            <a:avLst/>
+          </a:prstGeom>
+          <a:solidFill>
+            <a:schemeClr val="accent4"/>
+          </a:solidFill>
+          <a:ln>
+            <a:noFill/>
+          </a:ln>
+        </p:spPr>
+        <p:style>
+          <a:lnRef idx="0">
+            <a:scrgbClr r="0" g="0" b="0"/>
+          </a:lnRef>
+          <a:fillRef idx="0">
+            <a:scrgbClr r="0" g="0" b="0"/>
+          </a:fillRef>
+          <a:effectRef idx="0">
+            <a:scrgbClr r="0" g="0" b="0"/>
+          </a:effectRef>
+          <a:fontRef idx="minor">
+            <a:schemeClr val="lt1"/>
+          </a:fontRef>
+        </p:style>
+        <p:txBody>
+          <a:bodyPr rot="0" spcFirstLastPara="0" vertOverflow="overflow" horzOverflow="overflow" vert="horz" wrap="square" lIns="91440" tIns="45720" rIns="91440" bIns="45720" numCol="1" spcCol="0" rtlCol="0" fromWordArt="0" anchor="ctr" anchorCtr="0" forceAA="0" compatLnSpc="1">
+            <a:prstTxWarp prst="textNoShape">
+              <a:avLst/>
+            </a:prstTxWarp>
+            <a:noAutofit/>
+          </a:bodyPr>
+          <a:lstStyle/>
+          <a:p>
+            <a:pPr algn="ctr"/>
+            <a:r>
+              <a:rPr lang="zh-CN" altLang="en-US" sz="2200" dirty="0">
+                <a:latin typeface="微软雅黑" panose="020B0503020204020204" pitchFamily="34" charset="-122"/>
+                <a:ea typeface="微软雅黑" panose="020B0503020204020204" pitchFamily="34" charset="-122"/>
+              </a:rPr>
+              <a:t>用户</a:t>
+            </a:r>
+          </a:p>
+        </p:txBody>
+      </p:sp>
+      <p:sp>
+        <p:nvSpPr>
+          <p:cNvPr id="29" name="矩形 28">
+            <a:extLst>
+              <a:ext uri="{FF2B5EF4-FFF2-40B4-BE49-F238E27FC236}">
+                <a16:creationId xmlns:a16="http://schemas.microsoft.com/office/drawing/2014/main" id="{51E2E550-6814-49CE-B504-FDC6D957DBC7}"/>
+              </a:ext>
+            </a:extLst>
+          </p:cNvPr>
+          <p:cNvSpPr/>
+          <p:nvPr/>
+        </p:nvSpPr>
+        <p:spPr>
+          <a:xfrm>
+            <a:off x="12186989" y="9731508"/>
+            <a:ext cx="4112546" cy="2270632"/>
+          </a:xfrm>
+          <a:prstGeom prst="rect">
+            <a:avLst/>
+          </a:prstGeom>
+          <a:solidFill>
+            <a:schemeClr val="accent4"/>
+          </a:solidFill>
+          <a:ln>
+            <a:noFill/>
+          </a:ln>
+        </p:spPr>
+        <p:style>
+          <a:lnRef idx="0">
+            <a:scrgbClr r="0" g="0" b="0"/>
+          </a:lnRef>
+          <a:fillRef idx="0">
+            <a:scrgbClr r="0" g="0" b="0"/>
+          </a:fillRef>
+          <a:effectRef idx="0">
+            <a:scrgbClr r="0" g="0" b="0"/>
+          </a:effectRef>
+          <a:fontRef idx="minor">
+            <a:schemeClr val="lt1"/>
+          </a:fontRef>
+        </p:style>
+        <p:txBody>
+          <a:bodyPr rot="0" spcFirstLastPara="0" vertOverflow="overflow" horzOverflow="overflow" vert="horz" wrap="square" lIns="91440" tIns="45720" rIns="91440" bIns="45720" numCol="1" spcCol="0" rtlCol="0" fromWordArt="0" anchor="t" anchorCtr="0" forceAA="0" compatLnSpc="1">
+            <a:prstTxWarp prst="textNoShape">
+              <a:avLst/>
+            </a:prstTxWarp>
+            <a:noAutofit/>
+          </a:bodyPr>
+          <a:lstStyle/>
+          <a:p>
+            <a:pPr algn="ctr"/>
+            <a:r>
+              <a:rPr lang="en-US" altLang="zh-CN" sz="2200" dirty="0">
+                <a:latin typeface="微软雅黑" panose="020B0503020204020204" pitchFamily="34" charset="-122"/>
+                <a:ea typeface="微软雅黑" panose="020B0503020204020204" pitchFamily="34" charset="-122"/>
+              </a:rPr>
+              <a:t>UI</a:t>
+            </a:r>
+            <a:endParaRPr lang="zh-CN" altLang="en-US" sz="2200" dirty="0">
+              <a:latin typeface="微软雅黑" panose="020B0503020204020204" pitchFamily="34" charset="-122"/>
+              <a:ea typeface="微软雅黑" panose="020B0503020204020204" pitchFamily="34" charset="-122"/>
+            </a:endParaRPr>
+          </a:p>
+        </p:txBody>
+      </p:sp>
+      <p:sp>
+        <p:nvSpPr>
+          <p:cNvPr id="30" name="矩形 29">
+            <a:extLst>
+              <a:ext uri="{FF2B5EF4-FFF2-40B4-BE49-F238E27FC236}">
+                <a16:creationId xmlns:a16="http://schemas.microsoft.com/office/drawing/2014/main" id="{503F64AC-2536-4487-892A-5ADACED4ACF4}"/>
+              </a:ext>
+            </a:extLst>
+          </p:cNvPr>
+          <p:cNvSpPr/>
+          <p:nvPr/>
+        </p:nvSpPr>
+        <p:spPr>
+          <a:xfrm>
+            <a:off x="12448327" y="10232886"/>
+            <a:ext cx="1625134" cy="622613"/>
+          </a:xfrm>
+          <a:prstGeom prst="rect">
+            <a:avLst/>
+          </a:prstGeom>
+        </p:spPr>
+        <p:style>
+          <a:lnRef idx="0">
+            <a:schemeClr val="accent4"/>
+          </a:lnRef>
+          <a:fillRef idx="3">
+            <a:schemeClr val="accent4"/>
+          </a:fillRef>
+          <a:effectRef idx="3">
+            <a:schemeClr val="accent4"/>
+          </a:effectRef>
+          <a:fontRef idx="minor">
+            <a:schemeClr val="lt1"/>
+          </a:fontRef>
+        </p:style>
+        <p:txBody>
+          <a:bodyPr rtlCol="0" anchor="ctr"/>
+          <a:lstStyle/>
+          <a:p>
+            <a:pPr algn="ctr"/>
+            <a:r>
+              <a:rPr lang="en-US" altLang="zh-CN" sz="2000" dirty="0">
+                <a:latin typeface="微软雅黑" panose="020B0503020204020204" pitchFamily="34" charset="-122"/>
+                <a:ea typeface="微软雅黑" panose="020B0503020204020204" pitchFamily="34" charset="-122"/>
+              </a:rPr>
+              <a:t>APP</a:t>
+            </a:r>
+            <a:endParaRPr lang="zh-CN" altLang="en-US" sz="2000" dirty="0">
+              <a:latin typeface="微软雅黑" panose="020B0503020204020204" pitchFamily="34" charset="-122"/>
+              <a:ea typeface="微软雅黑" panose="020B0503020204020204" pitchFamily="34" charset="-122"/>
+            </a:endParaRPr>
+          </a:p>
+        </p:txBody>
+      </p:sp>
+      <p:sp>
+        <p:nvSpPr>
+          <p:cNvPr id="31" name="矩形 30">
+            <a:extLst>
+              <a:ext uri="{FF2B5EF4-FFF2-40B4-BE49-F238E27FC236}">
+                <a16:creationId xmlns:a16="http://schemas.microsoft.com/office/drawing/2014/main" id="{045F3C6E-CD06-4299-A7DD-A7A88784561B}"/>
+              </a:ext>
+            </a:extLst>
+          </p:cNvPr>
+          <p:cNvSpPr/>
+          <p:nvPr/>
+        </p:nvSpPr>
+        <p:spPr>
+          <a:xfrm>
+            <a:off x="14294827" y="10245669"/>
+            <a:ext cx="1637694" cy="622613"/>
+          </a:xfrm>
+          <a:prstGeom prst="rect">
+            <a:avLst/>
+          </a:prstGeom>
+        </p:spPr>
+        <p:style>
+          <a:lnRef idx="0">
+            <a:schemeClr val="accent4"/>
+          </a:lnRef>
+          <a:fillRef idx="3">
+            <a:schemeClr val="accent4"/>
+          </a:fillRef>
+          <a:effectRef idx="3">
+            <a:schemeClr val="accent4"/>
+          </a:effectRef>
+          <a:fontRef idx="minor">
+            <a:schemeClr val="lt1"/>
+          </a:fontRef>
+        </p:style>
+        <p:txBody>
+          <a:bodyPr rtlCol="0" anchor="ctr"/>
+          <a:lstStyle/>
+          <a:p>
+            <a:pPr algn="ctr"/>
+            <a:r>
+              <a:rPr lang="zh-CN" altLang="en-US" sz="2000" dirty="0">
+                <a:latin typeface="微软雅黑" panose="020B0503020204020204" pitchFamily="34" charset="-122"/>
+                <a:ea typeface="微软雅黑" panose="020B0503020204020204" pitchFamily="34" charset="-122"/>
+              </a:rPr>
+              <a:t>公众号</a:t>
+            </a:r>
+          </a:p>
+        </p:txBody>
+      </p:sp>
+      <p:sp>
+        <p:nvSpPr>
+          <p:cNvPr id="32" name="矩形 31">
+            <a:extLst>
+              <a:ext uri="{FF2B5EF4-FFF2-40B4-BE49-F238E27FC236}">
+                <a16:creationId xmlns:a16="http://schemas.microsoft.com/office/drawing/2014/main" id="{EEEACA57-0FC0-4D9F-A0F2-6122201D018D}"/>
+              </a:ext>
+            </a:extLst>
+          </p:cNvPr>
+          <p:cNvSpPr/>
+          <p:nvPr/>
+        </p:nvSpPr>
+        <p:spPr>
+          <a:xfrm>
+            <a:off x="12448327" y="11068222"/>
+            <a:ext cx="1625134" cy="622613"/>
+          </a:xfrm>
+          <a:prstGeom prst="rect">
+            <a:avLst/>
+          </a:prstGeom>
+          <a:ln/>
+        </p:spPr>
+        <p:style>
+          <a:lnRef idx="0">
+            <a:schemeClr val="accent4"/>
+          </a:lnRef>
+          <a:fillRef idx="3">
+            <a:schemeClr val="accent4"/>
+          </a:fillRef>
+          <a:effectRef idx="3">
+            <a:schemeClr val="accent4"/>
+          </a:effectRef>
+          <a:fontRef idx="minor">
+            <a:schemeClr val="lt1"/>
+          </a:fontRef>
+        </p:style>
+        <p:txBody>
+          <a:bodyPr rot="0" spcFirstLastPara="0" vertOverflow="overflow" horzOverflow="overflow" vert="horz" wrap="square" lIns="91440" tIns="45720" rIns="91440" bIns="45720" numCol="1" spcCol="0" rtlCol="0" fromWordArt="0" anchor="ctr" anchorCtr="0" forceAA="0" compatLnSpc="1">
+            <a:prstTxWarp prst="textNoShape">
+              <a:avLst/>
+            </a:prstTxWarp>
+            <a:noAutofit/>
+          </a:bodyPr>
+          <a:lstStyle/>
+          <a:p>
+            <a:pPr algn="ctr"/>
+            <a:r>
+              <a:rPr lang="zh-CN" altLang="en-US" sz="2200" dirty="0">
+                <a:latin typeface="微软雅黑" panose="020B0503020204020204" pitchFamily="34" charset="-122"/>
+                <a:ea typeface="微软雅黑" panose="020B0503020204020204" pitchFamily="34" charset="-122"/>
+              </a:rPr>
+              <a:t>小程序</a:t>
+            </a:r>
+          </a:p>
+        </p:txBody>
+      </p:sp>
+      <p:sp>
+        <p:nvSpPr>
+          <p:cNvPr id="37" name="箭头: 上下 36">
+            <a:extLst>
+              <a:ext uri="{FF2B5EF4-FFF2-40B4-BE49-F238E27FC236}">
+                <a16:creationId xmlns:a16="http://schemas.microsoft.com/office/drawing/2014/main" id="{6A92C825-A415-4FCC-89F8-E214E70886E4}"/>
+              </a:ext>
+            </a:extLst>
+          </p:cNvPr>
+          <p:cNvSpPr/>
+          <p:nvPr/>
+        </p:nvSpPr>
+        <p:spPr>
+          <a:xfrm>
+            <a:off x="12798692" y="8067656"/>
+            <a:ext cx="705452" cy="1539007"/>
+          </a:xfrm>
+          <a:prstGeom prst="upDownArrow">
+            <a:avLst/>
+          </a:prstGeom>
+          <a:solidFill>
+            <a:schemeClr val="accent4">
+              <a:alpha val="50000"/>
+            </a:schemeClr>
+          </a:solidFill>
+          <a:ln>
+            <a:noFill/>
+          </a:ln>
+        </p:spPr>
+        <p:style>
+          <a:lnRef idx="0">
+            <a:scrgbClr r="0" g="0" b="0"/>
+          </a:lnRef>
+          <a:fillRef idx="0">
+            <a:scrgbClr r="0" g="0" b="0"/>
+          </a:fillRef>
+          <a:effectRef idx="0">
+            <a:scrgbClr r="0" g="0" b="0"/>
+          </a:effectRef>
+          <a:fontRef idx="minor">
+            <a:schemeClr val="lt1"/>
+          </a:fontRef>
+        </p:style>
+        <p:txBody>
+          <a:bodyPr rtlCol="0" anchor="ctr"/>
+          <a:lstStyle/>
+          <a:p>
+            <a:pPr algn="ctr"/>
+            <a:endParaRPr lang="zh-CN" altLang="en-US" b="1">
+              <a:solidFill>
+                <a:schemeClr val="bg1"/>
+              </a:solidFill>
+            </a:endParaRPr>
+          </a:p>
+        </p:txBody>
+      </p:sp>
+      <p:sp>
+        <p:nvSpPr>
+          <p:cNvPr id="41" name="矩形 40">
+            <a:extLst>
+              <a:ext uri="{FF2B5EF4-FFF2-40B4-BE49-F238E27FC236}">
+                <a16:creationId xmlns:a16="http://schemas.microsoft.com/office/drawing/2014/main" id="{35B33399-7CE5-42C2-B275-50F822AA30F6}"/>
+              </a:ext>
+            </a:extLst>
+          </p:cNvPr>
+          <p:cNvSpPr/>
+          <p:nvPr/>
+        </p:nvSpPr>
+        <p:spPr>
+          <a:xfrm>
+            <a:off x="14294827" y="11068222"/>
+            <a:ext cx="1625134" cy="622613"/>
+          </a:xfrm>
+          <a:prstGeom prst="rect">
+            <a:avLst/>
+          </a:prstGeom>
+          <a:ln/>
+        </p:spPr>
+        <p:style>
+          <a:lnRef idx="0">
+            <a:schemeClr val="accent4"/>
+          </a:lnRef>
+          <a:fillRef idx="3">
+            <a:schemeClr val="accent4"/>
+          </a:fillRef>
+          <a:effectRef idx="3">
+            <a:schemeClr val="accent4"/>
+          </a:effectRef>
+          <a:fontRef idx="minor">
+            <a:schemeClr val="lt1"/>
+          </a:fontRef>
+        </p:style>
+        <p:txBody>
+          <a:bodyPr rot="0" spcFirstLastPara="0" vertOverflow="overflow" horzOverflow="overflow" vert="horz" wrap="square" lIns="91440" tIns="45720" rIns="91440" bIns="45720" numCol="1" spcCol="0" rtlCol="0" fromWordArt="0" anchor="ctr" anchorCtr="0" forceAA="0" compatLnSpc="1">
+            <a:prstTxWarp prst="textNoShape">
+              <a:avLst/>
+            </a:prstTxWarp>
+            <a:noAutofit/>
+          </a:bodyPr>
+          <a:lstStyle/>
+          <a:p>
+            <a:pPr algn="ctr"/>
+            <a:r>
+              <a:rPr lang="en-US" altLang="zh-CN" sz="2200" dirty="0">
+                <a:latin typeface="微软雅黑" panose="020B0503020204020204" pitchFamily="34" charset="-122"/>
+                <a:ea typeface="微软雅黑" panose="020B0503020204020204" pitchFamily="34" charset="-122"/>
+              </a:rPr>
+              <a:t>...</a:t>
+            </a:r>
+            <a:endParaRPr lang="zh-CN" altLang="en-US" sz="2200" dirty="0">
+              <a:latin typeface="微软雅黑" panose="020B0503020204020204" pitchFamily="34" charset="-122"/>
+              <a:ea typeface="微软雅黑" panose="020B0503020204020204" pitchFamily="34" charset="-122"/>
+            </a:endParaRPr>
+          </a:p>
+        </p:txBody>
+      </p:sp>
+      <p:sp>
+        <p:nvSpPr>
+          <p:cNvPr id="42" name="箭头: 上下 41">
+            <a:extLst>
+              <a:ext uri="{FF2B5EF4-FFF2-40B4-BE49-F238E27FC236}">
+                <a16:creationId xmlns:a16="http://schemas.microsoft.com/office/drawing/2014/main" id="{8B33AF4F-3836-4415-9D1B-13F50FFFB7A0}"/>
+              </a:ext>
+            </a:extLst>
+          </p:cNvPr>
+          <p:cNvSpPr/>
+          <p:nvPr/>
+        </p:nvSpPr>
+        <p:spPr>
+          <a:xfrm rot="16200000">
+            <a:off x="11063474" y="9403624"/>
+            <a:ext cx="734214" cy="1389983"/>
+          </a:xfrm>
+          <a:prstGeom prst="upDownArrow">
+            <a:avLst/>
+          </a:prstGeom>
+          <a:solidFill>
+            <a:schemeClr val="accent4">
+              <a:alpha val="50000"/>
+            </a:schemeClr>
+          </a:solidFill>
+          <a:ln>
+            <a:noFill/>
+          </a:ln>
+        </p:spPr>
+        <p:style>
+          <a:lnRef idx="0">
+            <a:scrgbClr r="0" g="0" b="0"/>
+          </a:lnRef>
+          <a:fillRef idx="0">
+            <a:scrgbClr r="0" g="0" b="0"/>
+          </a:fillRef>
+          <a:effectRef idx="0">
+            <a:scrgbClr r="0" g="0" b="0"/>
+          </a:effectRef>
+          <a:fontRef idx="minor">
+            <a:schemeClr val="lt1"/>
+          </a:fontRef>
+        </p:style>
+        <p:txBody>
+          <a:bodyPr rtlCol="0" anchor="ctr"/>
+          <a:lstStyle/>
+          <a:p>
+            <a:pPr algn="ctr"/>
+            <a:endParaRPr lang="zh-CN" altLang="en-US" b="1">
+              <a:solidFill>
+                <a:schemeClr val="bg1"/>
+              </a:solidFill>
+            </a:endParaRPr>
+          </a:p>
+        </p:txBody>
+      </p:sp>
+      <p:sp>
+        <p:nvSpPr>
+          <p:cNvPr id="43" name="矩形 42">
+            <a:extLst>
+              <a:ext uri="{FF2B5EF4-FFF2-40B4-BE49-F238E27FC236}">
+                <a16:creationId xmlns:a16="http://schemas.microsoft.com/office/drawing/2014/main" id="{D4532DE9-19DE-4500-887C-26488E0B5631}"/>
+              </a:ext>
+            </a:extLst>
+          </p:cNvPr>
+          <p:cNvSpPr/>
+          <p:nvPr/>
+        </p:nvSpPr>
+        <p:spPr>
+          <a:xfrm>
+            <a:off x="7490316" y="6440895"/>
+            <a:ext cx="1495140" cy="613775"/>
+          </a:xfrm>
+          <a:prstGeom prst="rect">
+            <a:avLst/>
+          </a:prstGeom>
+        </p:spPr>
+        <p:style>
+          <a:lnRef idx="0">
+            <a:schemeClr val="accent4"/>
+          </a:lnRef>
+          <a:fillRef idx="3">
+            <a:schemeClr val="accent4"/>
+          </a:fillRef>
+          <a:effectRef idx="3">
+            <a:schemeClr val="accent4"/>
+          </a:effectRef>
+          <a:fontRef idx="minor">
+            <a:schemeClr val="lt1"/>
+          </a:fontRef>
+        </p:style>
+        <p:txBody>
+          <a:bodyPr rtlCol="0" anchor="ctr"/>
+          <a:lstStyle/>
+          <a:p>
+            <a:pPr algn="ctr"/>
+            <a:r>
+              <a:rPr lang="zh-CN" altLang="en-US" sz="2000" dirty="0">
+                <a:latin typeface="微软雅黑" panose="020B0503020204020204" pitchFamily="34" charset="-122"/>
+                <a:ea typeface="微软雅黑" panose="020B0503020204020204" pitchFamily="34" charset="-122"/>
+              </a:rPr>
+              <a:t>数据转换</a:t>
+            </a:r>
+          </a:p>
+        </p:txBody>
+      </p:sp>
+      <p:sp>
+        <p:nvSpPr>
+          <p:cNvPr id="44" name="矩形 43">
+            <a:extLst>
+              <a:ext uri="{FF2B5EF4-FFF2-40B4-BE49-F238E27FC236}">
+                <a16:creationId xmlns:a16="http://schemas.microsoft.com/office/drawing/2014/main" id="{32634952-B1FD-4274-B28D-2BE0829338CD}"/>
+              </a:ext>
+            </a:extLst>
+          </p:cNvPr>
+          <p:cNvSpPr/>
+          <p:nvPr/>
+        </p:nvSpPr>
+        <p:spPr>
+          <a:xfrm>
+            <a:off x="9186949" y="6441596"/>
+            <a:ext cx="1232320" cy="613775"/>
+          </a:xfrm>
+          <a:prstGeom prst="rect">
+            <a:avLst/>
+          </a:prstGeom>
+        </p:spPr>
+        <p:style>
+          <a:lnRef idx="0">
+            <a:schemeClr val="accent4"/>
+          </a:lnRef>
+          <a:fillRef idx="3">
+            <a:schemeClr val="accent4"/>
+          </a:fillRef>
+          <a:effectRef idx="3">
+            <a:schemeClr val="accent4"/>
+          </a:effectRef>
+          <a:fontRef idx="minor">
+            <a:schemeClr val="lt1"/>
+          </a:fontRef>
+        </p:style>
+        <p:txBody>
+          <a:bodyPr rtlCol="0" anchor="ctr"/>
+          <a:lstStyle/>
+          <a:p>
+            <a:pPr algn="ctr"/>
+            <a:r>
+              <a:rPr lang="zh-CN" altLang="en-US" sz="2000" dirty="0">
+                <a:latin typeface="微软雅黑" panose="020B0503020204020204" pitchFamily="34" charset="-122"/>
+                <a:ea typeface="微软雅黑" panose="020B0503020204020204" pitchFamily="34" charset="-122"/>
+              </a:rPr>
+              <a:t>指令执行</a:t>
+            </a:r>
+          </a:p>
+        </p:txBody>
+      </p:sp>
+      <p:sp>
+        <p:nvSpPr>
+          <p:cNvPr id="45" name="矩形 44">
+            <a:extLst>
+              <a:ext uri="{FF2B5EF4-FFF2-40B4-BE49-F238E27FC236}">
+                <a16:creationId xmlns:a16="http://schemas.microsoft.com/office/drawing/2014/main" id="{57D83E67-2E99-4882-BEC8-D593A08AFE52}"/>
+              </a:ext>
+            </a:extLst>
+          </p:cNvPr>
+          <p:cNvSpPr/>
+          <p:nvPr/>
+        </p:nvSpPr>
+        <p:spPr>
+          <a:xfrm>
+            <a:off x="5727911" y="7207536"/>
+            <a:ext cx="4691358" cy="613775"/>
+          </a:xfrm>
+          <a:prstGeom prst="rect">
+            <a:avLst/>
+          </a:prstGeom>
+        </p:spPr>
+        <p:style>
+          <a:lnRef idx="0">
+            <a:schemeClr val="accent4"/>
+          </a:lnRef>
+          <a:fillRef idx="3">
+            <a:schemeClr val="accent4"/>
+          </a:fillRef>
+          <a:effectRef idx="3">
+            <a:schemeClr val="accent4"/>
+          </a:effectRef>
+          <a:fontRef idx="minor">
+            <a:schemeClr val="lt1"/>
+          </a:fontRef>
+        </p:style>
+        <p:txBody>
+          <a:bodyPr rtlCol="0" anchor="ctr"/>
+          <a:lstStyle/>
+          <a:p>
+            <a:pPr algn="ctr"/>
+            <a:r>
+              <a:rPr lang="zh-CN" altLang="en-US" sz="2000" dirty="0">
+                <a:latin typeface="微软雅黑" panose="020B0503020204020204" pitchFamily="34" charset="-122"/>
+                <a:ea typeface="微软雅黑" panose="020B0503020204020204" pitchFamily="34" charset="-122"/>
+              </a:rPr>
+              <a:t>数据发送接收</a:t>
+            </a:r>
+          </a:p>
+        </p:txBody>
+      </p:sp>
+      <p:sp>
+        <p:nvSpPr>
+          <p:cNvPr id="46" name="箭头: 上下 45">
+            <a:extLst>
+              <a:ext uri="{FF2B5EF4-FFF2-40B4-BE49-F238E27FC236}">
+                <a16:creationId xmlns:a16="http://schemas.microsoft.com/office/drawing/2014/main" id="{C905F890-2B98-4ED2-833F-EFD6DEC48BE6}"/>
+              </a:ext>
+            </a:extLst>
+          </p:cNvPr>
+          <p:cNvSpPr/>
+          <p:nvPr/>
+        </p:nvSpPr>
+        <p:spPr>
+          <a:xfrm rot="16200000">
+            <a:off x="11193137" y="6984717"/>
+            <a:ext cx="613989" cy="1389983"/>
+          </a:xfrm>
+          <a:prstGeom prst="upDownArrow">
+            <a:avLst/>
+          </a:prstGeom>
+          <a:solidFill>
+            <a:schemeClr val="accent4">
+              <a:alpha val="50000"/>
+            </a:schemeClr>
+          </a:solidFill>
+          <a:ln>
+            <a:noFill/>
+          </a:ln>
+        </p:spPr>
+        <p:style>
+          <a:lnRef idx="0">
+            <a:scrgbClr r="0" g="0" b="0"/>
+          </a:lnRef>
+          <a:fillRef idx="0">
+            <a:scrgbClr r="0" g="0" b="0"/>
+          </a:fillRef>
+          <a:effectRef idx="0">
+            <a:scrgbClr r="0" g="0" b="0"/>
+          </a:effectRef>
+          <a:fontRef idx="minor">
+            <a:schemeClr val="lt1"/>
+          </a:fontRef>
+        </p:style>
+        <p:txBody>
+          <a:bodyPr rtlCol="0" anchor="ctr"/>
+          <a:lstStyle/>
+          <a:p>
+            <a:pPr algn="ctr"/>
+            <a:endParaRPr lang="zh-CN" altLang="en-US" b="1">
+              <a:solidFill>
+                <a:schemeClr val="bg1"/>
+              </a:solidFill>
+            </a:endParaRPr>
+          </a:p>
+        </p:txBody>
+      </p:sp>
+      <p:sp>
+        <p:nvSpPr>
+          <p:cNvPr id="47" name="矩形 46">
+            <a:extLst>
+              <a:ext uri="{FF2B5EF4-FFF2-40B4-BE49-F238E27FC236}">
+                <a16:creationId xmlns:a16="http://schemas.microsoft.com/office/drawing/2014/main" id="{A7D83B21-07D9-4532-8305-82ED6C581288}"/>
+              </a:ext>
+            </a:extLst>
+          </p:cNvPr>
+          <p:cNvSpPr/>
+          <p:nvPr/>
+        </p:nvSpPr>
+        <p:spPr>
+          <a:xfrm>
+            <a:off x="1379999" y="10420053"/>
+            <a:ext cx="2480154" cy="622611"/>
+          </a:xfrm>
+          <a:prstGeom prst="rect">
+            <a:avLst/>
+          </a:prstGeom>
+          <a:solidFill>
+            <a:schemeClr val="accent4"/>
+          </a:solidFill>
+          <a:ln>
+            <a:noFill/>
+          </a:ln>
+        </p:spPr>
+        <p:style>
+          <a:lnRef idx="0">
+            <a:scrgbClr r="0" g="0" b="0"/>
+          </a:lnRef>
+          <a:fillRef idx="0">
+            <a:scrgbClr r="0" g="0" b="0"/>
+          </a:fillRef>
+          <a:effectRef idx="0">
+            <a:scrgbClr r="0" g="0" b="0"/>
+          </a:effectRef>
+          <a:fontRef idx="minor">
+            <a:schemeClr val="lt1"/>
+          </a:fontRef>
+        </p:style>
+        <p:txBody>
+          <a:bodyPr rot="0" spcFirstLastPara="0" vertOverflow="overflow" horzOverflow="overflow" vert="horz" wrap="square" lIns="91440" tIns="45720" rIns="91440" bIns="45720" numCol="1" spcCol="0" rtlCol="0" fromWordArt="0" anchor="ctr" anchorCtr="0" forceAA="0" compatLnSpc="1">
+            <a:prstTxWarp prst="textNoShape">
+              <a:avLst/>
+            </a:prstTxWarp>
+            <a:noAutofit/>
+          </a:bodyPr>
+          <a:lstStyle/>
+          <a:p>
+            <a:pPr algn="ctr"/>
+            <a:r>
+              <a:rPr lang="en-US" altLang="zh-CN" sz="2200" dirty="0">
+                <a:latin typeface="微软雅黑" panose="020B0503020204020204" pitchFamily="34" charset="-122"/>
+                <a:ea typeface="微软雅黑" panose="020B0503020204020204" pitchFamily="34" charset="-122"/>
+              </a:rPr>
+              <a:t>......</a:t>
+            </a:r>
+            <a:endParaRPr lang="zh-CN" altLang="en-US" sz="2200" dirty="0">
+              <a:latin typeface="微软雅黑" panose="020B0503020204020204" pitchFamily="34" charset="-122"/>
+              <a:ea typeface="微软雅黑" panose="020B0503020204020204" pitchFamily="34" charset="-122"/>
+            </a:endParaRPr>
+          </a:p>
+        </p:txBody>
+      </p:sp>
+      <p:cxnSp>
+        <p:nvCxnSpPr>
+          <p:cNvPr id="49" name="直接连接符 48">
+            <a:extLst>
+              <a:ext uri="{FF2B5EF4-FFF2-40B4-BE49-F238E27FC236}">
+                <a16:creationId xmlns:a16="http://schemas.microsoft.com/office/drawing/2014/main" id="{398DAAA2-A307-4180-B8C8-5C3A4D2055ED}"/>
+              </a:ext>
+            </a:extLst>
+          </p:cNvPr>
+          <p:cNvCxnSpPr>
+            <a:cxnSpLocks/>
+            <a:stCxn id="3" idx="1"/>
+            <a:endCxn id="27" idx="3"/>
+          </p:cNvCxnSpPr>
+          <p:nvPr/>
+        </p:nvCxnSpPr>
+        <p:spPr>
+          <a:xfrm flipH="1" flipV="1">
+            <a:off x="3860153" y="10042817"/>
+            <a:ext cx="943238" cy="2"/>
+          </a:xfrm>
+          <a:prstGeom prst="line">
+            <a:avLst/>
+          </a:prstGeom>
+        </p:spPr>
+        <p:style>
+          <a:lnRef idx="3">
+            <a:schemeClr val="dk1"/>
+          </a:lnRef>
+          <a:fillRef idx="0">
+            <a:schemeClr val="dk1"/>
+          </a:fillRef>
+          <a:effectRef idx="2">
+            <a:schemeClr val="dk1"/>
+          </a:effectRef>
+          <a:fontRef idx="minor">
+            <a:schemeClr val="tx1"/>
+          </a:fontRef>
+        </p:style>
+      </p:cxnSp>
+      <p:cxnSp>
+        <p:nvCxnSpPr>
+          <p:cNvPr id="51" name="直接连接符 50">
+            <a:extLst>
+              <a:ext uri="{FF2B5EF4-FFF2-40B4-BE49-F238E27FC236}">
+                <a16:creationId xmlns:a16="http://schemas.microsoft.com/office/drawing/2014/main" id="{76CA6597-9F00-4035-A3DA-5A6E3E193600}"/>
+              </a:ext>
+            </a:extLst>
+          </p:cNvPr>
+          <p:cNvCxnSpPr>
+            <a:cxnSpLocks/>
+            <a:stCxn id="3" idx="1"/>
+            <a:endCxn id="26" idx="3"/>
+          </p:cNvCxnSpPr>
+          <p:nvPr/>
+        </p:nvCxnSpPr>
+        <p:spPr>
+          <a:xfrm flipH="1" flipV="1">
+            <a:off x="3860155" y="9354277"/>
+            <a:ext cx="943237" cy="688543"/>
+          </a:xfrm>
+          <a:prstGeom prst="line">
+            <a:avLst/>
+          </a:prstGeom>
+        </p:spPr>
+        <p:style>
+          <a:lnRef idx="3">
+            <a:schemeClr val="dk1"/>
+          </a:lnRef>
+          <a:fillRef idx="0">
+            <a:schemeClr val="dk1"/>
+          </a:fillRef>
+          <a:effectRef idx="2">
+            <a:schemeClr val="dk1"/>
+          </a:effectRef>
+          <a:fontRef idx="minor">
+            <a:schemeClr val="tx1"/>
+          </a:fontRef>
+        </p:style>
+      </p:cxnSp>
+      <p:cxnSp>
+        <p:nvCxnSpPr>
+          <p:cNvPr id="53" name="直接连接符 52">
+            <a:extLst>
+              <a:ext uri="{FF2B5EF4-FFF2-40B4-BE49-F238E27FC236}">
+                <a16:creationId xmlns:a16="http://schemas.microsoft.com/office/drawing/2014/main" id="{F226CC64-B7B3-4968-969D-7AD3E81861E5}"/>
+              </a:ext>
+            </a:extLst>
+          </p:cNvPr>
+          <p:cNvCxnSpPr>
+            <a:cxnSpLocks/>
+            <a:stCxn id="3" idx="1"/>
+            <a:endCxn id="47" idx="3"/>
+          </p:cNvCxnSpPr>
+          <p:nvPr/>
+        </p:nvCxnSpPr>
+        <p:spPr>
+          <a:xfrm flipH="1">
+            <a:off x="3860153" y="10042820"/>
+            <a:ext cx="943238" cy="688539"/>
+          </a:xfrm>
+          <a:prstGeom prst="line">
+            <a:avLst/>
+          </a:prstGeom>
+        </p:spPr>
+        <p:style>
+          <a:lnRef idx="3">
+            <a:schemeClr val="dk1"/>
+          </a:lnRef>
+          <a:fillRef idx="0">
+            <a:schemeClr val="dk1"/>
+          </a:fillRef>
+          <a:effectRef idx="2">
+            <a:schemeClr val="dk1"/>
+          </a:effectRef>
+          <a:fontRef idx="minor">
+            <a:schemeClr val="tx1"/>
+          </a:fontRef>
+        </p:style>
+      </p:cxnSp>
+      <p:sp>
+        <p:nvSpPr>
+          <p:cNvPr id="59" name="箭头: 右 58">
+            <a:extLst>
+              <a:ext uri="{FF2B5EF4-FFF2-40B4-BE49-F238E27FC236}">
+                <a16:creationId xmlns:a16="http://schemas.microsoft.com/office/drawing/2014/main" id="{95F2D239-2637-4C67-97A4-38461A41B972}"/>
+              </a:ext>
+            </a:extLst>
+          </p:cNvPr>
+          <p:cNvSpPr/>
+          <p:nvPr/>
+        </p:nvSpPr>
+        <p:spPr>
+          <a:xfrm rot="18693433">
+            <a:off x="7417149" y="10402712"/>
+            <a:ext cx="901921" cy="341862"/>
+          </a:xfrm>
+          <a:prstGeom prst="rightArrow">
+            <a:avLst/>
+          </a:prstGeom>
+          <a:solidFill>
+            <a:schemeClr val="accent4">
+              <a:alpha val="50000"/>
+            </a:schemeClr>
+          </a:solidFill>
+          <a:ln>
+            <a:noFill/>
+          </a:ln>
+        </p:spPr>
+        <p:style>
+          <a:lnRef idx="0">
+            <a:scrgbClr r="0" g="0" b="0"/>
+          </a:lnRef>
+          <a:fillRef idx="0">
+            <a:scrgbClr r="0" g="0" b="0"/>
+          </a:fillRef>
+          <a:effectRef idx="0">
+            <a:scrgbClr r="0" g="0" b="0"/>
+          </a:effectRef>
+          <a:fontRef idx="minor">
+            <a:schemeClr val="lt1"/>
+          </a:fontRef>
+        </p:style>
+        <p:txBody>
+          <a:bodyPr rtlCol="0" anchor="ctr"/>
+          <a:lstStyle/>
+          <a:p>
+            <a:pPr algn="ctr"/>
+            <a:endParaRPr lang="zh-CN" altLang="en-US"/>
+          </a:p>
+        </p:txBody>
+      </p:sp>
+      <p:sp>
+        <p:nvSpPr>
+          <p:cNvPr id="60" name="椭圆 59">
+            <a:extLst>
+              <a:ext uri="{FF2B5EF4-FFF2-40B4-BE49-F238E27FC236}">
+                <a16:creationId xmlns:a16="http://schemas.microsoft.com/office/drawing/2014/main" id="{8532C9CE-C1E7-4A3B-B8B5-61D6B1EA3AD5}"/>
+              </a:ext>
+            </a:extLst>
+          </p:cNvPr>
+          <p:cNvSpPr/>
+          <p:nvPr/>
+        </p:nvSpPr>
+        <p:spPr>
+          <a:xfrm>
+            <a:off x="7778905" y="10736196"/>
+            <a:ext cx="330041" cy="349228"/>
+          </a:xfrm>
+          <a:prstGeom prst="ellipse">
+            <a:avLst/>
+          </a:prstGeom>
+          <a:solidFill>
+            <a:schemeClr val="accent5"/>
+          </a:solidFill>
+          <a:ln>
+            <a:noFill/>
+          </a:ln>
+        </p:spPr>
+        <p:style>
+          <a:lnRef idx="0">
+            <a:scrgbClr r="0" g="0" b="0"/>
+          </a:lnRef>
+          <a:fillRef idx="0">
+            <a:scrgbClr r="0" g="0" b="0"/>
+          </a:fillRef>
+          <a:effectRef idx="0">
+            <a:scrgbClr r="0" g="0" b="0"/>
+          </a:effectRef>
+          <a:fontRef idx="minor">
+            <a:schemeClr val="lt1"/>
+          </a:fontRef>
+        </p:style>
+        <p:txBody>
+          <a:bodyPr rtlCol="0" anchor="ctr"/>
+          <a:lstStyle/>
+          <a:p>
+            <a:pPr algn="ctr"/>
+            <a:r>
+              <a:rPr lang="en-US" altLang="zh-CN" b="1" dirty="0"/>
+              <a:t>1</a:t>
+            </a:r>
+            <a:endParaRPr lang="zh-CN" altLang="en-US" b="1" dirty="0"/>
+          </a:p>
+        </p:txBody>
+      </p:sp>
+      <p:sp>
+        <p:nvSpPr>
+          <p:cNvPr id="61" name="椭圆 60">
+            <a:extLst>
+              <a:ext uri="{FF2B5EF4-FFF2-40B4-BE49-F238E27FC236}">
+                <a16:creationId xmlns:a16="http://schemas.microsoft.com/office/drawing/2014/main" id="{EBC4708E-622A-4023-A039-D837B00A0DE2}"/>
+              </a:ext>
+            </a:extLst>
+          </p:cNvPr>
+          <p:cNvSpPr/>
+          <p:nvPr/>
+        </p:nvSpPr>
+        <p:spPr>
+          <a:xfrm>
+            <a:off x="12195122" y="12289884"/>
+            <a:ext cx="330041" cy="349228"/>
+          </a:xfrm>
+          <a:prstGeom prst="ellipse">
+            <a:avLst/>
+          </a:prstGeom>
+          <a:solidFill>
+            <a:schemeClr val="accent5"/>
+          </a:solidFill>
+          <a:ln>
+            <a:noFill/>
+          </a:ln>
+        </p:spPr>
+        <p:style>
+          <a:lnRef idx="0">
+            <a:scrgbClr r="0" g="0" b="0"/>
+          </a:lnRef>
+          <a:fillRef idx="0">
+            <a:scrgbClr r="0" g="0" b="0"/>
+          </a:fillRef>
+          <a:effectRef idx="0">
+            <a:scrgbClr r="0" g="0" b="0"/>
+          </a:effectRef>
+          <a:fontRef idx="minor">
+            <a:schemeClr val="lt1"/>
+          </a:fontRef>
+        </p:style>
+        <p:txBody>
+          <a:bodyPr rtlCol="0" anchor="ctr"/>
+          <a:lstStyle/>
+          <a:p>
+            <a:pPr algn="ctr"/>
+            <a:r>
+              <a:rPr lang="en-US" altLang="zh-CN" b="1" dirty="0"/>
+              <a:t>1</a:t>
+            </a:r>
+            <a:endParaRPr lang="zh-CN" altLang="en-US" b="1" dirty="0"/>
+          </a:p>
+        </p:txBody>
+      </p:sp>
+      <p:sp>
+        <p:nvSpPr>
+          <p:cNvPr id="62" name="文本框 61">
+            <a:extLst>
+              <a:ext uri="{FF2B5EF4-FFF2-40B4-BE49-F238E27FC236}">
+                <a16:creationId xmlns:a16="http://schemas.microsoft.com/office/drawing/2014/main" id="{71F37978-ACB9-4B8A-BB80-C32589410927}"/>
+              </a:ext>
+            </a:extLst>
+          </p:cNvPr>
+          <p:cNvSpPr txBox="1"/>
+          <p:nvPr/>
+        </p:nvSpPr>
+        <p:spPr>
+          <a:xfrm>
+            <a:off x="12525163" y="12289884"/>
+            <a:ext cx="3317215" cy="369332"/>
+          </a:xfrm>
+          <a:prstGeom prst="rect">
+            <a:avLst/>
+          </a:prstGeom>
+          <a:noFill/>
+        </p:spPr>
+        <p:txBody>
+          <a:bodyPr wrap="square" rtlCol="0">
+            <a:spAutoFit/>
+          </a:bodyPr>
+          <a:lstStyle/>
+          <a:p>
+            <a:r>
+              <a:rPr lang="zh-CN" altLang="en-US" dirty="0">
+                <a:solidFill>
+                  <a:schemeClr val="accent5">
+                    <a:lumMod val="75000"/>
+                  </a:schemeClr>
+                </a:solidFill>
+                <a:latin typeface="微软雅黑" panose="020B0503020204020204" pitchFamily="34" charset="-122"/>
+                <a:ea typeface="微软雅黑" panose="020B0503020204020204" pitchFamily="34" charset="-122"/>
+              </a:rPr>
+              <a:t>特定的数据触发设备控制指令。</a:t>
+            </a:r>
+          </a:p>
+        </p:txBody>
+      </p:sp>
+      <p:sp>
+        <p:nvSpPr>
+          <p:cNvPr id="63" name="椭圆 62">
+            <a:extLst>
+              <a:ext uri="{FF2B5EF4-FFF2-40B4-BE49-F238E27FC236}">
+                <a16:creationId xmlns:a16="http://schemas.microsoft.com/office/drawing/2014/main" id="{DD421491-6B5A-4E4E-92A7-FB45E83253CE}"/>
+              </a:ext>
+            </a:extLst>
+          </p:cNvPr>
+          <p:cNvSpPr/>
+          <p:nvPr/>
+        </p:nvSpPr>
+        <p:spPr>
+          <a:xfrm>
+            <a:off x="13504145" y="8703839"/>
+            <a:ext cx="330041" cy="349228"/>
+          </a:xfrm>
+          <a:prstGeom prst="ellipse">
+            <a:avLst/>
+          </a:prstGeom>
+          <a:solidFill>
+            <a:schemeClr val="accent5"/>
+          </a:solidFill>
+          <a:ln>
+            <a:noFill/>
+          </a:ln>
+        </p:spPr>
+        <p:style>
+          <a:lnRef idx="0">
+            <a:scrgbClr r="0" g="0" b="0"/>
+          </a:lnRef>
+          <a:fillRef idx="0">
+            <a:scrgbClr r="0" g="0" b="0"/>
+          </a:fillRef>
+          <a:effectRef idx="0">
+            <a:scrgbClr r="0" g="0" b="0"/>
+          </a:effectRef>
+          <a:fontRef idx="minor">
+            <a:schemeClr val="lt1"/>
+          </a:fontRef>
+        </p:style>
+        <p:txBody>
+          <a:bodyPr rtlCol="0" anchor="ctr"/>
+          <a:lstStyle/>
+          <a:p>
+            <a:pPr algn="ctr"/>
+            <a:r>
+              <a:rPr lang="en-US" altLang="zh-CN" b="1" dirty="0"/>
+              <a:t>2</a:t>
+            </a:r>
+            <a:endParaRPr lang="zh-CN" altLang="en-US" b="1" dirty="0"/>
+          </a:p>
+        </p:txBody>
+      </p:sp>
+      <p:sp>
+        <p:nvSpPr>
+          <p:cNvPr id="64" name="椭圆 63">
+            <a:extLst>
+              <a:ext uri="{FF2B5EF4-FFF2-40B4-BE49-F238E27FC236}">
+                <a16:creationId xmlns:a16="http://schemas.microsoft.com/office/drawing/2014/main" id="{20F6FF0F-C486-4574-8B7B-C3940F1E6DC9}"/>
+              </a:ext>
+            </a:extLst>
+          </p:cNvPr>
+          <p:cNvSpPr/>
+          <p:nvPr/>
+        </p:nvSpPr>
+        <p:spPr>
+          <a:xfrm>
+            <a:off x="12195122" y="12814331"/>
+            <a:ext cx="330041" cy="349228"/>
+          </a:xfrm>
+          <a:prstGeom prst="ellipse">
+            <a:avLst/>
+          </a:prstGeom>
+          <a:solidFill>
+            <a:schemeClr val="accent5"/>
+          </a:solidFill>
+          <a:ln>
+            <a:noFill/>
+          </a:ln>
+        </p:spPr>
+        <p:style>
+          <a:lnRef idx="0">
+            <a:scrgbClr r="0" g="0" b="0"/>
+          </a:lnRef>
+          <a:fillRef idx="0">
+            <a:scrgbClr r="0" g="0" b="0"/>
+          </a:fillRef>
+          <a:effectRef idx="0">
+            <a:scrgbClr r="0" g="0" b="0"/>
+          </a:effectRef>
+          <a:fontRef idx="minor">
+            <a:schemeClr val="lt1"/>
+          </a:fontRef>
+        </p:style>
+        <p:txBody>
+          <a:bodyPr rtlCol="0" anchor="ctr"/>
+          <a:lstStyle/>
+          <a:p>
+            <a:pPr algn="ctr"/>
+            <a:r>
+              <a:rPr lang="en-US" altLang="zh-CN" b="1" dirty="0"/>
+              <a:t>2</a:t>
+            </a:r>
+            <a:endParaRPr lang="zh-CN" altLang="en-US" b="1" dirty="0"/>
+          </a:p>
+        </p:txBody>
+      </p:sp>
+      <p:sp>
+        <p:nvSpPr>
+          <p:cNvPr id="65" name="文本框 64">
+            <a:extLst>
+              <a:ext uri="{FF2B5EF4-FFF2-40B4-BE49-F238E27FC236}">
+                <a16:creationId xmlns:a16="http://schemas.microsoft.com/office/drawing/2014/main" id="{E9466465-EA43-4654-AE67-F8E390D9F002}"/>
+              </a:ext>
+            </a:extLst>
+          </p:cNvPr>
+          <p:cNvSpPr txBox="1"/>
+          <p:nvPr/>
+        </p:nvSpPr>
+        <p:spPr>
+          <a:xfrm>
+            <a:off x="12525162" y="12801806"/>
+            <a:ext cx="3870542" cy="646331"/>
+          </a:xfrm>
+          <a:prstGeom prst="rect">
+            <a:avLst/>
+          </a:prstGeom>
+          <a:noFill/>
+        </p:spPr>
+        <p:txBody>
+          <a:bodyPr wrap="square" rtlCol="0">
+            <a:spAutoFit/>
+          </a:bodyPr>
+          <a:lstStyle/>
+          <a:p>
+            <a:r>
+              <a:rPr lang="zh-CN" altLang="en-US" dirty="0">
+                <a:solidFill>
+                  <a:schemeClr val="accent5">
+                    <a:lumMod val="75000"/>
+                  </a:schemeClr>
+                </a:solidFill>
+                <a:latin typeface="微软雅黑" panose="020B0503020204020204" pitchFamily="34" charset="-122"/>
+                <a:ea typeface="微软雅黑" panose="020B0503020204020204" pitchFamily="34" charset="-122"/>
+              </a:rPr>
+              <a:t>用户通过平台提供的客户端向平台发起设备使用请求。</a:t>
+            </a:r>
+          </a:p>
+        </p:txBody>
+      </p:sp>
+      <p:sp>
+        <p:nvSpPr>
+          <p:cNvPr id="66" name="椭圆 65">
+            <a:extLst>
+              <a:ext uri="{FF2B5EF4-FFF2-40B4-BE49-F238E27FC236}">
+                <a16:creationId xmlns:a16="http://schemas.microsoft.com/office/drawing/2014/main" id="{80652233-80D1-4125-9558-90C833DAC65F}"/>
+              </a:ext>
+            </a:extLst>
+          </p:cNvPr>
+          <p:cNvSpPr/>
+          <p:nvPr/>
+        </p:nvSpPr>
+        <p:spPr>
+          <a:xfrm>
+            <a:off x="11286815" y="10355892"/>
+            <a:ext cx="330041" cy="349228"/>
+          </a:xfrm>
+          <a:prstGeom prst="ellipse">
+            <a:avLst/>
+          </a:prstGeom>
+          <a:solidFill>
+            <a:schemeClr val="accent5"/>
+          </a:solidFill>
+          <a:ln>
+            <a:noFill/>
+          </a:ln>
+        </p:spPr>
+        <p:style>
+          <a:lnRef idx="0">
+            <a:scrgbClr r="0" g="0" b="0"/>
+          </a:lnRef>
+          <a:fillRef idx="0">
+            <a:scrgbClr r="0" g="0" b="0"/>
+          </a:fillRef>
+          <a:effectRef idx="0">
+            <a:scrgbClr r="0" g="0" b="0"/>
+          </a:effectRef>
+          <a:fontRef idx="minor">
+            <a:schemeClr val="lt1"/>
+          </a:fontRef>
+        </p:style>
+        <p:txBody>
+          <a:bodyPr rtlCol="0" anchor="ctr"/>
+          <a:lstStyle/>
+          <a:p>
+            <a:pPr algn="ctr"/>
+            <a:r>
+              <a:rPr lang="en-US" altLang="zh-CN" b="1" dirty="0"/>
+              <a:t>3</a:t>
+            </a:r>
+            <a:endParaRPr lang="zh-CN" altLang="en-US" b="1" dirty="0"/>
+          </a:p>
+        </p:txBody>
+      </p:sp>
+      <p:sp>
+        <p:nvSpPr>
+          <p:cNvPr id="67" name="椭圆 66">
+            <a:extLst>
+              <a:ext uri="{FF2B5EF4-FFF2-40B4-BE49-F238E27FC236}">
+                <a16:creationId xmlns:a16="http://schemas.microsoft.com/office/drawing/2014/main" id="{ECF38FE4-EE05-4B4B-AFE2-72B6C0B9A940}"/>
+              </a:ext>
+            </a:extLst>
+          </p:cNvPr>
+          <p:cNvSpPr/>
+          <p:nvPr/>
+        </p:nvSpPr>
+        <p:spPr>
+          <a:xfrm>
+            <a:off x="12195122" y="13447961"/>
+            <a:ext cx="330041" cy="349228"/>
+          </a:xfrm>
+          <a:prstGeom prst="ellipse">
+            <a:avLst/>
+          </a:prstGeom>
+          <a:solidFill>
+            <a:schemeClr val="accent5"/>
+          </a:solidFill>
+          <a:ln>
+            <a:noFill/>
+          </a:ln>
+        </p:spPr>
+        <p:style>
+          <a:lnRef idx="0">
+            <a:scrgbClr r="0" g="0" b="0"/>
+          </a:lnRef>
+          <a:fillRef idx="0">
+            <a:scrgbClr r="0" g="0" b="0"/>
+          </a:fillRef>
+          <a:effectRef idx="0">
+            <a:scrgbClr r="0" g="0" b="0"/>
+          </a:effectRef>
+          <a:fontRef idx="minor">
+            <a:schemeClr val="lt1"/>
+          </a:fontRef>
+        </p:style>
+        <p:txBody>
+          <a:bodyPr rtlCol="0" anchor="ctr"/>
+          <a:lstStyle/>
+          <a:p>
+            <a:pPr algn="ctr"/>
+            <a:r>
+              <a:rPr lang="en-US" altLang="zh-CN" b="1" dirty="0"/>
+              <a:t>3</a:t>
+            </a:r>
+            <a:endParaRPr lang="zh-CN" altLang="en-US" b="1" dirty="0"/>
+          </a:p>
+        </p:txBody>
+      </p:sp>
+      <p:sp>
+        <p:nvSpPr>
+          <p:cNvPr id="68" name="文本框 67">
+            <a:extLst>
+              <a:ext uri="{FF2B5EF4-FFF2-40B4-BE49-F238E27FC236}">
+                <a16:creationId xmlns:a16="http://schemas.microsoft.com/office/drawing/2014/main" id="{6CC28C69-35A9-4013-B657-105CC24C19B0}"/>
+              </a:ext>
+            </a:extLst>
+          </p:cNvPr>
+          <p:cNvSpPr txBox="1"/>
+          <p:nvPr/>
+        </p:nvSpPr>
+        <p:spPr>
+          <a:xfrm>
+            <a:off x="12525162" y="13435436"/>
+            <a:ext cx="3870542" cy="646331"/>
+          </a:xfrm>
+          <a:prstGeom prst="rect">
+            <a:avLst/>
+          </a:prstGeom>
+          <a:noFill/>
+        </p:spPr>
+        <p:txBody>
+          <a:bodyPr wrap="square" rtlCol="0">
+            <a:spAutoFit/>
+          </a:bodyPr>
+          <a:lstStyle/>
+          <a:p>
+            <a:r>
+              <a:rPr lang="zh-CN" altLang="en-US" dirty="0">
+                <a:solidFill>
+                  <a:schemeClr val="accent5">
+                    <a:lumMod val="75000"/>
+                  </a:schemeClr>
+                </a:solidFill>
+                <a:latin typeface="微软雅黑" panose="020B0503020204020204" pitchFamily="34" charset="-122"/>
+                <a:ea typeface="微软雅黑" panose="020B0503020204020204" pitchFamily="34" charset="-122"/>
+              </a:rPr>
+              <a:t>服务器接收到用户请求，向设备发出指令（如用户的请求有效）。</a:t>
+            </a:r>
+          </a:p>
+        </p:txBody>
+      </p:sp>
+      <p:sp>
+        <p:nvSpPr>
+          <p:cNvPr id="69" name="椭圆 68">
+            <a:extLst>
+              <a:ext uri="{FF2B5EF4-FFF2-40B4-BE49-F238E27FC236}">
+                <a16:creationId xmlns:a16="http://schemas.microsoft.com/office/drawing/2014/main" id="{9E2F8892-CA4D-4905-B2C7-C4EA964C4822}"/>
+              </a:ext>
+            </a:extLst>
+          </p:cNvPr>
+          <p:cNvSpPr/>
+          <p:nvPr/>
+        </p:nvSpPr>
+        <p:spPr>
+          <a:xfrm>
+            <a:off x="11335110" y="8008002"/>
+            <a:ext cx="330041" cy="349228"/>
+          </a:xfrm>
+          <a:prstGeom prst="ellipse">
+            <a:avLst/>
+          </a:prstGeom>
+          <a:solidFill>
+            <a:schemeClr val="accent5"/>
+          </a:solidFill>
+          <a:ln>
+            <a:noFill/>
+          </a:ln>
+        </p:spPr>
+        <p:style>
+          <a:lnRef idx="0">
+            <a:scrgbClr r="0" g="0" b="0"/>
+          </a:lnRef>
+          <a:fillRef idx="0">
+            <a:scrgbClr r="0" g="0" b="0"/>
+          </a:fillRef>
+          <a:effectRef idx="0">
+            <a:scrgbClr r="0" g="0" b="0"/>
+          </a:effectRef>
+          <a:fontRef idx="minor">
+            <a:schemeClr val="lt1"/>
+          </a:fontRef>
+        </p:style>
+        <p:txBody>
+          <a:bodyPr rtlCol="0" anchor="ctr"/>
+          <a:lstStyle/>
+          <a:p>
+            <a:pPr algn="ctr"/>
+            <a:r>
+              <a:rPr lang="en-US" altLang="zh-CN" b="1" dirty="0"/>
+              <a:t>4</a:t>
+            </a:r>
+            <a:endParaRPr lang="zh-CN" altLang="en-US" b="1" dirty="0"/>
+          </a:p>
+        </p:txBody>
+      </p:sp>
+      <p:sp>
+        <p:nvSpPr>
+          <p:cNvPr id="70" name="椭圆 69">
+            <a:extLst>
+              <a:ext uri="{FF2B5EF4-FFF2-40B4-BE49-F238E27FC236}">
+                <a16:creationId xmlns:a16="http://schemas.microsoft.com/office/drawing/2014/main" id="{74D440F7-3139-47FD-9916-AC2AAF93144C}"/>
+              </a:ext>
+            </a:extLst>
+          </p:cNvPr>
+          <p:cNvSpPr/>
+          <p:nvPr/>
+        </p:nvSpPr>
+        <p:spPr>
+          <a:xfrm>
+            <a:off x="12195122" y="14136113"/>
+            <a:ext cx="330041" cy="349228"/>
+          </a:xfrm>
+          <a:prstGeom prst="ellipse">
+            <a:avLst/>
+          </a:prstGeom>
+          <a:solidFill>
+            <a:schemeClr val="accent5"/>
+          </a:solidFill>
+          <a:ln>
+            <a:noFill/>
+          </a:ln>
+        </p:spPr>
+        <p:style>
+          <a:lnRef idx="0">
+            <a:scrgbClr r="0" g="0" b="0"/>
+          </a:lnRef>
+          <a:fillRef idx="0">
+            <a:scrgbClr r="0" g="0" b="0"/>
+          </a:fillRef>
+          <a:effectRef idx="0">
+            <a:scrgbClr r="0" g="0" b="0"/>
+          </a:effectRef>
+          <a:fontRef idx="minor">
+            <a:schemeClr val="lt1"/>
+          </a:fontRef>
+        </p:style>
+        <p:txBody>
+          <a:bodyPr rtlCol="0" anchor="ctr"/>
+          <a:lstStyle/>
+          <a:p>
+            <a:pPr algn="ctr"/>
+            <a:r>
+              <a:rPr lang="en-US" altLang="zh-CN" b="1" dirty="0"/>
+              <a:t>4</a:t>
+            </a:r>
+            <a:endParaRPr lang="zh-CN" altLang="en-US" b="1" dirty="0"/>
+          </a:p>
+        </p:txBody>
+      </p:sp>
+      <p:sp>
+        <p:nvSpPr>
+          <p:cNvPr id="71" name="文本框 70">
+            <a:extLst>
+              <a:ext uri="{FF2B5EF4-FFF2-40B4-BE49-F238E27FC236}">
+                <a16:creationId xmlns:a16="http://schemas.microsoft.com/office/drawing/2014/main" id="{63B320EF-E1E2-49B9-BFFA-10A7E21E2AD6}"/>
+              </a:ext>
+            </a:extLst>
+          </p:cNvPr>
+          <p:cNvSpPr txBox="1"/>
+          <p:nvPr/>
+        </p:nvSpPr>
+        <p:spPr>
+          <a:xfrm>
+            <a:off x="12525162" y="14123588"/>
+            <a:ext cx="3870542" cy="646331"/>
+          </a:xfrm>
+          <a:prstGeom prst="rect">
+            <a:avLst/>
+          </a:prstGeom>
+          <a:noFill/>
+        </p:spPr>
+        <p:txBody>
+          <a:bodyPr wrap="square" rtlCol="0">
+            <a:spAutoFit/>
+          </a:bodyPr>
+          <a:lstStyle/>
+          <a:p>
+            <a:r>
+              <a:rPr lang="zh-CN" altLang="en-US" dirty="0">
+                <a:solidFill>
+                  <a:schemeClr val="accent5">
+                    <a:lumMod val="75000"/>
+                  </a:schemeClr>
+                </a:solidFill>
+                <a:latin typeface="微软雅黑" panose="020B0503020204020204" pitchFamily="34" charset="-122"/>
+                <a:ea typeface="微软雅黑" panose="020B0503020204020204" pitchFamily="34" charset="-122"/>
+              </a:rPr>
+              <a:t>用户使用设备，触发设备向服务器发送相关数据（如已连接充电）。</a:t>
+            </a:r>
+          </a:p>
+        </p:txBody>
+      </p:sp>
+      <p:sp>
+        <p:nvSpPr>
+          <p:cNvPr id="50" name="文本框 49">
+            <a:extLst>
+              <a:ext uri="{FF2B5EF4-FFF2-40B4-BE49-F238E27FC236}">
+                <a16:creationId xmlns:a16="http://schemas.microsoft.com/office/drawing/2014/main" id="{3DE2A401-DCD9-4687-B76C-975CFB558B58}"/>
+              </a:ext>
+            </a:extLst>
+          </p:cNvPr>
+          <p:cNvSpPr txBox="1"/>
+          <p:nvPr/>
+        </p:nvSpPr>
+        <p:spPr>
+          <a:xfrm>
+            <a:off x="15274042" y="223026"/>
+            <a:ext cx="646331" cy="2497872"/>
+          </a:xfrm>
+          <a:prstGeom prst="rect">
+            <a:avLst/>
+          </a:prstGeom>
+          <a:noFill/>
+        </p:spPr>
+        <p:txBody>
+          <a:bodyPr vert="eaVert" wrap="square" rtlCol="0">
+            <a:spAutoFit/>
+          </a:bodyPr>
+          <a:lstStyle/>
+          <a:p>
+            <a:pPr algn="ctr"/>
+            <a:r>
+              <a:rPr lang="zh-CN" altLang="en-US" sz="3000" dirty="0">
+                <a:latin typeface="时尚中黑简体" panose="01010104010101010101" pitchFamily="2" charset="-122"/>
+                <a:ea typeface="时尚中黑简体" panose="01010104010101010101" pitchFamily="2" charset="-122"/>
+              </a:rPr>
+              <a:t>重庆耀古</a:t>
+            </a:r>
+          </a:p>
+        </p:txBody>
+      </p:sp>
+      <p:sp>
+        <p:nvSpPr>
+          <p:cNvPr id="52" name="矩形 51">
+            <a:extLst>
+              <a:ext uri="{FF2B5EF4-FFF2-40B4-BE49-F238E27FC236}">
+                <a16:creationId xmlns:a16="http://schemas.microsoft.com/office/drawing/2014/main" id="{A90BB1B0-6AEF-4EF7-8025-DA092F627DE4}"/>
+              </a:ext>
+            </a:extLst>
+          </p:cNvPr>
+          <p:cNvSpPr/>
+          <p:nvPr/>
+        </p:nvSpPr>
+        <p:spPr>
+          <a:xfrm>
+            <a:off x="8203503" y="9030626"/>
+            <a:ext cx="2480154" cy="622612"/>
+          </a:xfrm>
+          <a:prstGeom prst="rect">
+            <a:avLst/>
+          </a:prstGeom>
+          <a:solidFill>
+            <a:schemeClr val="accent3"/>
+          </a:solidFill>
+          <a:ln>
+            <a:noFill/>
+          </a:ln>
+        </p:spPr>
+        <p:style>
+          <a:lnRef idx="0">
+            <a:scrgbClr r="0" g="0" b="0"/>
+          </a:lnRef>
+          <a:fillRef idx="0">
+            <a:scrgbClr r="0" g="0" b="0"/>
+          </a:fillRef>
+          <a:effectRef idx="0">
+            <a:scrgbClr r="0" g="0" b="0"/>
+          </a:effectRef>
+          <a:fontRef idx="minor">
+            <a:schemeClr val="lt1"/>
+          </a:fontRef>
+        </p:style>
+        <p:txBody>
+          <a:bodyPr rot="0" spcFirstLastPara="0" vertOverflow="overflow" horzOverflow="overflow" vert="horz" wrap="square" lIns="91440" tIns="45720" rIns="91440" bIns="45720" numCol="1" spcCol="0" rtlCol="0" fromWordArt="0" anchor="ctr" anchorCtr="0" forceAA="0" compatLnSpc="1">
+            <a:prstTxWarp prst="textNoShape">
+              <a:avLst/>
+            </a:prstTxWarp>
+            <a:noAutofit/>
+          </a:bodyPr>
+          <a:lstStyle/>
+          <a:p>
+            <a:pPr algn="ctr"/>
+            <a:r>
+              <a:rPr lang="zh-CN" altLang="en-US" sz="2200" dirty="0">
+                <a:latin typeface="微软雅黑" panose="020B0503020204020204" pitchFamily="34" charset="-122"/>
+                <a:ea typeface="微软雅黑" panose="020B0503020204020204" pitchFamily="34" charset="-122"/>
+              </a:rPr>
+              <a:t>指令适配与发送</a:t>
+            </a:r>
+          </a:p>
+        </p:txBody>
+      </p:sp>
+      <p:sp>
+        <p:nvSpPr>
+          <p:cNvPr id="72" name="矩形 71">
+            <a:extLst>
+              <a:ext uri="{FF2B5EF4-FFF2-40B4-BE49-F238E27FC236}">
+                <a16:creationId xmlns:a16="http://schemas.microsoft.com/office/drawing/2014/main" id="{5FE175A4-4145-4525-A6CF-9926300A9574}"/>
+              </a:ext>
+            </a:extLst>
+          </p:cNvPr>
+          <p:cNvSpPr/>
+          <p:nvPr/>
+        </p:nvSpPr>
+        <p:spPr>
+          <a:xfrm>
+            <a:off x="14426592" y="5750044"/>
+            <a:ext cx="1872944" cy="564318"/>
+          </a:xfrm>
+          <a:prstGeom prst="rect">
+            <a:avLst/>
+          </a:prstGeom>
+          <a:solidFill>
+            <a:schemeClr val="accent4"/>
+          </a:solidFill>
+          <a:ln>
+            <a:noFill/>
+          </a:ln>
+        </p:spPr>
+        <p:style>
+          <a:lnRef idx="0">
+            <a:scrgbClr r="0" g="0" b="0"/>
+          </a:lnRef>
+          <a:fillRef idx="0">
+            <a:scrgbClr r="0" g="0" b="0"/>
+          </a:fillRef>
+          <a:effectRef idx="0">
+            <a:scrgbClr r="0" g="0" b="0"/>
+          </a:effectRef>
+          <a:fontRef idx="minor">
+            <a:schemeClr val="lt1"/>
+          </a:fontRef>
+        </p:style>
+        <p:txBody>
+          <a:bodyPr rot="0" spcFirstLastPara="0" vertOverflow="overflow" horzOverflow="overflow" vert="horz" wrap="square" lIns="91440" tIns="45720" rIns="91440" bIns="45720" numCol="1" spcCol="0" rtlCol="0" fromWordArt="0" anchor="ctr" anchorCtr="0" forceAA="0" compatLnSpc="1">
+            <a:prstTxWarp prst="textNoShape">
+              <a:avLst/>
+            </a:prstTxWarp>
+            <a:noAutofit/>
+          </a:bodyPr>
+          <a:lstStyle/>
+          <a:p>
+            <a:pPr algn="ctr"/>
+            <a:r>
+              <a:rPr lang="zh-CN" altLang="en-US" sz="2200" dirty="0">
+                <a:latin typeface="微软雅黑" panose="020B0503020204020204" pitchFamily="34" charset="-122"/>
+                <a:ea typeface="微软雅黑" panose="020B0503020204020204" pitchFamily="34" charset="-122"/>
+              </a:rPr>
+              <a:t>资费策略</a:t>
+            </a:r>
+          </a:p>
+        </p:txBody>
+      </p:sp>
+      <p:sp>
+        <p:nvSpPr>
+          <p:cNvPr id="73" name="矩形 72">
+            <a:extLst>
+              <a:ext uri="{FF2B5EF4-FFF2-40B4-BE49-F238E27FC236}">
+                <a16:creationId xmlns:a16="http://schemas.microsoft.com/office/drawing/2014/main" id="{1C6ECB2C-59F5-4D74-A435-522797A39007}"/>
+              </a:ext>
+            </a:extLst>
+          </p:cNvPr>
+          <p:cNvSpPr/>
+          <p:nvPr/>
+        </p:nvSpPr>
+        <p:spPr>
+          <a:xfrm>
+            <a:off x="14426592" y="6740393"/>
+            <a:ext cx="1872943" cy="564318"/>
+          </a:xfrm>
+          <a:prstGeom prst="rect">
+            <a:avLst/>
+          </a:prstGeom>
+          <a:solidFill>
+            <a:schemeClr val="accent4"/>
+          </a:solidFill>
+          <a:ln>
+            <a:noFill/>
+          </a:ln>
+        </p:spPr>
+        <p:style>
+          <a:lnRef idx="0">
+            <a:scrgbClr r="0" g="0" b="0"/>
+          </a:lnRef>
+          <a:fillRef idx="0">
+            <a:scrgbClr r="0" g="0" b="0"/>
+          </a:fillRef>
+          <a:effectRef idx="0">
+            <a:scrgbClr r="0" g="0" b="0"/>
+          </a:effectRef>
+          <a:fontRef idx="minor">
+            <a:schemeClr val="lt1"/>
+          </a:fontRef>
+        </p:style>
+        <p:txBody>
+          <a:bodyPr rot="0" spcFirstLastPara="0" vertOverflow="overflow" horzOverflow="overflow" vert="horz" wrap="square" lIns="91440" tIns="45720" rIns="91440" bIns="45720" numCol="1" spcCol="0" rtlCol="0" fromWordArt="0" anchor="ctr" anchorCtr="0" forceAA="0" compatLnSpc="1">
+            <a:prstTxWarp prst="textNoShape">
+              <a:avLst/>
+            </a:prstTxWarp>
+            <a:noAutofit/>
+          </a:bodyPr>
+          <a:lstStyle/>
+          <a:p>
+            <a:pPr algn="ctr"/>
+            <a:r>
+              <a:rPr lang="zh-CN" altLang="en-US" sz="2200" dirty="0">
+                <a:latin typeface="微软雅黑" panose="020B0503020204020204" pitchFamily="34" charset="-122"/>
+                <a:ea typeface="微软雅黑" panose="020B0503020204020204" pitchFamily="34" charset="-122"/>
+              </a:rPr>
+              <a:t>用户等级体系</a:t>
+            </a:r>
+          </a:p>
+        </p:txBody>
+      </p:sp>
+      <p:sp>
+        <p:nvSpPr>
+          <p:cNvPr id="74" name="矩形 73">
+            <a:extLst>
+              <a:ext uri="{FF2B5EF4-FFF2-40B4-BE49-F238E27FC236}">
+                <a16:creationId xmlns:a16="http://schemas.microsoft.com/office/drawing/2014/main" id="{B6AE202C-7C08-4E31-8A7E-BF7A3CBB24EA}"/>
+              </a:ext>
+            </a:extLst>
+          </p:cNvPr>
+          <p:cNvSpPr/>
+          <p:nvPr/>
+        </p:nvSpPr>
+        <p:spPr>
+          <a:xfrm>
+            <a:off x="14426593" y="7422385"/>
+            <a:ext cx="1872942" cy="2134336"/>
+          </a:xfrm>
+          <a:prstGeom prst="rect">
+            <a:avLst/>
+          </a:prstGeom>
+          <a:solidFill>
+            <a:schemeClr val="accent4"/>
+          </a:solidFill>
+          <a:ln>
+            <a:noFill/>
+          </a:ln>
+        </p:spPr>
+        <p:style>
+          <a:lnRef idx="0">
+            <a:scrgbClr r="0" g="0" b="0"/>
+          </a:lnRef>
+          <a:fillRef idx="0">
+            <a:scrgbClr r="0" g="0" b="0"/>
+          </a:fillRef>
+          <a:effectRef idx="0">
+            <a:scrgbClr r="0" g="0" b="0"/>
+          </a:effectRef>
+          <a:fontRef idx="minor">
+            <a:schemeClr val="lt1"/>
+          </a:fontRef>
+        </p:style>
+        <p:txBody>
+          <a:bodyPr rot="0" spcFirstLastPara="0" vertOverflow="overflow" horzOverflow="overflow" vert="horz" wrap="square" lIns="91440" tIns="45720" rIns="91440" bIns="45720" numCol="1" spcCol="0" rtlCol="0" fromWordArt="0" anchor="ctr" anchorCtr="0" forceAA="0" compatLnSpc="1">
+            <a:prstTxWarp prst="textNoShape">
+              <a:avLst/>
+            </a:prstTxWarp>
+            <a:noAutofit/>
+          </a:bodyPr>
+          <a:lstStyle/>
+          <a:p>
+            <a:pPr algn="ctr"/>
+            <a:r>
+              <a:rPr lang="zh-CN" altLang="en-US" sz="2200" dirty="0">
+                <a:latin typeface="微软雅黑" panose="020B0503020204020204" pitchFamily="34" charset="-122"/>
+                <a:ea typeface="微软雅黑" panose="020B0503020204020204" pitchFamily="34" charset="-122"/>
+              </a:rPr>
+              <a:t>商城系统</a:t>
+            </a:r>
+            <a:r>
+              <a:rPr lang="en-US" altLang="zh-CN" sz="2200" dirty="0">
+                <a:latin typeface="微软雅黑" panose="020B0503020204020204" pitchFamily="34" charset="-122"/>
+                <a:ea typeface="微软雅黑" panose="020B0503020204020204" pitchFamily="34" charset="-122"/>
+              </a:rPr>
+              <a:t>/</a:t>
+            </a:r>
+            <a:r>
+              <a:rPr lang="zh-CN" altLang="en-US" sz="2200" dirty="0">
+                <a:latin typeface="微软雅黑" panose="020B0503020204020204" pitchFamily="34" charset="-122"/>
+                <a:ea typeface="微软雅黑" panose="020B0503020204020204" pitchFamily="34" charset="-122"/>
+              </a:rPr>
+              <a:t>钱包</a:t>
+            </a:r>
+            <a:r>
+              <a:rPr lang="en-US" altLang="zh-CN" sz="2200" dirty="0">
+                <a:latin typeface="微软雅黑" panose="020B0503020204020204" pitchFamily="34" charset="-122"/>
+                <a:ea typeface="微软雅黑" panose="020B0503020204020204" pitchFamily="34" charset="-122"/>
+              </a:rPr>
+              <a:t>/</a:t>
+            </a:r>
+            <a:r>
+              <a:rPr lang="zh-CN" altLang="en-US" sz="2200" dirty="0">
+                <a:latin typeface="微软雅黑" panose="020B0503020204020204" pitchFamily="34" charset="-122"/>
+                <a:ea typeface="微软雅黑" panose="020B0503020204020204" pitchFamily="34" charset="-122"/>
+              </a:rPr>
+              <a:t>支付</a:t>
+            </a:r>
+            <a:r>
+              <a:rPr lang="en-US" altLang="zh-CN" sz="2200" dirty="0">
+                <a:latin typeface="微软雅黑" panose="020B0503020204020204" pitchFamily="34" charset="-122"/>
+                <a:ea typeface="微软雅黑" panose="020B0503020204020204" pitchFamily="34" charset="-122"/>
+              </a:rPr>
+              <a:t>...</a:t>
+            </a:r>
+            <a:endParaRPr lang="zh-CN" altLang="en-US" sz="2200" dirty="0">
+              <a:latin typeface="微软雅黑" panose="020B0503020204020204" pitchFamily="34" charset="-122"/>
+              <a:ea typeface="微软雅黑" panose="020B0503020204020204" pitchFamily="34" charset="-122"/>
+            </a:endParaRPr>
+          </a:p>
+        </p:txBody>
+      </p:sp>
+      <p:cxnSp>
+        <p:nvCxnSpPr>
+          <p:cNvPr id="40" name="直接箭头连接符 39">
+            <a:extLst>
+              <a:ext uri="{FF2B5EF4-FFF2-40B4-BE49-F238E27FC236}">
+                <a16:creationId xmlns:a16="http://schemas.microsoft.com/office/drawing/2014/main" id="{BB91B432-5045-4271-8888-45F71293AF5F}"/>
+              </a:ext>
+            </a:extLst>
+          </p:cNvPr>
+          <p:cNvCxnSpPr>
+            <a:cxnSpLocks/>
+            <a:stCxn id="73" idx="0"/>
+            <a:endCxn id="72" idx="2"/>
+          </p:cNvCxnSpPr>
+          <p:nvPr/>
+        </p:nvCxnSpPr>
+        <p:spPr>
+          <a:xfrm flipV="1">
+            <a:off x="15363064" y="6314362"/>
+            <a:ext cx="0" cy="426031"/>
+          </a:xfrm>
+          <a:prstGeom prst="straightConnector1">
+            <a:avLst/>
+          </a:prstGeom>
+          <a:ln>
+            <a:tailEnd type="triangle"/>
+          </a:ln>
+        </p:spPr>
+        <p:style>
+          <a:lnRef idx="3">
+            <a:schemeClr val="dk1"/>
+          </a:lnRef>
+          <a:fillRef idx="0">
+            <a:schemeClr val="dk1"/>
+          </a:fillRef>
+          <a:effectRef idx="2">
+            <a:schemeClr val="dk1"/>
+          </a:effectRef>
+          <a:fontRef idx="minor">
+            <a:schemeClr val="tx1"/>
+          </a:fontRef>
+        </p:style>
+      </p:cxnSp>
+      <p:sp>
+        <p:nvSpPr>
+          <p:cNvPr id="75" name="矩形 74">
+            <a:extLst>
+              <a:ext uri="{FF2B5EF4-FFF2-40B4-BE49-F238E27FC236}">
+                <a16:creationId xmlns:a16="http://schemas.microsoft.com/office/drawing/2014/main" id="{DFCF3747-ECF8-44C7-B32D-A312746AE0E0}"/>
+              </a:ext>
+            </a:extLst>
+          </p:cNvPr>
+          <p:cNvSpPr/>
+          <p:nvPr/>
+        </p:nvSpPr>
+        <p:spPr>
+          <a:xfrm>
+            <a:off x="4803388" y="4814849"/>
+            <a:ext cx="5880266" cy="564318"/>
+          </a:xfrm>
+          <a:prstGeom prst="rect">
+            <a:avLst/>
+          </a:prstGeom>
+          <a:solidFill>
+            <a:schemeClr val="accent4"/>
+          </a:solidFill>
+          <a:ln>
+            <a:noFill/>
+          </a:ln>
+        </p:spPr>
+        <p:style>
+          <a:lnRef idx="0">
+            <a:scrgbClr r="0" g="0" b="0"/>
+          </a:lnRef>
+          <a:fillRef idx="0">
+            <a:scrgbClr r="0" g="0" b="0"/>
+          </a:fillRef>
+          <a:effectRef idx="0">
+            <a:scrgbClr r="0" g="0" b="0"/>
+          </a:effectRef>
+          <a:fontRef idx="minor">
+            <a:schemeClr val="lt1"/>
+          </a:fontRef>
+        </p:style>
+        <p:txBody>
+          <a:bodyPr rot="0" spcFirstLastPara="0" vertOverflow="overflow" horzOverflow="overflow" vert="horz" wrap="square" lIns="91440" tIns="45720" rIns="91440" bIns="45720" numCol="1" spcCol="0" rtlCol="0" fromWordArt="0" anchor="ctr" anchorCtr="0" forceAA="0" compatLnSpc="1">
+            <a:prstTxWarp prst="textNoShape">
+              <a:avLst/>
+            </a:prstTxWarp>
+            <a:noAutofit/>
+          </a:bodyPr>
+          <a:lstStyle/>
+          <a:p>
+            <a:pPr algn="ctr"/>
+            <a:r>
+              <a:rPr lang="zh-CN" altLang="en-US" sz="2200" dirty="0">
+                <a:latin typeface="微软雅黑" panose="020B0503020204020204" pitchFamily="34" charset="-122"/>
+                <a:ea typeface="微软雅黑" panose="020B0503020204020204" pitchFamily="34" charset="-122"/>
+              </a:rPr>
+              <a:t>可消费服务或产品（如充电、自动售卖商品）</a:t>
+            </a:r>
+          </a:p>
+        </p:txBody>
+      </p:sp>
+      <p:cxnSp>
+        <p:nvCxnSpPr>
+          <p:cNvPr id="76" name="直接箭头连接符 75">
+            <a:extLst>
+              <a:ext uri="{FF2B5EF4-FFF2-40B4-BE49-F238E27FC236}">
+                <a16:creationId xmlns:a16="http://schemas.microsoft.com/office/drawing/2014/main" id="{FF89C26F-928C-4ACA-ACC4-4BE12C1FD2B4}"/>
+              </a:ext>
+            </a:extLst>
+          </p:cNvPr>
+          <p:cNvCxnSpPr>
+            <a:cxnSpLocks/>
+            <a:stCxn id="7" idx="0"/>
+            <a:endCxn id="75" idx="2"/>
+          </p:cNvCxnSpPr>
+          <p:nvPr/>
+        </p:nvCxnSpPr>
+        <p:spPr>
+          <a:xfrm flipH="1" flipV="1">
+            <a:off x="7743521" y="5379167"/>
+            <a:ext cx="4" cy="896281"/>
+          </a:xfrm>
+          <a:prstGeom prst="straightConnector1">
+            <a:avLst/>
+          </a:prstGeom>
+          <a:ln>
+            <a:headEnd type="oval" w="med" len="med"/>
+            <a:tailEnd type="oval" w="med" len="med"/>
+          </a:ln>
+        </p:spPr>
+        <p:style>
+          <a:lnRef idx="3">
+            <a:schemeClr val="dk1"/>
+          </a:lnRef>
+          <a:fillRef idx="0">
+            <a:schemeClr val="dk1"/>
+          </a:fillRef>
+          <a:effectRef idx="2">
+            <a:schemeClr val="dk1"/>
+          </a:effectRef>
+          <a:fontRef idx="minor">
+            <a:schemeClr val="tx1"/>
+          </a:fontRef>
+        </p:style>
+      </p:cxnSp>
+      <p:sp>
+        <p:nvSpPr>
+          <p:cNvPr id="77" name="文本框 76">
+            <a:extLst>
+              <a:ext uri="{FF2B5EF4-FFF2-40B4-BE49-F238E27FC236}">
+                <a16:creationId xmlns:a16="http://schemas.microsoft.com/office/drawing/2014/main" id="{2FCFCE53-2B9E-445F-8C2A-0CB89B350154}"/>
+              </a:ext>
+            </a:extLst>
+          </p:cNvPr>
+          <p:cNvSpPr txBox="1"/>
+          <p:nvPr/>
+        </p:nvSpPr>
+        <p:spPr>
+          <a:xfrm>
+            <a:off x="1063123" y="578222"/>
+            <a:ext cx="12577433" cy="3409459"/>
+          </a:xfrm>
+          <a:prstGeom prst="rect">
+            <a:avLst/>
+          </a:prstGeom>
+          <a:noFill/>
+        </p:spPr>
+        <p:txBody>
+          <a:bodyPr wrap="square" rtlCol="0">
+            <a:spAutoFit/>
+          </a:bodyPr>
+          <a:lstStyle/>
+          <a:p>
+            <a:pPr>
+              <a:lnSpc>
+                <a:spcPct val="200000"/>
+              </a:lnSpc>
+            </a:pPr>
+            <a:r>
+              <a:rPr lang="en-US" altLang="zh-CN" sz="2800" dirty="0">
+                <a:solidFill>
+                  <a:schemeClr val="bg1"/>
+                </a:solidFill>
+                <a:latin typeface="微软雅黑" panose="020B0503020204020204" pitchFamily="34" charset="-122"/>
+                <a:ea typeface="微软雅黑" panose="020B0503020204020204" pitchFamily="34" charset="-122"/>
+              </a:rPr>
+              <a:t>1</a:t>
+            </a:r>
+            <a:r>
+              <a:rPr lang="zh-CN" altLang="en-US" sz="2800" dirty="0">
+                <a:solidFill>
+                  <a:schemeClr val="bg1"/>
+                </a:solidFill>
+                <a:latin typeface="微软雅黑" panose="020B0503020204020204" pitchFamily="34" charset="-122"/>
+                <a:ea typeface="微软雅黑" panose="020B0503020204020204" pitchFamily="34" charset="-122"/>
+              </a:rPr>
+              <a:t>，定义一个通用的框架使其适用于绝大部分物联网场景。</a:t>
+            </a:r>
+            <a:endParaRPr lang="en-US" altLang="zh-CN" sz="2800" dirty="0">
+              <a:solidFill>
+                <a:schemeClr val="bg1"/>
+              </a:solidFill>
+              <a:latin typeface="微软雅黑" panose="020B0503020204020204" pitchFamily="34" charset="-122"/>
+              <a:ea typeface="微软雅黑" panose="020B0503020204020204" pitchFamily="34" charset="-122"/>
+            </a:endParaRPr>
+          </a:p>
+          <a:p>
+            <a:pPr>
+              <a:lnSpc>
+                <a:spcPct val="200000"/>
+              </a:lnSpc>
+            </a:pPr>
+            <a:r>
+              <a:rPr lang="en-US" altLang="zh-CN" sz="2800" dirty="0">
+                <a:solidFill>
+                  <a:schemeClr val="bg1"/>
+                </a:solidFill>
+                <a:latin typeface="微软雅黑" panose="020B0503020204020204" pitchFamily="34" charset="-122"/>
+                <a:ea typeface="微软雅黑" panose="020B0503020204020204" pitchFamily="34" charset="-122"/>
+              </a:rPr>
+              <a:t>2</a:t>
+            </a:r>
+            <a:r>
+              <a:rPr lang="zh-CN" altLang="en-US" sz="2800" dirty="0">
+                <a:solidFill>
+                  <a:schemeClr val="bg1"/>
+                </a:solidFill>
+                <a:latin typeface="微软雅黑" panose="020B0503020204020204" pitchFamily="34" charset="-122"/>
+                <a:ea typeface="微软雅黑" panose="020B0503020204020204" pitchFamily="34" charset="-122"/>
+              </a:rPr>
+              <a:t>，不同类型设备与服务端的交互通过可配置的处理类来实现特定的交互需求。</a:t>
+            </a:r>
+            <a:endParaRPr lang="en-US" altLang="zh-CN" sz="2800" dirty="0">
+              <a:solidFill>
+                <a:schemeClr val="bg1"/>
+              </a:solidFill>
+              <a:latin typeface="微软雅黑" panose="020B0503020204020204" pitchFamily="34" charset="-122"/>
+              <a:ea typeface="微软雅黑" panose="020B0503020204020204" pitchFamily="34" charset="-122"/>
+            </a:endParaRPr>
+          </a:p>
+          <a:p>
+            <a:pPr>
+              <a:lnSpc>
+                <a:spcPct val="200000"/>
+              </a:lnSpc>
+            </a:pPr>
+            <a:r>
+              <a:rPr lang="en-US" altLang="zh-CN" sz="2800" dirty="0">
+                <a:solidFill>
+                  <a:schemeClr val="bg1"/>
+                </a:solidFill>
+                <a:latin typeface="微软雅黑" panose="020B0503020204020204" pitchFamily="34" charset="-122"/>
+                <a:ea typeface="微软雅黑" panose="020B0503020204020204" pitchFamily="34" charset="-122"/>
+              </a:rPr>
+              <a:t>3</a:t>
+            </a:r>
+            <a:r>
+              <a:rPr lang="zh-CN" altLang="en-US" sz="2800" dirty="0">
+                <a:solidFill>
+                  <a:schemeClr val="bg1"/>
+                </a:solidFill>
+                <a:latin typeface="微软雅黑" panose="020B0503020204020204" pitchFamily="34" charset="-122"/>
+                <a:ea typeface="微软雅黑" panose="020B0503020204020204" pitchFamily="34" charset="-122"/>
+              </a:rPr>
+              <a:t>，将用户使用设备的行为统一抽象为购买商品</a:t>
+            </a:r>
+            <a:r>
+              <a:rPr lang="en-US" altLang="zh-CN" sz="2800" dirty="0">
+                <a:solidFill>
+                  <a:schemeClr val="bg1"/>
+                </a:solidFill>
+                <a:latin typeface="微软雅黑" panose="020B0503020204020204" pitchFamily="34" charset="-122"/>
+                <a:ea typeface="微软雅黑" panose="020B0503020204020204" pitchFamily="34" charset="-122"/>
+              </a:rPr>
+              <a:t>——</a:t>
+            </a:r>
+            <a:r>
+              <a:rPr lang="zh-CN" altLang="en-US" sz="2800" dirty="0">
+                <a:solidFill>
+                  <a:schemeClr val="bg1"/>
+                </a:solidFill>
+                <a:latin typeface="微软雅黑" panose="020B0503020204020204" pitchFamily="34" charset="-122"/>
+                <a:ea typeface="微软雅黑" panose="020B0503020204020204" pitchFamily="34" charset="-122"/>
+              </a:rPr>
+              <a:t>充电桩充电的电量、自动售货机上购买商品、迷你自助</a:t>
+            </a:r>
+            <a:r>
+              <a:rPr lang="en-US" altLang="zh-CN" sz="2800" dirty="0">
+                <a:solidFill>
+                  <a:schemeClr val="bg1"/>
+                </a:solidFill>
+                <a:latin typeface="微软雅黑" panose="020B0503020204020204" pitchFamily="34" charset="-122"/>
+                <a:ea typeface="微软雅黑" panose="020B0503020204020204" pitchFamily="34" charset="-122"/>
+              </a:rPr>
+              <a:t>KTV</a:t>
+            </a:r>
+            <a:r>
+              <a:rPr lang="zh-CN" altLang="en-US" sz="2800" dirty="0">
+                <a:solidFill>
+                  <a:schemeClr val="bg1"/>
+                </a:solidFill>
+                <a:latin typeface="微软雅黑" panose="020B0503020204020204" pitchFamily="34" charset="-122"/>
+                <a:ea typeface="微软雅黑" panose="020B0503020204020204" pitchFamily="34" charset="-122"/>
+              </a:rPr>
+              <a:t>唱歌半小时</a:t>
+            </a:r>
+            <a:r>
+              <a:rPr lang="en-US" altLang="zh-CN" sz="2800" dirty="0">
+                <a:solidFill>
+                  <a:schemeClr val="bg1"/>
+                </a:solidFill>
+                <a:latin typeface="微软雅黑" panose="020B0503020204020204" pitchFamily="34" charset="-122"/>
+                <a:ea typeface="微软雅黑" panose="020B0503020204020204" pitchFamily="34" charset="-122"/>
+              </a:rPr>
+              <a:t>......</a:t>
+            </a:r>
+            <a:r>
+              <a:rPr lang="zh-CN" altLang="en-US" sz="2800">
+                <a:solidFill>
+                  <a:schemeClr val="bg1"/>
+                </a:solidFill>
+                <a:latin typeface="微软雅黑" panose="020B0503020204020204" pitchFamily="34" charset="-122"/>
+                <a:ea typeface="微软雅黑" panose="020B0503020204020204" pitchFamily="34" charset="-122"/>
+              </a:rPr>
+              <a:t>等等，都可以理解为购买商品。</a:t>
+            </a:r>
+            <a:endParaRPr lang="en-US" altLang="zh-CN" sz="2800" dirty="0">
+              <a:solidFill>
+                <a:schemeClr val="bg1"/>
+              </a:solidFill>
+              <a:latin typeface="微软雅黑" panose="020B0503020204020204" pitchFamily="34" charset="-122"/>
+              <a:ea typeface="微软雅黑" panose="020B0503020204020204" pitchFamily="34" charset="-122"/>
+            </a:endParaRPr>
+          </a:p>
+        </p:txBody>
+      </p:sp>
+      <p:sp>
+        <p:nvSpPr>
+          <p:cNvPr id="86" name="矩形 85">
+            <a:extLst>
+              <a:ext uri="{FF2B5EF4-FFF2-40B4-BE49-F238E27FC236}">
+                <a16:creationId xmlns:a16="http://schemas.microsoft.com/office/drawing/2014/main" id="{89A75305-75D9-49F1-829F-C77CB277E35A}"/>
+              </a:ext>
+            </a:extLst>
+          </p:cNvPr>
+          <p:cNvSpPr/>
+          <p:nvPr/>
+        </p:nvSpPr>
+        <p:spPr>
+          <a:xfrm>
+            <a:off x="1374173" y="6289778"/>
+            <a:ext cx="2480154" cy="1696924"/>
+          </a:xfrm>
+          <a:prstGeom prst="rect">
+            <a:avLst/>
+          </a:prstGeom>
+          <a:solidFill>
+            <a:schemeClr val="accent3"/>
+          </a:solidFill>
+          <a:ln>
+            <a:noFill/>
+          </a:ln>
+        </p:spPr>
+        <p:style>
+          <a:lnRef idx="0">
+            <a:scrgbClr r="0" g="0" b="0"/>
+          </a:lnRef>
+          <a:fillRef idx="0">
+            <a:scrgbClr r="0" g="0" b="0"/>
+          </a:fillRef>
+          <a:effectRef idx="0">
+            <a:scrgbClr r="0" g="0" b="0"/>
+          </a:effectRef>
+          <a:fontRef idx="minor">
+            <a:schemeClr val="lt1"/>
+          </a:fontRef>
+        </p:style>
+        <p:txBody>
+          <a:bodyPr rtlCol="0" anchor="ctr"/>
+          <a:lstStyle/>
+          <a:p>
+            <a:pPr algn="ctr"/>
+            <a:r>
+              <a:rPr lang="zh-CN" altLang="en-US" sz="2200" dirty="0">
+                <a:latin typeface="微软雅黑" panose="020B0503020204020204" pitchFamily="34" charset="-122"/>
+                <a:ea typeface="微软雅黑" panose="020B0503020204020204" pitchFamily="34" charset="-122"/>
+              </a:rPr>
+              <a:t>设备类型定义</a:t>
+            </a:r>
+          </a:p>
+        </p:txBody>
+      </p:sp>
+      <p:cxnSp>
+        <p:nvCxnSpPr>
+          <p:cNvPr id="89" name="直接连接符 88">
+            <a:extLst>
+              <a:ext uri="{FF2B5EF4-FFF2-40B4-BE49-F238E27FC236}">
+                <a16:creationId xmlns:a16="http://schemas.microsoft.com/office/drawing/2014/main" id="{113633A0-0AF0-4815-B87D-C3874BC8280C}"/>
+              </a:ext>
+            </a:extLst>
+          </p:cNvPr>
+          <p:cNvCxnSpPr>
+            <a:cxnSpLocks/>
+            <a:stCxn id="7" idx="1"/>
+            <a:endCxn id="86" idx="3"/>
+          </p:cNvCxnSpPr>
+          <p:nvPr/>
+        </p:nvCxnSpPr>
+        <p:spPr>
+          <a:xfrm flipH="1">
+            <a:off x="3854327" y="7131076"/>
+            <a:ext cx="949064" cy="7164"/>
+          </a:xfrm>
+          <a:prstGeom prst="line">
+            <a:avLst/>
+          </a:prstGeom>
+        </p:spPr>
+        <p:style>
+          <a:lnRef idx="3">
+            <a:schemeClr val="dk1"/>
+          </a:lnRef>
+          <a:fillRef idx="0">
+            <a:schemeClr val="dk1"/>
+          </a:fillRef>
+          <a:effectRef idx="2">
+            <a:schemeClr val="dk1"/>
+          </a:effectRef>
+          <a:fontRef idx="minor">
+            <a:schemeClr val="tx1"/>
+          </a:fontRef>
+        </p:style>
+      </p:cxnSp>
     </p:spTree>
     <p:extLst>
       <p:ext uri="{BB962C8B-B14F-4D97-AF65-F5344CB8AC3E}">
@@ -10815,7 +13123,7 @@
 <file path=ppt/theme/theme2.xml><?xml version="1.0" encoding="utf-8"?>
 <a:theme xmlns:a="http://schemas.openxmlformats.org/drawingml/2006/main" name="离子">
   <a:themeElements>
-    <a:clrScheme name="自定义 8">
+    <a:clrScheme name="离子">
       <a:dk1>
         <a:sysClr val="windowText" lastClr="000000"/>
       </a:dk1>
@@ -10829,7 +13137,7 @@
         <a:srgbClr val="EBEBEB"/>
       </a:lt2>
       <a:accent1>
-        <a:srgbClr val="FF9900"/>
+        <a:srgbClr val="F5A408"/>
       </a:accent1>
       <a:accent2>
         <a:srgbClr val="FA731A"/>
@@ -11369,47 +13677,4 @@
     </a:ext>
   </a:extLst>
 </a:theme>
-</file>
-
-<file path=ppt/theme/themeOverride1.xml><?xml version="1.0" encoding="utf-8"?>
-<a:themeOverride xmlns:a="http://schemas.openxmlformats.org/drawingml/2006/main">
-  <a:clrScheme name="自定义 8">
-    <a:dk1>
-      <a:sysClr val="windowText" lastClr="000000"/>
-    </a:dk1>
-    <a:lt1>
-      <a:sysClr val="window" lastClr="FFFFFF"/>
-    </a:lt1>
-    <a:dk2>
-      <a:srgbClr val="EE5818"/>
-    </a:dk2>
-    <a:lt2>
-      <a:srgbClr val="EBEBEB"/>
-    </a:lt2>
-    <a:accent1>
-      <a:srgbClr val="FF9900"/>
-    </a:accent1>
-    <a:accent2>
-      <a:srgbClr val="FA731A"/>
-    </a:accent2>
-    <a:accent3>
-      <a:srgbClr val="AB9281"/>
-    </a:accent3>
-    <a:accent4>
-      <a:srgbClr val="A18CD0"/>
-    </a:accent4>
-    <a:accent5>
-      <a:srgbClr val="8EBBD2"/>
-    </a:accent5>
-    <a:accent6>
-      <a:srgbClr val="ACC995"/>
-    </a:accent6>
-    <a:hlink>
-      <a:srgbClr val="FAC96A"/>
-    </a:hlink>
-    <a:folHlink>
-      <a:srgbClr val="FCDB9B"/>
-    </a:folHlink>
-  </a:clrScheme>
-</a:themeOverride>
 </file>